--- a/wigs/WIGS-W04.pptx
+++ b/wigs/WIGS-W04.pptx
@@ -6,10 +6,10 @@
     <p:sldMasterId id="2147483744" r:id="rId2"/>
   </p:sldMasterIdLst>
   <p:notesMasterIdLst>
-    <p:notesMasterId r:id="rId27"/>
+    <p:notesMasterId r:id="rId23"/>
   </p:notesMasterIdLst>
   <p:handoutMasterIdLst>
-    <p:handoutMasterId r:id="rId28"/>
+    <p:handoutMasterId r:id="rId24"/>
   </p:handoutMasterIdLst>
   <p:sldIdLst>
     <p:sldId id="331" r:id="rId3"/>
@@ -17,25 +17,21 @@
     <p:sldId id="333" r:id="rId5"/>
     <p:sldId id="334" r:id="rId6"/>
     <p:sldId id="335" r:id="rId7"/>
-    <p:sldId id="317" r:id="rId8"/>
-    <p:sldId id="342" r:id="rId9"/>
-    <p:sldId id="341" r:id="rId10"/>
-    <p:sldId id="340" r:id="rId11"/>
-    <p:sldId id="339" r:id="rId12"/>
-    <p:sldId id="338" r:id="rId13"/>
-    <p:sldId id="348" r:id="rId14"/>
-    <p:sldId id="354" r:id="rId15"/>
-    <p:sldId id="353" r:id="rId16"/>
-    <p:sldId id="352" r:id="rId17"/>
-    <p:sldId id="351" r:id="rId18"/>
-    <p:sldId id="350" r:id="rId19"/>
-    <p:sldId id="349" r:id="rId20"/>
-    <p:sldId id="360" r:id="rId21"/>
-    <p:sldId id="359" r:id="rId22"/>
-    <p:sldId id="358" r:id="rId23"/>
-    <p:sldId id="357" r:id="rId24"/>
-    <p:sldId id="356" r:id="rId25"/>
-    <p:sldId id="355" r:id="rId26"/>
+    <p:sldId id="342" r:id="rId8"/>
+    <p:sldId id="341" r:id="rId9"/>
+    <p:sldId id="340" r:id="rId10"/>
+    <p:sldId id="339" r:id="rId11"/>
+    <p:sldId id="338" r:id="rId12"/>
+    <p:sldId id="354" r:id="rId13"/>
+    <p:sldId id="353" r:id="rId14"/>
+    <p:sldId id="352" r:id="rId15"/>
+    <p:sldId id="351" r:id="rId16"/>
+    <p:sldId id="350" r:id="rId17"/>
+    <p:sldId id="360" r:id="rId18"/>
+    <p:sldId id="359" r:id="rId19"/>
+    <p:sldId id="358" r:id="rId20"/>
+    <p:sldId id="357" r:id="rId21"/>
+    <p:sldId id="356" r:id="rId22"/>
   </p:sldIdLst>
   <p:sldSz cx="12192000" cy="6858000"/>
   <p:notesSz cx="6858000" cy="9144000"/>
@@ -222,7 +218,9 @@
   <p1510:revLst>
     <p1510:client id="{0661DDE2-054E-4BBA-8202-DCC85762ECAA}" v="630" dt="2020-05-18T19:48:26.570"/>
     <p1510:client id="{10724F9C-987F-CA59-3016-BFCE4FEF4050}" v="1477" dt="2020-05-19T22:49:27.668"/>
+    <p1510:client id="{37528431-2317-B14F-63DC-A0E679E128F0}" v="63" dt="2020-07-15T20:28:29.346"/>
     <p1510:client id="{386D0660-5DFC-19CC-A203-A4D498C6E56E}" v="186" dt="2020-05-19T16:24:17.624"/>
+    <p1510:client id="{586798A1-CB87-F535-A180-7DD8BFFE451A}" v="4" dt="2020-07-13T22:10:40.973"/>
     <p1510:client id="{78ABDD05-C471-88B2-2C47-A10F6B7C64EC}" v="393" dt="2020-05-19T01:18:41.142"/>
     <p1510:client id="{DB5001FD-BE0E-2022-2B4A-6C5C044895CC}" v="963" dt="2020-05-19T21:19:53.971"/>
     <p1510:client id="{DDF75595-1943-49FB-03F3-5909A469AA90}" v="4" dt="2020-05-19T21:12:31.415"/>
@@ -445,6 +443,144 @@
             <ac:graphicFrameMk id="4" creationId="{00000000-0000-0000-0000-000000000000}"/>
           </ac:graphicFrameMkLst>
         </pc:graphicFrameChg>
+      </pc:sldChg>
+    </pc:docChg>
+  </pc:docChgLst>
+  <pc:docChgLst>
+    <pc:chgData name="Porter, Chris" userId="S::portrchris@byui.edu::bacc3cf6-3423-4651-ad82-46a37d3432a1" providerId="AD" clId="Web-{10724F9C-987F-CA59-3016-BFCE4FEF4050}"/>
+    <pc:docChg chg="modSld">
+      <pc:chgData name="Porter, Chris" userId="S::portrchris@byui.edu::bacc3cf6-3423-4651-ad82-46a37d3432a1" providerId="AD" clId="Web-{10724F9C-987F-CA59-3016-BFCE4FEF4050}" dt="2020-05-19T22:49:27.668" v="1433" actId="20577"/>
+      <pc:docMkLst>
+        <pc:docMk/>
+      </pc:docMkLst>
+      <pc:sldChg chg="modSp">
+        <pc:chgData name="Porter, Chris" userId="S::portrchris@byui.edu::bacc3cf6-3423-4651-ad82-46a37d3432a1" providerId="AD" clId="Web-{10724F9C-987F-CA59-3016-BFCE4FEF4050}" dt="2020-05-19T21:35:04.887" v="807"/>
+        <pc:sldMkLst>
+          <pc:docMk/>
+          <pc:sldMk cId="1381302934" sldId="331"/>
+        </pc:sldMkLst>
+        <pc:spChg chg="mod">
+          <ac:chgData name="Porter, Chris" userId="S::portrchris@byui.edu::bacc3cf6-3423-4651-ad82-46a37d3432a1" providerId="AD" clId="Web-{10724F9C-987F-CA59-3016-BFCE4FEF4050}" dt="2020-05-19T21:14:50.380" v="10" actId="20577"/>
+          <ac:spMkLst>
+            <pc:docMk/>
+            <pc:sldMk cId="1381302934" sldId="331"/>
+            <ac:spMk id="2" creationId="{00000000-0000-0000-0000-000000000000}"/>
+          </ac:spMkLst>
+        </pc:spChg>
+        <pc:graphicFrameChg chg="mod modGraphic">
+          <ac:chgData name="Porter, Chris" userId="S::portrchris@byui.edu::bacc3cf6-3423-4651-ad82-46a37d3432a1" providerId="AD" clId="Web-{10724F9C-987F-CA59-3016-BFCE4FEF4050}" dt="2020-05-19T21:20:30.629" v="266"/>
+          <ac:graphicFrameMkLst>
+            <pc:docMk/>
+            <pc:sldMk cId="1381302934" sldId="331"/>
+            <ac:graphicFrameMk id="3" creationId="{00000000-0000-0000-0000-000000000000}"/>
+          </ac:graphicFrameMkLst>
+        </pc:graphicFrameChg>
+        <pc:graphicFrameChg chg="mod modGraphic">
+          <ac:chgData name="Porter, Chris" userId="S::portrchris@byui.edu::bacc3cf6-3423-4651-ad82-46a37d3432a1" providerId="AD" clId="Web-{10724F9C-987F-CA59-3016-BFCE4FEF4050}" dt="2020-05-19T21:35:04.887" v="807"/>
+          <ac:graphicFrameMkLst>
+            <pc:docMk/>
+            <pc:sldMk cId="1381302934" sldId="331"/>
+            <ac:graphicFrameMk id="4" creationId="{00000000-0000-0000-0000-000000000000}"/>
+          </ac:graphicFrameMkLst>
+        </pc:graphicFrameChg>
+      </pc:sldChg>
+      <pc:sldChg chg="modSp">
+        <pc:chgData name="Porter, Chris" userId="S::portrchris@byui.edu::bacc3cf6-3423-4651-ad82-46a37d3432a1" providerId="AD" clId="Web-{10724F9C-987F-CA59-3016-BFCE4FEF4050}" dt="2020-05-19T21:23:38.591" v="680" actId="20577"/>
+        <pc:sldMkLst>
+          <pc:docMk/>
+          <pc:sldMk cId="2606426039" sldId="333"/>
+        </pc:sldMkLst>
+        <pc:spChg chg="mod">
+          <ac:chgData name="Porter, Chris" userId="S::portrchris@byui.edu::bacc3cf6-3423-4651-ad82-46a37d3432a1" providerId="AD" clId="Web-{10724F9C-987F-CA59-3016-BFCE4FEF4050}" dt="2020-05-19T21:23:38.591" v="680" actId="20577"/>
+          <ac:spMkLst>
+            <pc:docMk/>
+            <pc:sldMk cId="2606426039" sldId="333"/>
+            <ac:spMk id="3" creationId="{00000000-0000-0000-0000-000000000000}"/>
+          </ac:spMkLst>
+        </pc:spChg>
+      </pc:sldChg>
+      <pc:sldChg chg="modSp">
+        <pc:chgData name="Porter, Chris" userId="S::portrchris@byui.edu::bacc3cf6-3423-4651-ad82-46a37d3432a1" providerId="AD" clId="Web-{10724F9C-987F-CA59-3016-BFCE4FEF4050}" dt="2020-05-19T21:25:21.158" v="790"/>
+        <pc:sldMkLst>
+          <pc:docMk/>
+          <pc:sldMk cId="3214645133" sldId="334"/>
+        </pc:sldMkLst>
+        <pc:graphicFrameChg chg="mod modGraphic">
+          <ac:chgData name="Porter, Chris" userId="S::portrchris@byui.edu::bacc3cf6-3423-4651-ad82-46a37d3432a1" providerId="AD" clId="Web-{10724F9C-987F-CA59-3016-BFCE4FEF4050}" dt="2020-05-19T21:25:15.236" v="788"/>
+          <ac:graphicFrameMkLst>
+            <pc:docMk/>
+            <pc:sldMk cId="3214645133" sldId="334"/>
+            <ac:graphicFrameMk id="3" creationId="{00000000-0000-0000-0000-000000000000}"/>
+          </ac:graphicFrameMkLst>
+        </pc:graphicFrameChg>
+        <pc:graphicFrameChg chg="mod modGraphic">
+          <ac:chgData name="Porter, Chris" userId="S::portrchris@byui.edu::bacc3cf6-3423-4651-ad82-46a37d3432a1" providerId="AD" clId="Web-{10724F9C-987F-CA59-3016-BFCE4FEF4050}" dt="2020-05-19T21:25:21.158" v="790"/>
+          <ac:graphicFrameMkLst>
+            <pc:docMk/>
+            <pc:sldMk cId="3214645133" sldId="334"/>
+            <ac:graphicFrameMk id="4" creationId="{00000000-0000-0000-0000-000000000000}"/>
+          </ac:graphicFrameMkLst>
+        </pc:graphicFrameChg>
+      </pc:sldChg>
+      <pc:sldChg chg="modSp">
+        <pc:chgData name="Porter, Chris" userId="S::portrchris@byui.edu::bacc3cf6-3423-4651-ad82-46a37d3432a1" providerId="AD" clId="Web-{10724F9C-987F-CA59-3016-BFCE4FEF4050}" dt="2020-05-19T22:49:27.668" v="1432" actId="20577"/>
+        <pc:sldMkLst>
+          <pc:docMk/>
+          <pc:sldMk cId="3005922186" sldId="335"/>
+        </pc:sldMkLst>
+        <pc:spChg chg="mod">
+          <ac:chgData name="Porter, Chris" userId="S::portrchris@byui.edu::bacc3cf6-3423-4651-ad82-46a37d3432a1" providerId="AD" clId="Web-{10724F9C-987F-CA59-3016-BFCE4FEF4050}" dt="2020-05-19T22:49:27.668" v="1432" actId="20577"/>
+          <ac:spMkLst>
+            <pc:docMk/>
+            <pc:sldMk cId="3005922186" sldId="335"/>
+            <ac:spMk id="3" creationId="{00000000-0000-0000-0000-000000000000}"/>
+          </ac:spMkLst>
+        </pc:spChg>
+      </pc:sldChg>
+      <pc:sldChg chg="modSp">
+        <pc:chgData name="Porter, Chris" userId="S::portrchris@byui.edu::bacc3cf6-3423-4651-ad82-46a37d3432a1" providerId="AD" clId="Web-{10724F9C-987F-CA59-3016-BFCE4FEF4050}" dt="2020-05-19T21:22:20.884" v="457" actId="20577"/>
+        <pc:sldMkLst>
+          <pc:docMk/>
+          <pc:sldMk cId="3333040100" sldId="336"/>
+        </pc:sldMkLst>
+        <pc:spChg chg="mod">
+          <ac:chgData name="Porter, Chris" userId="S::portrchris@byui.edu::bacc3cf6-3423-4651-ad82-46a37d3432a1" providerId="AD" clId="Web-{10724F9C-987F-CA59-3016-BFCE4FEF4050}" dt="2020-05-19T21:22:20.884" v="457" actId="20577"/>
+          <ac:spMkLst>
+            <pc:docMk/>
+            <pc:sldMk cId="3333040100" sldId="336"/>
+            <ac:spMk id="3" creationId="{00000000-0000-0000-0000-000000000000}"/>
+          </ac:spMkLst>
+        </pc:spChg>
+      </pc:sldChg>
+      <pc:sldChg chg="modSp">
+        <pc:chgData name="Porter, Chris" userId="S::portrchris@byui.edu::bacc3cf6-3423-4651-ad82-46a37d3432a1" providerId="AD" clId="Web-{10724F9C-987F-CA59-3016-BFCE4FEF4050}" dt="2020-05-19T21:25:54.362" v="791" actId="20577"/>
+        <pc:sldMkLst>
+          <pc:docMk/>
+          <pc:sldMk cId="421702462" sldId="340"/>
+        </pc:sldMkLst>
+        <pc:spChg chg="mod">
+          <ac:chgData name="Porter, Chris" userId="S::portrchris@byui.edu::bacc3cf6-3423-4651-ad82-46a37d3432a1" providerId="AD" clId="Web-{10724F9C-987F-CA59-3016-BFCE4FEF4050}" dt="2020-05-19T21:25:54.362" v="791" actId="20577"/>
+          <ac:spMkLst>
+            <pc:docMk/>
+            <pc:sldMk cId="421702462" sldId="340"/>
+            <ac:spMk id="3" creationId="{00000000-0000-0000-0000-000000000000}"/>
+          </ac:spMkLst>
+        </pc:spChg>
+      </pc:sldChg>
+      <pc:sldChg chg="modSp">
+        <pc:chgData name="Porter, Chris" userId="S::portrchris@byui.edu::bacc3cf6-3423-4651-ad82-46a37d3432a1" providerId="AD" clId="Web-{10724F9C-987F-CA59-3016-BFCE4FEF4050}" dt="2020-05-19T21:26:52.990" v="795" actId="20577"/>
+        <pc:sldMkLst>
+          <pc:docMk/>
+          <pc:sldMk cId="2921327710" sldId="353"/>
+        </pc:sldMkLst>
+        <pc:spChg chg="mod">
+          <ac:chgData name="Porter, Chris" userId="S::portrchris@byui.edu::bacc3cf6-3423-4651-ad82-46a37d3432a1" providerId="AD" clId="Web-{10724F9C-987F-CA59-3016-BFCE4FEF4050}" dt="2020-05-19T21:26:52.990" v="795" actId="20577"/>
+          <ac:spMkLst>
+            <pc:docMk/>
+            <pc:sldMk cId="2921327710" sldId="353"/>
+            <ac:spMk id="3" creationId="{00000000-0000-0000-0000-000000000000}"/>
+          </ac:spMkLst>
+        </pc:spChg>
       </pc:sldChg>
     </pc:docChg>
   </pc:docChgLst>
@@ -774,144 +910,6 @@
     </pc:docChg>
   </pc:docChgLst>
   <pc:docChgLst>
-    <pc:chgData name="Porter, Chris" userId="S::portrchris@byui.edu::bacc3cf6-3423-4651-ad82-46a37d3432a1" providerId="AD" clId="Web-{10724F9C-987F-CA59-3016-BFCE4FEF4050}"/>
-    <pc:docChg chg="modSld">
-      <pc:chgData name="Porter, Chris" userId="S::portrchris@byui.edu::bacc3cf6-3423-4651-ad82-46a37d3432a1" providerId="AD" clId="Web-{10724F9C-987F-CA59-3016-BFCE4FEF4050}" dt="2020-05-19T22:49:27.668" v="1433" actId="20577"/>
-      <pc:docMkLst>
-        <pc:docMk/>
-      </pc:docMkLst>
-      <pc:sldChg chg="modSp">
-        <pc:chgData name="Porter, Chris" userId="S::portrchris@byui.edu::bacc3cf6-3423-4651-ad82-46a37d3432a1" providerId="AD" clId="Web-{10724F9C-987F-CA59-3016-BFCE4FEF4050}" dt="2020-05-19T21:35:04.887" v="807"/>
-        <pc:sldMkLst>
-          <pc:docMk/>
-          <pc:sldMk cId="1381302934" sldId="331"/>
-        </pc:sldMkLst>
-        <pc:spChg chg="mod">
-          <ac:chgData name="Porter, Chris" userId="S::portrchris@byui.edu::bacc3cf6-3423-4651-ad82-46a37d3432a1" providerId="AD" clId="Web-{10724F9C-987F-CA59-3016-BFCE4FEF4050}" dt="2020-05-19T21:14:50.380" v="10" actId="20577"/>
-          <ac:spMkLst>
-            <pc:docMk/>
-            <pc:sldMk cId="1381302934" sldId="331"/>
-            <ac:spMk id="2" creationId="{00000000-0000-0000-0000-000000000000}"/>
-          </ac:spMkLst>
-        </pc:spChg>
-        <pc:graphicFrameChg chg="mod modGraphic">
-          <ac:chgData name="Porter, Chris" userId="S::portrchris@byui.edu::bacc3cf6-3423-4651-ad82-46a37d3432a1" providerId="AD" clId="Web-{10724F9C-987F-CA59-3016-BFCE4FEF4050}" dt="2020-05-19T21:20:30.629" v="266"/>
-          <ac:graphicFrameMkLst>
-            <pc:docMk/>
-            <pc:sldMk cId="1381302934" sldId="331"/>
-            <ac:graphicFrameMk id="3" creationId="{00000000-0000-0000-0000-000000000000}"/>
-          </ac:graphicFrameMkLst>
-        </pc:graphicFrameChg>
-        <pc:graphicFrameChg chg="mod modGraphic">
-          <ac:chgData name="Porter, Chris" userId="S::portrchris@byui.edu::bacc3cf6-3423-4651-ad82-46a37d3432a1" providerId="AD" clId="Web-{10724F9C-987F-CA59-3016-BFCE4FEF4050}" dt="2020-05-19T21:35:04.887" v="807"/>
-          <ac:graphicFrameMkLst>
-            <pc:docMk/>
-            <pc:sldMk cId="1381302934" sldId="331"/>
-            <ac:graphicFrameMk id="4" creationId="{00000000-0000-0000-0000-000000000000}"/>
-          </ac:graphicFrameMkLst>
-        </pc:graphicFrameChg>
-      </pc:sldChg>
-      <pc:sldChg chg="modSp">
-        <pc:chgData name="Porter, Chris" userId="S::portrchris@byui.edu::bacc3cf6-3423-4651-ad82-46a37d3432a1" providerId="AD" clId="Web-{10724F9C-987F-CA59-3016-BFCE4FEF4050}" dt="2020-05-19T21:23:38.591" v="680" actId="20577"/>
-        <pc:sldMkLst>
-          <pc:docMk/>
-          <pc:sldMk cId="2606426039" sldId="333"/>
-        </pc:sldMkLst>
-        <pc:spChg chg="mod">
-          <ac:chgData name="Porter, Chris" userId="S::portrchris@byui.edu::bacc3cf6-3423-4651-ad82-46a37d3432a1" providerId="AD" clId="Web-{10724F9C-987F-CA59-3016-BFCE4FEF4050}" dt="2020-05-19T21:23:38.591" v="680" actId="20577"/>
-          <ac:spMkLst>
-            <pc:docMk/>
-            <pc:sldMk cId="2606426039" sldId="333"/>
-            <ac:spMk id="3" creationId="{00000000-0000-0000-0000-000000000000}"/>
-          </ac:spMkLst>
-        </pc:spChg>
-      </pc:sldChg>
-      <pc:sldChg chg="modSp">
-        <pc:chgData name="Porter, Chris" userId="S::portrchris@byui.edu::bacc3cf6-3423-4651-ad82-46a37d3432a1" providerId="AD" clId="Web-{10724F9C-987F-CA59-3016-BFCE4FEF4050}" dt="2020-05-19T21:25:21.158" v="790"/>
-        <pc:sldMkLst>
-          <pc:docMk/>
-          <pc:sldMk cId="3214645133" sldId="334"/>
-        </pc:sldMkLst>
-        <pc:graphicFrameChg chg="mod modGraphic">
-          <ac:chgData name="Porter, Chris" userId="S::portrchris@byui.edu::bacc3cf6-3423-4651-ad82-46a37d3432a1" providerId="AD" clId="Web-{10724F9C-987F-CA59-3016-BFCE4FEF4050}" dt="2020-05-19T21:25:15.236" v="788"/>
-          <ac:graphicFrameMkLst>
-            <pc:docMk/>
-            <pc:sldMk cId="3214645133" sldId="334"/>
-            <ac:graphicFrameMk id="3" creationId="{00000000-0000-0000-0000-000000000000}"/>
-          </ac:graphicFrameMkLst>
-        </pc:graphicFrameChg>
-        <pc:graphicFrameChg chg="mod modGraphic">
-          <ac:chgData name="Porter, Chris" userId="S::portrchris@byui.edu::bacc3cf6-3423-4651-ad82-46a37d3432a1" providerId="AD" clId="Web-{10724F9C-987F-CA59-3016-BFCE4FEF4050}" dt="2020-05-19T21:25:21.158" v="790"/>
-          <ac:graphicFrameMkLst>
-            <pc:docMk/>
-            <pc:sldMk cId="3214645133" sldId="334"/>
-            <ac:graphicFrameMk id="4" creationId="{00000000-0000-0000-0000-000000000000}"/>
-          </ac:graphicFrameMkLst>
-        </pc:graphicFrameChg>
-      </pc:sldChg>
-      <pc:sldChg chg="modSp">
-        <pc:chgData name="Porter, Chris" userId="S::portrchris@byui.edu::bacc3cf6-3423-4651-ad82-46a37d3432a1" providerId="AD" clId="Web-{10724F9C-987F-CA59-3016-BFCE4FEF4050}" dt="2020-05-19T22:49:27.668" v="1432" actId="20577"/>
-        <pc:sldMkLst>
-          <pc:docMk/>
-          <pc:sldMk cId="3005922186" sldId="335"/>
-        </pc:sldMkLst>
-        <pc:spChg chg="mod">
-          <ac:chgData name="Porter, Chris" userId="S::portrchris@byui.edu::bacc3cf6-3423-4651-ad82-46a37d3432a1" providerId="AD" clId="Web-{10724F9C-987F-CA59-3016-BFCE4FEF4050}" dt="2020-05-19T22:49:27.668" v="1432" actId="20577"/>
-          <ac:spMkLst>
-            <pc:docMk/>
-            <pc:sldMk cId="3005922186" sldId="335"/>
-            <ac:spMk id="3" creationId="{00000000-0000-0000-0000-000000000000}"/>
-          </ac:spMkLst>
-        </pc:spChg>
-      </pc:sldChg>
-      <pc:sldChg chg="modSp">
-        <pc:chgData name="Porter, Chris" userId="S::portrchris@byui.edu::bacc3cf6-3423-4651-ad82-46a37d3432a1" providerId="AD" clId="Web-{10724F9C-987F-CA59-3016-BFCE4FEF4050}" dt="2020-05-19T21:22:20.884" v="457" actId="20577"/>
-        <pc:sldMkLst>
-          <pc:docMk/>
-          <pc:sldMk cId="3333040100" sldId="336"/>
-        </pc:sldMkLst>
-        <pc:spChg chg="mod">
-          <ac:chgData name="Porter, Chris" userId="S::portrchris@byui.edu::bacc3cf6-3423-4651-ad82-46a37d3432a1" providerId="AD" clId="Web-{10724F9C-987F-CA59-3016-BFCE4FEF4050}" dt="2020-05-19T21:22:20.884" v="457" actId="20577"/>
-          <ac:spMkLst>
-            <pc:docMk/>
-            <pc:sldMk cId="3333040100" sldId="336"/>
-            <ac:spMk id="3" creationId="{00000000-0000-0000-0000-000000000000}"/>
-          </ac:spMkLst>
-        </pc:spChg>
-      </pc:sldChg>
-      <pc:sldChg chg="modSp">
-        <pc:chgData name="Porter, Chris" userId="S::portrchris@byui.edu::bacc3cf6-3423-4651-ad82-46a37d3432a1" providerId="AD" clId="Web-{10724F9C-987F-CA59-3016-BFCE4FEF4050}" dt="2020-05-19T21:25:54.362" v="791" actId="20577"/>
-        <pc:sldMkLst>
-          <pc:docMk/>
-          <pc:sldMk cId="421702462" sldId="340"/>
-        </pc:sldMkLst>
-        <pc:spChg chg="mod">
-          <ac:chgData name="Porter, Chris" userId="S::portrchris@byui.edu::bacc3cf6-3423-4651-ad82-46a37d3432a1" providerId="AD" clId="Web-{10724F9C-987F-CA59-3016-BFCE4FEF4050}" dt="2020-05-19T21:25:54.362" v="791" actId="20577"/>
-          <ac:spMkLst>
-            <pc:docMk/>
-            <pc:sldMk cId="421702462" sldId="340"/>
-            <ac:spMk id="3" creationId="{00000000-0000-0000-0000-000000000000}"/>
-          </ac:spMkLst>
-        </pc:spChg>
-      </pc:sldChg>
-      <pc:sldChg chg="modSp">
-        <pc:chgData name="Porter, Chris" userId="S::portrchris@byui.edu::bacc3cf6-3423-4651-ad82-46a37d3432a1" providerId="AD" clId="Web-{10724F9C-987F-CA59-3016-BFCE4FEF4050}" dt="2020-05-19T21:26:52.990" v="795" actId="20577"/>
-        <pc:sldMkLst>
-          <pc:docMk/>
-          <pc:sldMk cId="2921327710" sldId="353"/>
-        </pc:sldMkLst>
-        <pc:spChg chg="mod">
-          <ac:chgData name="Porter, Chris" userId="S::portrchris@byui.edu::bacc3cf6-3423-4651-ad82-46a37d3432a1" providerId="AD" clId="Web-{10724F9C-987F-CA59-3016-BFCE4FEF4050}" dt="2020-05-19T21:26:52.990" v="795" actId="20577"/>
-          <ac:spMkLst>
-            <pc:docMk/>
-            <pc:sldMk cId="2921327710" sldId="353"/>
-            <ac:spMk id="3" creationId="{00000000-0000-0000-0000-000000000000}"/>
-          </ac:spMkLst>
-        </pc:spChg>
-      </pc:sldChg>
-    </pc:docChg>
-  </pc:docChgLst>
-  <pc:docChgLst>
     <pc:chgData name="Cheney, Spencer" userId="S::spencercheney@byui.edu::360f47fc-098b-4f01-9f2f-bd16741641cb" providerId="AD" clId="Web-{386D0660-5DFC-19CC-A203-A4D498C6E56E}"/>
     <pc:docChg chg="modSld">
       <pc:chgData name="Cheney, Spencer" userId="S::spencercheney@byui.edu::360f47fc-098b-4f01-9f2f-bd16741641cb" providerId="AD" clId="Web-{386D0660-5DFC-19CC-A203-A4D498C6E56E}" dt="2020-05-19T16:24:17.624" v="185" actId="20577"/>
@@ -936,6 +934,61 @@
     </pc:docChg>
   </pc:docChgLst>
   <pc:docChgLst>
+    <pc:chgData name="Boe, Jonah" userId="S::jonahwb@byui.edu::0d5e1f00-1ebc-42bd-9eb7-862baab2db1c" providerId="AD" clId="Web-{37528431-2317-B14F-63DC-A0E679E128F0}"/>
+    <pc:docChg chg="modSld">
+      <pc:chgData name="Boe, Jonah" userId="S::jonahwb@byui.edu::0d5e1f00-1ebc-42bd-9eb7-862baab2db1c" providerId="AD" clId="Web-{37528431-2317-B14F-63DC-A0E679E128F0}" dt="2020-07-15T20:28:29.049" v="19"/>
+      <pc:docMkLst>
+        <pc:docMk/>
+      </pc:docMkLst>
+      <pc:sldChg chg="modSp">
+        <pc:chgData name="Boe, Jonah" userId="S::jonahwb@byui.edu::0d5e1f00-1ebc-42bd-9eb7-862baab2db1c" providerId="AD" clId="Web-{37528431-2317-B14F-63DC-A0E679E128F0}" dt="2020-07-15T20:19:49.988" v="3"/>
+        <pc:sldMkLst>
+          <pc:docMk/>
+          <pc:sldMk cId="553433255" sldId="339"/>
+        </pc:sldMkLst>
+        <pc:graphicFrameChg chg="mod modGraphic">
+          <ac:chgData name="Boe, Jonah" userId="S::jonahwb@byui.edu::0d5e1f00-1ebc-42bd-9eb7-862baab2db1c" providerId="AD" clId="Web-{37528431-2317-B14F-63DC-A0E679E128F0}" dt="2020-07-15T20:19:44.550" v="1"/>
+          <ac:graphicFrameMkLst>
+            <pc:docMk/>
+            <pc:sldMk cId="553433255" sldId="339"/>
+            <ac:graphicFrameMk id="3" creationId="{00000000-0000-0000-0000-000000000000}"/>
+          </ac:graphicFrameMkLst>
+        </pc:graphicFrameChg>
+        <pc:graphicFrameChg chg="mod modGraphic">
+          <ac:chgData name="Boe, Jonah" userId="S::jonahwb@byui.edu::0d5e1f00-1ebc-42bd-9eb7-862baab2db1c" providerId="AD" clId="Web-{37528431-2317-B14F-63DC-A0E679E128F0}" dt="2020-07-15T20:19:49.988" v="3"/>
+          <ac:graphicFrameMkLst>
+            <pc:docMk/>
+            <pc:sldMk cId="553433255" sldId="339"/>
+            <ac:graphicFrameMk id="4" creationId="{00000000-0000-0000-0000-000000000000}"/>
+          </ac:graphicFrameMkLst>
+        </pc:graphicFrameChg>
+      </pc:sldChg>
+      <pc:sldChg chg="modSp">
+        <pc:chgData name="Boe, Jonah" userId="S::jonahwb@byui.edu::0d5e1f00-1ebc-42bd-9eb7-862baab2db1c" providerId="AD" clId="Web-{37528431-2317-B14F-63DC-A0E679E128F0}" dt="2020-07-15T20:28:29.049" v="19"/>
+        <pc:sldMkLst>
+          <pc:docMk/>
+          <pc:sldMk cId="630252558" sldId="342"/>
+        </pc:sldMkLst>
+        <pc:graphicFrameChg chg="mod modGraphic">
+          <ac:chgData name="Boe, Jonah" userId="S::jonahwb@byui.edu::0d5e1f00-1ebc-42bd-9eb7-862baab2db1c" providerId="AD" clId="Web-{37528431-2317-B14F-63DC-A0E679E128F0}" dt="2020-07-15T20:21:22.415" v="5"/>
+          <ac:graphicFrameMkLst>
+            <pc:docMk/>
+            <pc:sldMk cId="630252558" sldId="342"/>
+            <ac:graphicFrameMk id="3" creationId="{00000000-0000-0000-0000-000000000000}"/>
+          </ac:graphicFrameMkLst>
+        </pc:graphicFrameChg>
+        <pc:graphicFrameChg chg="mod modGraphic">
+          <ac:chgData name="Boe, Jonah" userId="S::jonahwb@byui.edu::0d5e1f00-1ebc-42bd-9eb7-862baab2db1c" providerId="AD" clId="Web-{37528431-2317-B14F-63DC-A0E679E128F0}" dt="2020-07-15T20:28:29.049" v="19"/>
+          <ac:graphicFrameMkLst>
+            <pc:docMk/>
+            <pc:sldMk cId="630252558" sldId="342"/>
+            <ac:graphicFrameMk id="4" creationId="{00000000-0000-0000-0000-000000000000}"/>
+          </ac:graphicFrameMkLst>
+        </pc:graphicFrameChg>
+      </pc:sldChg>
+    </pc:docChg>
+  </pc:docChgLst>
+  <pc:docChgLst>
     <pc:chgData name="Cheney, Spencer" userId="S::spencercheney@byui.edu::360f47fc-098b-4f01-9f2f-bd16741641cb" providerId="AD" clId="Web-{DDF75595-1943-49FB-03F3-5909A469AA90}"/>
     <pc:docChg chg="modSld">
       <pc:chgData name="Cheney, Spencer" userId="S::spencercheney@byui.edu::360f47fc-098b-4f01-9f2f-bd16741641cb" providerId="AD" clId="Web-{DDF75595-1943-49FB-03F3-5909A469AA90}" dt="2020-05-19T21:12:31.415" v="3" actId="20577"/>
@@ -956,6 +1009,43 @@
             <ac:spMk id="3" creationId="{00000000-0000-0000-0000-000000000000}"/>
           </ac:spMkLst>
         </pc:spChg>
+      </pc:sldChg>
+    </pc:docChg>
+  </pc:docChgLst>
+  <pc:docChgLst>
+    <pc:chgData name="Boe, Jonah" userId="S::jonahwb@byui.edu::0d5e1f00-1ebc-42bd-9eb7-862baab2db1c" providerId="AD" clId="Web-{586798A1-CB87-F535-A180-7DD8BFFE451A}"/>
+    <pc:docChg chg="delSld">
+      <pc:chgData name="Boe, Jonah" userId="S::jonahwb@byui.edu::0d5e1f00-1ebc-42bd-9eb7-862baab2db1c" providerId="AD" clId="Web-{586798A1-CB87-F535-A180-7DD8BFFE451A}" dt="2020-07-13T22:10:40.973" v="3"/>
+      <pc:docMkLst>
+        <pc:docMk/>
+      </pc:docMkLst>
+      <pc:sldChg chg="del">
+        <pc:chgData name="Boe, Jonah" userId="S::jonahwb@byui.edu::0d5e1f00-1ebc-42bd-9eb7-862baab2db1c" providerId="AD" clId="Web-{586798A1-CB87-F535-A180-7DD8BFFE451A}" dt="2020-07-13T22:10:23.878" v="0"/>
+        <pc:sldMkLst>
+          <pc:docMk/>
+          <pc:sldMk cId="1554097160" sldId="317"/>
+        </pc:sldMkLst>
+      </pc:sldChg>
+      <pc:sldChg chg="del">
+        <pc:chgData name="Boe, Jonah" userId="S::jonahwb@byui.edu::0d5e1f00-1ebc-42bd-9eb7-862baab2db1c" providerId="AD" clId="Web-{586798A1-CB87-F535-A180-7DD8BFFE451A}" dt="2020-07-13T22:10:29.457" v="1"/>
+        <pc:sldMkLst>
+          <pc:docMk/>
+          <pc:sldMk cId="3694377368" sldId="348"/>
+        </pc:sldMkLst>
+      </pc:sldChg>
+      <pc:sldChg chg="del">
+        <pc:chgData name="Boe, Jonah" userId="S::jonahwb@byui.edu::0d5e1f00-1ebc-42bd-9eb7-862baab2db1c" providerId="AD" clId="Web-{586798A1-CB87-F535-A180-7DD8BFFE451A}" dt="2020-07-13T22:10:34.176" v="2"/>
+        <pc:sldMkLst>
+          <pc:docMk/>
+          <pc:sldMk cId="3374571661" sldId="349"/>
+        </pc:sldMkLst>
+      </pc:sldChg>
+      <pc:sldChg chg="del">
+        <pc:chgData name="Boe, Jonah" userId="S::jonahwb@byui.edu::0d5e1f00-1ebc-42bd-9eb7-862baab2db1c" providerId="AD" clId="Web-{586798A1-CB87-F535-A180-7DD8BFFE451A}" dt="2020-07-13T22:10:40.973" v="3"/>
+        <pc:sldMkLst>
+          <pc:docMk/>
+          <pc:sldMk cId="1758755849" sldId="355"/>
+        </pc:sldMkLst>
       </pc:sldChg>
     </pc:docChg>
   </pc:docChgLst>
@@ -1673,430 +1763,6 @@
     </a:lvl9pPr>
   </p:notesStyle>
 </p:notesMaster>
-</file>
-
-<file path=ppt/notesSlides/notesSlide1.xml><?xml version="1.0" encoding="utf-8"?>
-<p:notes xmlns:a="http://schemas.openxmlformats.org/drawingml/2006/main" xmlns:r="http://schemas.openxmlformats.org/officeDocument/2006/relationships" xmlns:p="http://schemas.openxmlformats.org/presentationml/2006/main">
-  <p:cSld>
-    <p:spTree>
-      <p:nvGrpSpPr>
-        <p:cNvPr id="1" name=""/>
-        <p:cNvGrpSpPr/>
-        <p:nvPr/>
-      </p:nvGrpSpPr>
-      <p:grpSpPr>
-        <a:xfrm>
-          <a:off x="0" y="0"/>
-          <a:ext cx="0" cy="0"/>
-          <a:chOff x="0" y="0"/>
-          <a:chExt cx="0" cy="0"/>
-        </a:xfrm>
-      </p:grpSpPr>
-      <p:sp>
-        <p:nvSpPr>
-          <p:cNvPr id="2" name="Slide Image Placeholder 1"/>
-          <p:cNvSpPr>
-            <a:spLocks noGrp="1" noRot="1" noChangeAspect="1"/>
-          </p:cNvSpPr>
-          <p:nvPr>
-            <p:ph type="sldImg"/>
-          </p:nvPr>
-        </p:nvSpPr>
-        <p:spPr/>
-      </p:sp>
-      <p:sp>
-        <p:nvSpPr>
-          <p:cNvPr id="3" name="Notes Placeholder 2"/>
-          <p:cNvSpPr>
-            <a:spLocks noGrp="1"/>
-          </p:cNvSpPr>
-          <p:nvPr>
-            <p:ph type="body" idx="1"/>
-          </p:nvPr>
-        </p:nvSpPr>
-        <p:spPr/>
-        <p:txBody>
-          <a:bodyPr/>
-          <a:lstStyle/>
-          <a:p>
-            <a:r>
-              <a:rPr lang="en-US"/>
-              <a:t>Taken</a:t>
-            </a:r>
-            <a:r>
-              <a:rPr lang="en-US" baseline="0"/>
-              <a:t> from Elder </a:t>
-            </a:r>
-            <a:r>
-              <a:rPr lang="en-US" baseline="0" err="1"/>
-              <a:t>Bednar’s</a:t>
-            </a:r>
-            <a:r>
-              <a:rPr lang="en-US" baseline="0"/>
-              <a:t> address:  http://www2.byui.edu/Presentations/Transcripts/Devotionals/2006_10_31_Bednar.htm</a:t>
-            </a:r>
-            <a:endParaRPr lang="en-US"/>
-          </a:p>
-        </p:txBody>
-      </p:sp>
-      <p:sp>
-        <p:nvSpPr>
-          <p:cNvPr id="4" name="Slide Number Placeholder 3"/>
-          <p:cNvSpPr>
-            <a:spLocks noGrp="1"/>
-          </p:cNvSpPr>
-          <p:nvPr>
-            <p:ph type="sldNum" sz="quarter" idx="10"/>
-          </p:nvPr>
-        </p:nvSpPr>
-        <p:spPr/>
-        <p:txBody>
-          <a:bodyPr/>
-          <a:lstStyle/>
-          <a:p>
-            <a:pPr>
-              <a:defRPr/>
-            </a:pPr>
-            <a:fld id="{51342D44-898C-604E-9C02-B4C04BCE3A57}" type="slidenum">
-              <a:rPr lang="en-US" smtClean="0"/>
-              <a:pPr>
-                <a:defRPr/>
-              </a:pPr>
-              <a:t>5</a:t>
-            </a:fld>
-            <a:endParaRPr lang="en-US"/>
-          </a:p>
-        </p:txBody>
-      </p:sp>
-    </p:spTree>
-    <p:extLst>
-      <p:ext uri="{BB962C8B-B14F-4D97-AF65-F5344CB8AC3E}">
-        <p14:creationId xmlns:p14="http://schemas.microsoft.com/office/powerpoint/2010/main" val="2014853306"/>
-      </p:ext>
-    </p:extLst>
-  </p:cSld>
-  <p:clrMapOvr>
-    <a:masterClrMapping/>
-  </p:clrMapOvr>
-</p:notes>
-</file>
-
-<file path=ppt/notesSlides/notesSlide2.xml><?xml version="1.0" encoding="utf-8"?>
-<p:notes xmlns:a="http://schemas.openxmlformats.org/drawingml/2006/main" xmlns:r="http://schemas.openxmlformats.org/officeDocument/2006/relationships" xmlns:p="http://schemas.openxmlformats.org/presentationml/2006/main">
-  <p:cSld>
-    <p:spTree>
-      <p:nvGrpSpPr>
-        <p:cNvPr id="1" name=""/>
-        <p:cNvGrpSpPr/>
-        <p:nvPr/>
-      </p:nvGrpSpPr>
-      <p:grpSpPr>
-        <a:xfrm>
-          <a:off x="0" y="0"/>
-          <a:ext cx="0" cy="0"/>
-          <a:chOff x="0" y="0"/>
-          <a:chExt cx="0" cy="0"/>
-        </a:xfrm>
-      </p:grpSpPr>
-      <p:sp>
-        <p:nvSpPr>
-          <p:cNvPr id="2" name="Slide Image Placeholder 1"/>
-          <p:cNvSpPr>
-            <a:spLocks noGrp="1" noRot="1" noChangeAspect="1"/>
-          </p:cNvSpPr>
-          <p:nvPr>
-            <p:ph type="sldImg"/>
-          </p:nvPr>
-        </p:nvSpPr>
-        <p:spPr/>
-      </p:sp>
-      <p:sp>
-        <p:nvSpPr>
-          <p:cNvPr id="3" name="Notes Placeholder 2"/>
-          <p:cNvSpPr>
-            <a:spLocks noGrp="1"/>
-          </p:cNvSpPr>
-          <p:nvPr>
-            <p:ph type="body" idx="1"/>
-          </p:nvPr>
-        </p:nvSpPr>
-        <p:spPr/>
-        <p:txBody>
-          <a:bodyPr/>
-          <a:lstStyle/>
-          <a:p>
-            <a:r>
-              <a:rPr lang="en-US"/>
-              <a:t>Taken</a:t>
-            </a:r>
-            <a:r>
-              <a:rPr lang="en-US" baseline="0"/>
-              <a:t> from Elder </a:t>
-            </a:r>
-            <a:r>
-              <a:rPr lang="en-US" baseline="0" err="1"/>
-              <a:t>Bednar’s</a:t>
-            </a:r>
-            <a:r>
-              <a:rPr lang="en-US" baseline="0"/>
-              <a:t> address:  http://www2.byui.edu/Presentations/Transcripts/Devotionals/2006_10_31_Bednar.htm</a:t>
-            </a:r>
-            <a:endParaRPr lang="en-US"/>
-          </a:p>
-        </p:txBody>
-      </p:sp>
-      <p:sp>
-        <p:nvSpPr>
-          <p:cNvPr id="4" name="Slide Number Placeholder 3"/>
-          <p:cNvSpPr>
-            <a:spLocks noGrp="1"/>
-          </p:cNvSpPr>
-          <p:nvPr>
-            <p:ph type="sldNum" sz="quarter" idx="10"/>
-          </p:nvPr>
-        </p:nvSpPr>
-        <p:spPr/>
-        <p:txBody>
-          <a:bodyPr/>
-          <a:lstStyle/>
-          <a:p>
-            <a:pPr>
-              <a:defRPr/>
-            </a:pPr>
-            <a:fld id="{51342D44-898C-604E-9C02-B4C04BCE3A57}" type="slidenum">
-              <a:rPr lang="en-US" smtClean="0"/>
-              <a:pPr>
-                <a:defRPr/>
-              </a:pPr>
-              <a:t>11</a:t>
-            </a:fld>
-            <a:endParaRPr lang="en-US"/>
-          </a:p>
-        </p:txBody>
-      </p:sp>
-    </p:spTree>
-    <p:extLst>
-      <p:ext uri="{BB962C8B-B14F-4D97-AF65-F5344CB8AC3E}">
-        <p14:creationId xmlns:p14="http://schemas.microsoft.com/office/powerpoint/2010/main" val="2323958347"/>
-      </p:ext>
-    </p:extLst>
-  </p:cSld>
-  <p:clrMapOvr>
-    <a:masterClrMapping/>
-  </p:clrMapOvr>
-</p:notes>
-</file>
-
-<file path=ppt/notesSlides/notesSlide3.xml><?xml version="1.0" encoding="utf-8"?>
-<p:notes xmlns:a="http://schemas.openxmlformats.org/drawingml/2006/main" xmlns:r="http://schemas.openxmlformats.org/officeDocument/2006/relationships" xmlns:p="http://schemas.openxmlformats.org/presentationml/2006/main">
-  <p:cSld>
-    <p:spTree>
-      <p:nvGrpSpPr>
-        <p:cNvPr id="1" name=""/>
-        <p:cNvGrpSpPr/>
-        <p:nvPr/>
-      </p:nvGrpSpPr>
-      <p:grpSpPr>
-        <a:xfrm>
-          <a:off x="0" y="0"/>
-          <a:ext cx="0" cy="0"/>
-          <a:chOff x="0" y="0"/>
-          <a:chExt cx="0" cy="0"/>
-        </a:xfrm>
-      </p:grpSpPr>
-      <p:sp>
-        <p:nvSpPr>
-          <p:cNvPr id="2" name="Slide Image Placeholder 1"/>
-          <p:cNvSpPr>
-            <a:spLocks noGrp="1" noRot="1" noChangeAspect="1"/>
-          </p:cNvSpPr>
-          <p:nvPr>
-            <p:ph type="sldImg"/>
-          </p:nvPr>
-        </p:nvSpPr>
-        <p:spPr/>
-      </p:sp>
-      <p:sp>
-        <p:nvSpPr>
-          <p:cNvPr id="3" name="Notes Placeholder 2"/>
-          <p:cNvSpPr>
-            <a:spLocks noGrp="1"/>
-          </p:cNvSpPr>
-          <p:nvPr>
-            <p:ph type="body" idx="1"/>
-          </p:nvPr>
-        </p:nvSpPr>
-        <p:spPr/>
-        <p:txBody>
-          <a:bodyPr/>
-          <a:lstStyle/>
-          <a:p>
-            <a:r>
-              <a:rPr lang="en-US"/>
-              <a:t>Taken</a:t>
-            </a:r>
-            <a:r>
-              <a:rPr lang="en-US" baseline="0"/>
-              <a:t> from Elder </a:t>
-            </a:r>
-            <a:r>
-              <a:rPr lang="en-US" baseline="0" err="1"/>
-              <a:t>Bednar’s</a:t>
-            </a:r>
-            <a:r>
-              <a:rPr lang="en-US" baseline="0"/>
-              <a:t> address:  http://www2.byui.edu/Presentations/Transcripts/Devotionals/2006_10_31_Bednar.htm</a:t>
-            </a:r>
-            <a:endParaRPr lang="en-US"/>
-          </a:p>
-        </p:txBody>
-      </p:sp>
-      <p:sp>
-        <p:nvSpPr>
-          <p:cNvPr id="4" name="Slide Number Placeholder 3"/>
-          <p:cNvSpPr>
-            <a:spLocks noGrp="1"/>
-          </p:cNvSpPr>
-          <p:nvPr>
-            <p:ph type="sldNum" sz="quarter" idx="10"/>
-          </p:nvPr>
-        </p:nvSpPr>
-        <p:spPr/>
-        <p:txBody>
-          <a:bodyPr/>
-          <a:lstStyle/>
-          <a:p>
-            <a:pPr>
-              <a:defRPr/>
-            </a:pPr>
-            <a:fld id="{51342D44-898C-604E-9C02-B4C04BCE3A57}" type="slidenum">
-              <a:rPr lang="en-US" smtClean="0"/>
-              <a:pPr>
-                <a:defRPr/>
-              </a:pPr>
-              <a:t>17</a:t>
-            </a:fld>
-            <a:endParaRPr lang="en-US"/>
-          </a:p>
-        </p:txBody>
-      </p:sp>
-    </p:spTree>
-    <p:extLst>
-      <p:ext uri="{BB962C8B-B14F-4D97-AF65-F5344CB8AC3E}">
-        <p14:creationId xmlns:p14="http://schemas.microsoft.com/office/powerpoint/2010/main" val="95189730"/>
-      </p:ext>
-    </p:extLst>
-  </p:cSld>
-  <p:clrMapOvr>
-    <a:masterClrMapping/>
-  </p:clrMapOvr>
-</p:notes>
-</file>
-
-<file path=ppt/notesSlides/notesSlide4.xml><?xml version="1.0" encoding="utf-8"?>
-<p:notes xmlns:a="http://schemas.openxmlformats.org/drawingml/2006/main" xmlns:r="http://schemas.openxmlformats.org/officeDocument/2006/relationships" xmlns:p="http://schemas.openxmlformats.org/presentationml/2006/main">
-  <p:cSld>
-    <p:spTree>
-      <p:nvGrpSpPr>
-        <p:cNvPr id="1" name=""/>
-        <p:cNvGrpSpPr/>
-        <p:nvPr/>
-      </p:nvGrpSpPr>
-      <p:grpSpPr>
-        <a:xfrm>
-          <a:off x="0" y="0"/>
-          <a:ext cx="0" cy="0"/>
-          <a:chOff x="0" y="0"/>
-          <a:chExt cx="0" cy="0"/>
-        </a:xfrm>
-      </p:grpSpPr>
-      <p:sp>
-        <p:nvSpPr>
-          <p:cNvPr id="2" name="Slide Image Placeholder 1"/>
-          <p:cNvSpPr>
-            <a:spLocks noGrp="1" noRot="1" noChangeAspect="1"/>
-          </p:cNvSpPr>
-          <p:nvPr>
-            <p:ph type="sldImg"/>
-          </p:nvPr>
-        </p:nvSpPr>
-        <p:spPr/>
-      </p:sp>
-      <p:sp>
-        <p:nvSpPr>
-          <p:cNvPr id="3" name="Notes Placeholder 2"/>
-          <p:cNvSpPr>
-            <a:spLocks noGrp="1"/>
-          </p:cNvSpPr>
-          <p:nvPr>
-            <p:ph type="body" idx="1"/>
-          </p:nvPr>
-        </p:nvSpPr>
-        <p:spPr/>
-        <p:txBody>
-          <a:bodyPr/>
-          <a:lstStyle/>
-          <a:p>
-            <a:r>
-              <a:rPr lang="en-US"/>
-              <a:t>Taken</a:t>
-            </a:r>
-            <a:r>
-              <a:rPr lang="en-US" baseline="0"/>
-              <a:t> from Elder </a:t>
-            </a:r>
-            <a:r>
-              <a:rPr lang="en-US" baseline="0" err="1"/>
-              <a:t>Bednar’s</a:t>
-            </a:r>
-            <a:r>
-              <a:rPr lang="en-US" baseline="0"/>
-              <a:t> address:  http://www2.byui.edu/Presentations/Transcripts/Devotionals/2006_10_31_Bednar.htm</a:t>
-            </a:r>
-            <a:endParaRPr lang="en-US"/>
-          </a:p>
-        </p:txBody>
-      </p:sp>
-      <p:sp>
-        <p:nvSpPr>
-          <p:cNvPr id="4" name="Slide Number Placeholder 3"/>
-          <p:cNvSpPr>
-            <a:spLocks noGrp="1"/>
-          </p:cNvSpPr>
-          <p:nvPr>
-            <p:ph type="sldNum" sz="quarter" idx="10"/>
-          </p:nvPr>
-        </p:nvSpPr>
-        <p:spPr/>
-        <p:txBody>
-          <a:bodyPr/>
-          <a:lstStyle/>
-          <a:p>
-            <a:pPr>
-              <a:defRPr/>
-            </a:pPr>
-            <a:fld id="{51342D44-898C-604E-9C02-B4C04BCE3A57}" type="slidenum">
-              <a:rPr lang="en-US" smtClean="0"/>
-              <a:pPr>
-                <a:defRPr/>
-              </a:pPr>
-              <a:t>23</a:t>
-            </a:fld>
-            <a:endParaRPr lang="en-US"/>
-          </a:p>
-        </p:txBody>
-      </p:sp>
-    </p:spTree>
-    <p:extLst>
-      <p:ext uri="{BB962C8B-B14F-4D97-AF65-F5344CB8AC3E}">
-        <p14:creationId xmlns:p14="http://schemas.microsoft.com/office/powerpoint/2010/main" val="4028946766"/>
-      </p:ext>
-    </p:extLst>
-  </p:cSld>
-  <p:clrMapOvr>
-    <a:masterClrMapping/>
-  </p:clrMapOvr>
-</p:notes>
 </file>
 
 <file path=ppt/slideLayouts/slideLayout1.xml><?xml version="1.0" encoding="utf-8"?>
@@ -5470,1497 +5136,6 @@
           <a:p>
             <a:r>
               <a:rPr lang="en-US"/>
-              <a:t>Goals for this coming week</a:t>
-            </a:r>
-            <a:br>
-              <a:rPr lang="en-US"/>
-            </a:br>
-            <a:r>
-              <a:rPr lang="en-US" sz="1200"/>
-              <a:t>(Ones that move the project forward the most)</a:t>
-            </a:r>
-          </a:p>
-        </p:txBody>
-      </p:sp>
-      <p:graphicFrame>
-        <p:nvGraphicFramePr>
-          <p:cNvPr id="3" name="Table 2"/>
-          <p:cNvGraphicFramePr>
-            <a:graphicFrameLocks noGrp="1"/>
-          </p:cNvGraphicFramePr>
-          <p:nvPr>
-            <p:extLst>
-              <p:ext uri="{D42A27DB-BD31-4B8C-83A1-F6EECF244321}">
-                <p14:modId xmlns:p14="http://schemas.microsoft.com/office/powerpoint/2010/main" val="3720399406"/>
-              </p:ext>
-            </p:extLst>
-          </p:nvPr>
-        </p:nvGraphicFramePr>
-        <p:xfrm>
-          <a:off x="685800" y="1371600"/>
-          <a:ext cx="10896600" cy="2133599"/>
-        </p:xfrm>
-        <a:graphic>
-          <a:graphicData uri="http://schemas.openxmlformats.org/drawingml/2006/table">
-            <a:tbl>
-              <a:tblPr firstRow="1" lastCol="1" bandRow="1">
-                <a:tableStyleId>{2D5ABB26-0587-4C30-8999-92F81FD0307C}</a:tableStyleId>
-              </a:tblPr>
-              <a:tblGrid>
-                <a:gridCol w="9397068">
-                  <a:extLst>
-                    <a:ext uri="{9D8B030D-6E8A-4147-A177-3AD203B41FA5}">
-                      <a16:colId xmlns:a16="http://schemas.microsoft.com/office/drawing/2014/main" val="20000"/>
-                    </a:ext>
-                  </a:extLst>
-                </a:gridCol>
-                <a:gridCol w="799750">
-                  <a:extLst>
-                    <a:ext uri="{9D8B030D-6E8A-4147-A177-3AD203B41FA5}">
-                      <a16:colId xmlns:a16="http://schemas.microsoft.com/office/drawing/2014/main" val="20001"/>
-                    </a:ext>
-                  </a:extLst>
-                </a:gridCol>
-                <a:gridCol w="699782">
-                  <a:extLst>
-                    <a:ext uri="{9D8B030D-6E8A-4147-A177-3AD203B41FA5}">
-                      <a16:colId xmlns:a16="http://schemas.microsoft.com/office/drawing/2014/main" val="20002"/>
-                    </a:ext>
-                  </a:extLst>
-                </a:gridCol>
-              </a:tblGrid>
-              <a:tr h="609599">
-                <a:tc>
-                  <a:txBody>
-                    <a:bodyPr/>
-                    <a:lstStyle/>
-                    <a:p>
-                      <a:pPr algn="l" fontAlgn="ctr"/>
-                      <a:r>
-                        <a:rPr lang="en-US" sz="1100" u="none" strike="noStrike">
-                          <a:solidFill>
-                            <a:schemeClr val="bg1"/>
-                          </a:solidFill>
-                          <a:effectLst/>
-                        </a:rPr>
-                        <a:t>Goal/Task</a:t>
-                      </a:r>
-                      <a:endParaRPr lang="en-US" sz="1100" b="0" i="0" u="none" strike="noStrike">
-                        <a:solidFill>
-                          <a:schemeClr val="bg1"/>
-                        </a:solidFill>
-                        <a:effectLst/>
-                        <a:latin typeface="Calibri" panose="020F0502020204030204" pitchFamily="34" charset="0"/>
-                      </a:endParaRPr>
-                    </a:p>
-                  </a:txBody>
-                  <a:tcPr marL="9525" marR="9525" marT="9525" marB="0" anchor="ctr">
-                    <a:lnL w="12700" cap="flat" cmpd="sng" algn="ctr">
-                      <a:solidFill>
-                        <a:schemeClr val="bg1">
-                          <a:lumMod val="65000"/>
-                        </a:schemeClr>
-                      </a:solidFill>
-                      <a:prstDash val="solid"/>
-                      <a:round/>
-                      <a:headEnd type="none" w="med" len="med"/>
-                      <a:tailEnd type="none" w="med" len="med"/>
-                    </a:lnL>
-                    <a:lnR w="12700" cap="flat" cmpd="sng" algn="ctr">
-                      <a:solidFill>
-                        <a:schemeClr val="bg1">
-                          <a:lumMod val="65000"/>
-                        </a:schemeClr>
-                      </a:solidFill>
-                      <a:prstDash val="solid"/>
-                      <a:round/>
-                      <a:headEnd type="none" w="med" len="med"/>
-                      <a:tailEnd type="none" w="med" len="med"/>
-                    </a:lnR>
-                    <a:lnT w="12700" cap="flat" cmpd="sng" algn="ctr">
-                      <a:solidFill>
-                        <a:schemeClr val="bg1">
-                          <a:lumMod val="65000"/>
-                        </a:schemeClr>
-                      </a:solidFill>
-                      <a:prstDash val="solid"/>
-                      <a:round/>
-                      <a:headEnd type="none" w="med" len="med"/>
-                      <a:tailEnd type="none" w="med" len="med"/>
-                    </a:lnT>
-                    <a:lnB w="12700" cap="flat" cmpd="sng" algn="ctr">
-                      <a:solidFill>
-                        <a:schemeClr val="bg1">
-                          <a:lumMod val="65000"/>
-                        </a:schemeClr>
-                      </a:solidFill>
-                      <a:prstDash val="solid"/>
-                      <a:round/>
-                      <a:headEnd type="none" w="med" len="med"/>
-                      <a:tailEnd type="none" w="med" len="med"/>
-                    </a:lnB>
-                  </a:tcPr>
-                </a:tc>
-                <a:tc>
-                  <a:txBody>
-                    <a:bodyPr/>
-                    <a:lstStyle/>
-                    <a:p>
-                      <a:pPr marL="0" marR="0" indent="0" algn="ctr" defTabSz="457200" rtl="0" eaLnBrk="1" fontAlgn="ctr" latinLnBrk="0" hangingPunct="1">
-                        <a:lnSpc>
-                          <a:spcPct val="100000"/>
-                        </a:lnSpc>
-                        <a:spcBef>
-                          <a:spcPts val="0"/>
-                        </a:spcBef>
-                        <a:spcAft>
-                          <a:spcPts val="0"/>
-                        </a:spcAft>
-                        <a:buClrTx/>
-                        <a:buSzTx/>
-                        <a:buFontTx/>
-                        <a:buNone/>
-                        <a:tabLst/>
-                        <a:defRPr/>
-                      </a:pPr>
-                      <a:r>
-                        <a:rPr lang="en-US" sz="1100" u="none" strike="noStrike">
-                          <a:solidFill>
-                            <a:schemeClr val="bg1"/>
-                          </a:solidFill>
-                          <a:effectLst/>
-                        </a:rPr>
-                        <a:t>Stop Date (Est.)</a:t>
-                      </a:r>
-                      <a:endParaRPr lang="en-US" sz="1100" b="0" i="0" u="none" strike="noStrike">
-                        <a:solidFill>
-                          <a:schemeClr val="bg1"/>
-                        </a:solidFill>
-                        <a:effectLst/>
-                        <a:latin typeface="Calibri" panose="020F0502020204030204" pitchFamily="34" charset="0"/>
-                      </a:endParaRPr>
-                    </a:p>
-                  </a:txBody>
-                  <a:tcPr marL="9525" marR="9525" marT="9525" marB="0" anchor="ctr">
-                    <a:lnL w="12700" cap="flat" cmpd="sng" algn="ctr">
-                      <a:solidFill>
-                        <a:schemeClr val="bg1">
-                          <a:lumMod val="65000"/>
-                        </a:schemeClr>
-                      </a:solidFill>
-                      <a:prstDash val="solid"/>
-                      <a:round/>
-                      <a:headEnd type="none" w="med" len="med"/>
-                      <a:tailEnd type="none" w="med" len="med"/>
-                    </a:lnL>
-                    <a:lnR w="12700" cap="flat" cmpd="sng" algn="ctr">
-                      <a:solidFill>
-                        <a:schemeClr val="bg1">
-                          <a:lumMod val="65000"/>
-                        </a:schemeClr>
-                      </a:solidFill>
-                      <a:prstDash val="solid"/>
-                      <a:round/>
-                      <a:headEnd type="none" w="med" len="med"/>
-                      <a:tailEnd type="none" w="med" len="med"/>
-                    </a:lnR>
-                    <a:lnT w="12700" cap="flat" cmpd="sng" algn="ctr">
-                      <a:solidFill>
-                        <a:schemeClr val="bg1">
-                          <a:lumMod val="65000"/>
-                        </a:schemeClr>
-                      </a:solidFill>
-                      <a:prstDash val="solid"/>
-                      <a:round/>
-                      <a:headEnd type="none" w="med" len="med"/>
-                      <a:tailEnd type="none" w="med" len="med"/>
-                    </a:lnT>
-                    <a:lnB w="12700" cap="flat" cmpd="sng" algn="ctr">
-                      <a:solidFill>
-                        <a:schemeClr val="bg1">
-                          <a:lumMod val="65000"/>
-                        </a:schemeClr>
-                      </a:solidFill>
-                      <a:prstDash val="solid"/>
-                      <a:round/>
-                      <a:headEnd type="none" w="med" len="med"/>
-                      <a:tailEnd type="none" w="med" len="med"/>
-                    </a:lnB>
-                  </a:tcPr>
-                </a:tc>
-                <a:tc>
-                  <a:txBody>
-                    <a:bodyPr/>
-                    <a:lstStyle/>
-                    <a:p>
-                      <a:pPr algn="ctr" fontAlgn="ctr"/>
-                      <a:endParaRPr lang="en-US" sz="1100" u="none" strike="noStrike">
-                        <a:solidFill>
-                          <a:schemeClr val="bg1"/>
-                        </a:solidFill>
-                        <a:effectLst/>
-                      </a:endParaRPr>
-                    </a:p>
-                    <a:p>
-                      <a:pPr marL="0" marR="0" indent="0" algn="ctr" defTabSz="457200" rtl="0" eaLnBrk="1" fontAlgn="ctr" latinLnBrk="0" hangingPunct="1">
-                        <a:lnSpc>
-                          <a:spcPct val="100000"/>
-                        </a:lnSpc>
-                        <a:spcBef>
-                          <a:spcPts val="0"/>
-                        </a:spcBef>
-                        <a:spcAft>
-                          <a:spcPts val="0"/>
-                        </a:spcAft>
-                        <a:buClrTx/>
-                        <a:buSzTx/>
-                        <a:buFontTx/>
-                        <a:buNone/>
-                        <a:tabLst/>
-                        <a:defRPr/>
-                      </a:pPr>
-                      <a:r>
-                        <a:rPr lang="en-US" sz="1100" u="none" strike="noStrike">
-                          <a:solidFill>
-                            <a:schemeClr val="bg1"/>
-                          </a:solidFill>
-                          <a:effectLst/>
-                        </a:rPr>
-                        <a:t>Hours (Est.)</a:t>
-                      </a:r>
-                      <a:endParaRPr lang="en-US" sz="1100" b="0" i="0" u="none" strike="noStrike">
-                        <a:solidFill>
-                          <a:schemeClr val="bg1"/>
-                        </a:solidFill>
-                        <a:effectLst/>
-                        <a:latin typeface="Calibri" panose="020F0502020204030204" pitchFamily="34" charset="0"/>
-                      </a:endParaRPr>
-                    </a:p>
-                  </a:txBody>
-                  <a:tcPr marL="9525" marR="9525" marT="9525" marB="0" anchor="ctr">
-                    <a:lnL w="12700" cap="flat" cmpd="sng" algn="ctr">
-                      <a:solidFill>
-                        <a:schemeClr val="bg1">
-                          <a:lumMod val="65000"/>
-                        </a:schemeClr>
-                      </a:solidFill>
-                      <a:prstDash val="solid"/>
-                      <a:round/>
-                      <a:headEnd type="none" w="med" len="med"/>
-                      <a:tailEnd type="none" w="med" len="med"/>
-                    </a:lnL>
-                    <a:lnR w="12700" cap="flat" cmpd="sng" algn="ctr">
-                      <a:solidFill>
-                        <a:schemeClr val="bg1">
-                          <a:lumMod val="65000"/>
-                        </a:schemeClr>
-                      </a:solidFill>
-                      <a:prstDash val="solid"/>
-                      <a:round/>
-                      <a:headEnd type="none" w="med" len="med"/>
-                      <a:tailEnd type="none" w="med" len="med"/>
-                    </a:lnR>
-                    <a:lnT w="12700" cap="flat" cmpd="sng" algn="ctr">
-                      <a:solidFill>
-                        <a:schemeClr val="bg1">
-                          <a:lumMod val="65000"/>
-                        </a:schemeClr>
-                      </a:solidFill>
-                      <a:prstDash val="solid"/>
-                      <a:round/>
-                      <a:headEnd type="none" w="med" len="med"/>
-                      <a:tailEnd type="none" w="med" len="med"/>
-                    </a:lnT>
-                    <a:lnB w="12700" cap="flat" cmpd="sng" algn="ctr">
-                      <a:solidFill>
-                        <a:schemeClr val="bg1">
-                          <a:lumMod val="65000"/>
-                        </a:schemeClr>
-                      </a:solidFill>
-                      <a:prstDash val="solid"/>
-                      <a:round/>
-                      <a:headEnd type="none" w="med" len="med"/>
-                      <a:tailEnd type="none" w="med" len="med"/>
-                    </a:lnB>
-                  </a:tcPr>
-                </a:tc>
-                <a:extLst>
-                  <a:ext uri="{0D108BD9-81ED-4DB2-BD59-A6C34878D82A}">
-                    <a16:rowId xmlns:a16="http://schemas.microsoft.com/office/drawing/2014/main" val="10000"/>
-                  </a:ext>
-                </a:extLst>
-              </a:tr>
-              <a:tr h="381000">
-                <a:tc>
-                  <a:txBody>
-                    <a:bodyPr/>
-                    <a:lstStyle/>
-                    <a:p>
-                      <a:pPr algn="l" fontAlgn="b"/>
-                      <a:r>
-                        <a:rPr lang="en-US" sz="1100" u="none" strike="noStrike">
-                          <a:solidFill>
-                            <a:schemeClr val="bg1"/>
-                          </a:solidFill>
-                          <a:effectLst/>
-                        </a:rPr>
-                        <a:t> Finish Soldiering PCB</a:t>
-                      </a:r>
-                      <a:endParaRPr lang="en-US" sz="1100" b="0" i="0" u="none" strike="noStrike">
-                        <a:solidFill>
-                          <a:schemeClr val="bg1"/>
-                        </a:solidFill>
-                        <a:effectLst/>
-                        <a:latin typeface="Calibri" panose="020F0502020204030204" pitchFamily="34" charset="0"/>
-                      </a:endParaRPr>
-                    </a:p>
-                  </a:txBody>
-                  <a:tcPr marL="9525" marR="9525" marT="9525" marB="0" anchor="ctr">
-                    <a:lnL w="12700" cap="flat" cmpd="sng" algn="ctr">
-                      <a:solidFill>
-                        <a:schemeClr val="bg1">
-                          <a:lumMod val="65000"/>
-                        </a:schemeClr>
-                      </a:solidFill>
-                      <a:prstDash val="solid"/>
-                      <a:round/>
-                      <a:headEnd type="none" w="med" len="med"/>
-                      <a:tailEnd type="none" w="med" len="med"/>
-                    </a:lnL>
-                    <a:lnR w="12700" cap="flat" cmpd="sng" algn="ctr">
-                      <a:solidFill>
-                        <a:schemeClr val="bg1">
-                          <a:lumMod val="65000"/>
-                        </a:schemeClr>
-                      </a:solidFill>
-                      <a:prstDash val="solid"/>
-                      <a:round/>
-                      <a:headEnd type="none" w="med" len="med"/>
-                      <a:tailEnd type="none" w="med" len="med"/>
-                    </a:lnR>
-                    <a:lnT w="12700" cap="flat" cmpd="sng" algn="ctr">
-                      <a:solidFill>
-                        <a:schemeClr val="bg1">
-                          <a:lumMod val="65000"/>
-                        </a:schemeClr>
-                      </a:solidFill>
-                      <a:prstDash val="solid"/>
-                      <a:round/>
-                      <a:headEnd type="none" w="med" len="med"/>
-                      <a:tailEnd type="none" w="med" len="med"/>
-                    </a:lnT>
-                    <a:lnB w="12700" cap="flat" cmpd="sng" algn="ctr">
-                      <a:solidFill>
-                        <a:schemeClr val="bg1">
-                          <a:lumMod val="65000"/>
-                        </a:schemeClr>
-                      </a:solidFill>
-                      <a:prstDash val="solid"/>
-                      <a:round/>
-                      <a:headEnd type="none" w="med" len="med"/>
-                      <a:tailEnd type="none" w="med" len="med"/>
-                    </a:lnB>
-                  </a:tcPr>
-                </a:tc>
-                <a:tc>
-                  <a:txBody>
-                    <a:bodyPr/>
-                    <a:lstStyle/>
-                    <a:p>
-                      <a:pPr algn="l" fontAlgn="b"/>
-                      <a:r>
-                        <a:rPr lang="en-US" sz="1100" b="0" i="0" u="none" strike="noStrike">
-                          <a:solidFill>
-                            <a:schemeClr val="bg1"/>
-                          </a:solidFill>
-                          <a:effectLst/>
-                          <a:latin typeface="Calibri"/>
-                        </a:rPr>
-                        <a:t>May 23, 2020</a:t>
-                      </a:r>
-                      <a:endParaRPr lang="en-US" sz="1100" b="0" i="0" u="none" strike="noStrike">
-                        <a:solidFill>
-                          <a:schemeClr val="bg1"/>
-                        </a:solidFill>
-                        <a:effectLst/>
-                        <a:latin typeface="Calibri" panose="020F0502020204030204" pitchFamily="34" charset="0"/>
-                      </a:endParaRPr>
-                    </a:p>
-                  </a:txBody>
-                  <a:tcPr marL="9525" marR="9525" marT="9525" marB="0" anchor="b">
-                    <a:lnL w="12700" cap="flat" cmpd="sng" algn="ctr">
-                      <a:solidFill>
-                        <a:schemeClr val="bg1">
-                          <a:lumMod val="65000"/>
-                        </a:schemeClr>
-                      </a:solidFill>
-                      <a:prstDash val="solid"/>
-                      <a:round/>
-                      <a:headEnd type="none" w="med" len="med"/>
-                      <a:tailEnd type="none" w="med" len="med"/>
-                    </a:lnL>
-                    <a:lnR w="12700" cap="flat" cmpd="sng" algn="ctr">
-                      <a:solidFill>
-                        <a:schemeClr val="bg1">
-                          <a:lumMod val="65000"/>
-                        </a:schemeClr>
-                      </a:solidFill>
-                      <a:prstDash val="solid"/>
-                      <a:round/>
-                      <a:headEnd type="none" w="med" len="med"/>
-                      <a:tailEnd type="none" w="med" len="med"/>
-                    </a:lnR>
-                    <a:lnT w="12700" cap="flat" cmpd="sng" algn="ctr">
-                      <a:solidFill>
-                        <a:schemeClr val="bg1">
-                          <a:lumMod val="65000"/>
-                        </a:schemeClr>
-                      </a:solidFill>
-                      <a:prstDash val="solid"/>
-                      <a:round/>
-                      <a:headEnd type="none" w="med" len="med"/>
-                      <a:tailEnd type="none" w="med" len="med"/>
-                    </a:lnT>
-                    <a:lnB w="12700" cap="flat" cmpd="sng" algn="ctr">
-                      <a:solidFill>
-                        <a:schemeClr val="bg1">
-                          <a:lumMod val="65000"/>
-                        </a:schemeClr>
-                      </a:solidFill>
-                      <a:prstDash val="solid"/>
-                      <a:round/>
-                      <a:headEnd type="none" w="med" len="med"/>
-                      <a:tailEnd type="none" w="med" len="med"/>
-                    </a:lnB>
-                  </a:tcPr>
-                </a:tc>
-                <a:tc>
-                  <a:txBody>
-                    <a:bodyPr/>
-                    <a:lstStyle/>
-                    <a:p>
-                      <a:pPr algn="ctr" fontAlgn="ctr"/>
-                      <a:r>
-                        <a:rPr lang="en-US" sz="1100" u="none" strike="noStrike">
-                          <a:solidFill>
-                            <a:schemeClr val="bg1"/>
-                          </a:solidFill>
-                          <a:effectLst/>
-                        </a:rPr>
-                        <a:t> 6</a:t>
-                      </a:r>
-                      <a:endParaRPr lang="en-US" sz="1100" b="0" i="0" u="none" strike="noStrike">
-                        <a:solidFill>
-                          <a:schemeClr val="bg1"/>
-                        </a:solidFill>
-                        <a:effectLst/>
-                        <a:latin typeface="Calibri" panose="020F0502020204030204" pitchFamily="34" charset="0"/>
-                      </a:endParaRPr>
-                    </a:p>
-                  </a:txBody>
-                  <a:tcPr marL="9525" marR="9525" marT="9525" marB="0" anchor="ctr">
-                    <a:lnL w="12700" cap="flat" cmpd="sng" algn="ctr">
-                      <a:solidFill>
-                        <a:schemeClr val="bg1">
-                          <a:lumMod val="65000"/>
-                        </a:schemeClr>
-                      </a:solidFill>
-                      <a:prstDash val="solid"/>
-                      <a:round/>
-                      <a:headEnd type="none" w="med" len="med"/>
-                      <a:tailEnd type="none" w="med" len="med"/>
-                    </a:lnL>
-                    <a:lnR w="12700" cap="flat" cmpd="sng" algn="ctr">
-                      <a:solidFill>
-                        <a:schemeClr val="bg1">
-                          <a:lumMod val="65000"/>
-                        </a:schemeClr>
-                      </a:solidFill>
-                      <a:prstDash val="solid"/>
-                      <a:round/>
-                      <a:headEnd type="none" w="med" len="med"/>
-                      <a:tailEnd type="none" w="med" len="med"/>
-                    </a:lnR>
-                    <a:lnT w="12700" cap="flat" cmpd="sng" algn="ctr">
-                      <a:solidFill>
-                        <a:schemeClr val="bg1">
-                          <a:lumMod val="65000"/>
-                        </a:schemeClr>
-                      </a:solidFill>
-                      <a:prstDash val="solid"/>
-                      <a:round/>
-                      <a:headEnd type="none" w="med" len="med"/>
-                      <a:tailEnd type="none" w="med" len="med"/>
-                    </a:lnT>
-                    <a:lnB w="12700" cap="flat" cmpd="sng" algn="ctr">
-                      <a:solidFill>
-                        <a:schemeClr val="bg1">
-                          <a:lumMod val="65000"/>
-                        </a:schemeClr>
-                      </a:solidFill>
-                      <a:prstDash val="solid"/>
-                      <a:round/>
-                      <a:headEnd type="none" w="med" len="med"/>
-                      <a:tailEnd type="none" w="med" len="med"/>
-                    </a:lnB>
-                  </a:tcPr>
-                </a:tc>
-                <a:extLst>
-                  <a:ext uri="{0D108BD9-81ED-4DB2-BD59-A6C34878D82A}">
-                    <a16:rowId xmlns:a16="http://schemas.microsoft.com/office/drawing/2014/main" val="10001"/>
-                  </a:ext>
-                </a:extLst>
-              </a:tr>
-              <a:tr h="381000">
-                <a:tc>
-                  <a:txBody>
-                    <a:bodyPr/>
-                    <a:lstStyle/>
-                    <a:p>
-                      <a:pPr algn="l" fontAlgn="b"/>
-                      <a:r>
-                        <a:rPr lang="en-US" sz="1100" b="0" i="0" u="none" strike="noStrike">
-                          <a:solidFill>
-                            <a:schemeClr val="bg1"/>
-                          </a:solidFill>
-                          <a:effectLst/>
-                          <a:latin typeface="Calibri"/>
-                        </a:rPr>
-                        <a:t>Continue researching TMR</a:t>
-                      </a:r>
-                      <a:endParaRPr lang="en-US" sz="1100" b="0" i="0" u="none" strike="noStrike">
-                        <a:solidFill>
-                          <a:schemeClr val="bg1"/>
-                        </a:solidFill>
-                        <a:effectLst/>
-                        <a:latin typeface="Calibri" panose="020F0502020204030204" pitchFamily="34" charset="0"/>
-                      </a:endParaRPr>
-                    </a:p>
-                  </a:txBody>
-                  <a:tcPr marL="9525" marR="9525" marT="9525" marB="0" anchor="ctr">
-                    <a:lnL w="12700" cap="flat" cmpd="sng" algn="ctr">
-                      <a:solidFill>
-                        <a:schemeClr val="bg1">
-                          <a:lumMod val="65000"/>
-                        </a:schemeClr>
-                      </a:solidFill>
-                      <a:prstDash val="solid"/>
-                      <a:round/>
-                      <a:headEnd type="none" w="med" len="med"/>
-                      <a:tailEnd type="none" w="med" len="med"/>
-                    </a:lnL>
-                    <a:lnR w="12700" cap="flat" cmpd="sng" algn="ctr">
-                      <a:solidFill>
-                        <a:schemeClr val="bg1">
-                          <a:lumMod val="65000"/>
-                        </a:schemeClr>
-                      </a:solidFill>
-                      <a:prstDash val="solid"/>
-                      <a:round/>
-                      <a:headEnd type="none" w="med" len="med"/>
-                      <a:tailEnd type="none" w="med" len="med"/>
-                    </a:lnR>
-                    <a:lnT w="12700" cap="flat" cmpd="sng" algn="ctr">
-                      <a:solidFill>
-                        <a:schemeClr val="bg1">
-                          <a:lumMod val="65000"/>
-                        </a:schemeClr>
-                      </a:solidFill>
-                      <a:prstDash val="solid"/>
-                      <a:round/>
-                      <a:headEnd type="none" w="med" len="med"/>
-                      <a:tailEnd type="none" w="med" len="med"/>
-                    </a:lnT>
-                    <a:lnB w="12700" cap="flat" cmpd="sng" algn="ctr">
-                      <a:solidFill>
-                        <a:schemeClr val="bg1">
-                          <a:lumMod val="65000"/>
-                        </a:schemeClr>
-                      </a:solidFill>
-                      <a:prstDash val="solid"/>
-                      <a:round/>
-                      <a:headEnd type="none" w="med" len="med"/>
-                      <a:tailEnd type="none" w="med" len="med"/>
-                    </a:lnB>
-                  </a:tcPr>
-                </a:tc>
-                <a:tc>
-                  <a:txBody>
-                    <a:bodyPr/>
-                    <a:lstStyle/>
-                    <a:p>
-                      <a:pPr algn="l" fontAlgn="b"/>
-                      <a:r>
-                        <a:rPr lang="en-US" sz="1100" b="0" i="0" u="none" strike="noStrike">
-                          <a:solidFill>
-                            <a:schemeClr val="bg1"/>
-                          </a:solidFill>
-                          <a:effectLst/>
-                          <a:latin typeface="Calibri"/>
-                        </a:rPr>
-                        <a:t>June 14, 2020</a:t>
-                      </a:r>
-                      <a:endParaRPr lang="en-US" sz="1100" b="0" i="0" u="none" strike="noStrike">
-                        <a:solidFill>
-                          <a:schemeClr val="bg1"/>
-                        </a:solidFill>
-                        <a:effectLst/>
-                        <a:latin typeface="Calibri" panose="020F0502020204030204" pitchFamily="34" charset="0"/>
-                      </a:endParaRPr>
-                    </a:p>
-                  </a:txBody>
-                  <a:tcPr marL="9525" marR="9525" marT="9525" marB="0" anchor="b">
-                    <a:lnL w="12700" cap="flat" cmpd="sng" algn="ctr">
-                      <a:solidFill>
-                        <a:schemeClr val="bg1">
-                          <a:lumMod val="65000"/>
-                        </a:schemeClr>
-                      </a:solidFill>
-                      <a:prstDash val="solid"/>
-                      <a:round/>
-                      <a:headEnd type="none" w="med" len="med"/>
-                      <a:tailEnd type="none" w="med" len="med"/>
-                    </a:lnL>
-                    <a:lnR w="12700" cap="flat" cmpd="sng" algn="ctr">
-                      <a:solidFill>
-                        <a:schemeClr val="bg1">
-                          <a:lumMod val="65000"/>
-                        </a:schemeClr>
-                      </a:solidFill>
-                      <a:prstDash val="solid"/>
-                      <a:round/>
-                      <a:headEnd type="none" w="med" len="med"/>
-                      <a:tailEnd type="none" w="med" len="med"/>
-                    </a:lnR>
-                    <a:lnT w="12700" cap="flat" cmpd="sng" algn="ctr">
-                      <a:solidFill>
-                        <a:schemeClr val="bg1">
-                          <a:lumMod val="65000"/>
-                        </a:schemeClr>
-                      </a:solidFill>
-                      <a:prstDash val="solid"/>
-                      <a:round/>
-                      <a:headEnd type="none" w="med" len="med"/>
-                      <a:tailEnd type="none" w="med" len="med"/>
-                    </a:lnT>
-                    <a:lnB w="12700" cap="flat" cmpd="sng" algn="ctr">
-                      <a:solidFill>
-                        <a:schemeClr val="bg1">
-                          <a:lumMod val="65000"/>
-                        </a:schemeClr>
-                      </a:solidFill>
-                      <a:prstDash val="solid"/>
-                      <a:round/>
-                      <a:headEnd type="none" w="med" len="med"/>
-                      <a:tailEnd type="none" w="med" len="med"/>
-                    </a:lnB>
-                  </a:tcPr>
-                </a:tc>
-                <a:tc>
-                  <a:txBody>
-                    <a:bodyPr/>
-                    <a:lstStyle/>
-                    <a:p>
-                      <a:pPr algn="ctr" fontAlgn="ctr"/>
-                      <a:r>
-                        <a:rPr lang="en-US" sz="1100" b="0" i="0" u="none" strike="noStrike">
-                          <a:solidFill>
-                            <a:schemeClr val="bg1"/>
-                          </a:solidFill>
-                          <a:effectLst/>
-                          <a:latin typeface="Calibri"/>
-                        </a:rPr>
-                        <a:t>2.5</a:t>
-                      </a:r>
-                      <a:endParaRPr lang="en-US" sz="1100" b="0" i="0" u="none" strike="noStrike">
-                        <a:solidFill>
-                          <a:schemeClr val="bg1"/>
-                        </a:solidFill>
-                        <a:effectLst/>
-                        <a:latin typeface="Calibri" panose="020F0502020204030204" pitchFamily="34" charset="0"/>
-                      </a:endParaRPr>
-                    </a:p>
-                  </a:txBody>
-                  <a:tcPr marL="9525" marR="9525" marT="9525" marB="0" anchor="ctr">
-                    <a:lnL w="12700" cap="flat" cmpd="sng" algn="ctr">
-                      <a:solidFill>
-                        <a:schemeClr val="bg1">
-                          <a:lumMod val="65000"/>
-                        </a:schemeClr>
-                      </a:solidFill>
-                      <a:prstDash val="solid"/>
-                      <a:round/>
-                      <a:headEnd type="none" w="med" len="med"/>
-                      <a:tailEnd type="none" w="med" len="med"/>
-                    </a:lnL>
-                    <a:lnR w="12700" cap="flat" cmpd="sng" algn="ctr">
-                      <a:solidFill>
-                        <a:schemeClr val="bg1">
-                          <a:lumMod val="65000"/>
-                        </a:schemeClr>
-                      </a:solidFill>
-                      <a:prstDash val="solid"/>
-                      <a:round/>
-                      <a:headEnd type="none" w="med" len="med"/>
-                      <a:tailEnd type="none" w="med" len="med"/>
-                    </a:lnR>
-                    <a:lnT w="12700" cap="flat" cmpd="sng" algn="ctr">
-                      <a:solidFill>
-                        <a:schemeClr val="bg1">
-                          <a:lumMod val="65000"/>
-                        </a:schemeClr>
-                      </a:solidFill>
-                      <a:prstDash val="solid"/>
-                      <a:round/>
-                      <a:headEnd type="none" w="med" len="med"/>
-                      <a:tailEnd type="none" w="med" len="med"/>
-                    </a:lnT>
-                    <a:lnB w="12700" cap="flat" cmpd="sng" algn="ctr">
-                      <a:solidFill>
-                        <a:schemeClr val="bg1">
-                          <a:lumMod val="65000"/>
-                        </a:schemeClr>
-                      </a:solidFill>
-                      <a:prstDash val="solid"/>
-                      <a:round/>
-                      <a:headEnd type="none" w="med" len="med"/>
-                      <a:tailEnd type="none" w="med" len="med"/>
-                    </a:lnB>
-                  </a:tcPr>
-                </a:tc>
-                <a:extLst>
-                  <a:ext uri="{0D108BD9-81ED-4DB2-BD59-A6C34878D82A}">
-                    <a16:rowId xmlns:a16="http://schemas.microsoft.com/office/drawing/2014/main" val="10002"/>
-                  </a:ext>
-                </a:extLst>
-              </a:tr>
-              <a:tr h="381000">
-                <a:tc>
-                  <a:txBody>
-                    <a:bodyPr/>
-                    <a:lstStyle/>
-                    <a:p>
-                      <a:pPr algn="l" fontAlgn="b"/>
-                      <a:r>
-                        <a:rPr lang="en-US" sz="1100" u="none" strike="noStrike">
-                          <a:solidFill>
-                            <a:schemeClr val="bg1"/>
-                          </a:solidFill>
-                          <a:effectLst/>
-                        </a:rPr>
-                        <a:t> Get PCB connected at location were it can be accessed by all</a:t>
-                      </a:r>
-                      <a:endParaRPr lang="en-US" sz="1100" b="0" i="0" u="none" strike="noStrike">
-                        <a:solidFill>
-                          <a:schemeClr val="bg1"/>
-                        </a:solidFill>
-                        <a:effectLst/>
-                        <a:latin typeface="Calibri" panose="020F0502020204030204" pitchFamily="34" charset="0"/>
-                      </a:endParaRPr>
-                    </a:p>
-                  </a:txBody>
-                  <a:tcPr marL="9525" marR="9525" marT="9525" marB="0" anchor="ctr">
-                    <a:lnL w="12700" cap="flat" cmpd="sng" algn="ctr">
-                      <a:solidFill>
-                        <a:schemeClr val="bg1">
-                          <a:lumMod val="65000"/>
-                        </a:schemeClr>
-                      </a:solidFill>
-                      <a:prstDash val="solid"/>
-                      <a:round/>
-                      <a:headEnd type="none" w="med" len="med"/>
-                      <a:tailEnd type="none" w="med" len="med"/>
-                    </a:lnL>
-                    <a:lnR w="12700" cap="flat" cmpd="sng" algn="ctr">
-                      <a:solidFill>
-                        <a:schemeClr val="bg1">
-                          <a:lumMod val="65000"/>
-                        </a:schemeClr>
-                      </a:solidFill>
-                      <a:prstDash val="solid"/>
-                      <a:round/>
-                      <a:headEnd type="none" w="med" len="med"/>
-                      <a:tailEnd type="none" w="med" len="med"/>
-                    </a:lnR>
-                    <a:lnT w="12700" cap="flat" cmpd="sng" algn="ctr">
-                      <a:solidFill>
-                        <a:schemeClr val="bg1">
-                          <a:lumMod val="65000"/>
-                        </a:schemeClr>
-                      </a:solidFill>
-                      <a:prstDash val="solid"/>
-                      <a:round/>
-                      <a:headEnd type="none" w="med" len="med"/>
-                      <a:tailEnd type="none" w="med" len="med"/>
-                    </a:lnT>
-                    <a:lnB w="12700" cap="flat" cmpd="sng" algn="ctr">
-                      <a:solidFill>
-                        <a:schemeClr val="bg1">
-                          <a:lumMod val="65000"/>
-                        </a:schemeClr>
-                      </a:solidFill>
-                      <a:prstDash val="solid"/>
-                      <a:round/>
-                      <a:headEnd type="none" w="med" len="med"/>
-                      <a:tailEnd type="none" w="med" len="med"/>
-                    </a:lnB>
-                  </a:tcPr>
-                </a:tc>
-                <a:tc>
-                  <a:txBody>
-                    <a:bodyPr/>
-                    <a:lstStyle/>
-                    <a:p>
-                      <a:pPr algn="l" fontAlgn="b"/>
-                      <a:r>
-                        <a:rPr lang="en-US" sz="1100" b="0" i="0" u="none" strike="noStrike">
-                          <a:solidFill>
-                            <a:schemeClr val="bg1"/>
-                          </a:solidFill>
-                          <a:effectLst/>
-                          <a:latin typeface="Calibri"/>
-                        </a:rPr>
-                        <a:t>May 25, 2020</a:t>
-                      </a:r>
-                      <a:endParaRPr lang="en-US" sz="1100" b="0" i="0" u="none" strike="noStrike">
-                        <a:solidFill>
-                          <a:schemeClr val="bg1"/>
-                        </a:solidFill>
-                        <a:effectLst/>
-                        <a:latin typeface="Calibri" panose="020F0502020204030204" pitchFamily="34" charset="0"/>
-                      </a:endParaRPr>
-                    </a:p>
-                  </a:txBody>
-                  <a:tcPr marL="9525" marR="9525" marT="9525" marB="0" anchor="b">
-                    <a:lnL w="12700" cap="flat" cmpd="sng" algn="ctr">
-                      <a:solidFill>
-                        <a:schemeClr val="bg1">
-                          <a:lumMod val="65000"/>
-                        </a:schemeClr>
-                      </a:solidFill>
-                      <a:prstDash val="solid"/>
-                      <a:round/>
-                      <a:headEnd type="none" w="med" len="med"/>
-                      <a:tailEnd type="none" w="med" len="med"/>
-                    </a:lnL>
-                    <a:lnR w="12700" cap="flat" cmpd="sng" algn="ctr">
-                      <a:solidFill>
-                        <a:schemeClr val="bg1">
-                          <a:lumMod val="65000"/>
-                        </a:schemeClr>
-                      </a:solidFill>
-                      <a:prstDash val="solid"/>
-                      <a:round/>
-                      <a:headEnd type="none" w="med" len="med"/>
-                      <a:tailEnd type="none" w="med" len="med"/>
-                    </a:lnR>
-                    <a:lnT w="12700" cap="flat" cmpd="sng" algn="ctr">
-                      <a:solidFill>
-                        <a:schemeClr val="bg1">
-                          <a:lumMod val="65000"/>
-                        </a:schemeClr>
-                      </a:solidFill>
-                      <a:prstDash val="solid"/>
-                      <a:round/>
-                      <a:headEnd type="none" w="med" len="med"/>
-                      <a:tailEnd type="none" w="med" len="med"/>
-                    </a:lnT>
-                    <a:lnB w="12700" cap="flat" cmpd="sng" algn="ctr">
-                      <a:solidFill>
-                        <a:schemeClr val="bg1">
-                          <a:lumMod val="65000"/>
-                        </a:schemeClr>
-                      </a:solidFill>
-                      <a:prstDash val="solid"/>
-                      <a:round/>
-                      <a:headEnd type="none" w="med" len="med"/>
-                      <a:tailEnd type="none" w="med" len="med"/>
-                    </a:lnB>
-                  </a:tcPr>
-                </a:tc>
-                <a:tc>
-                  <a:txBody>
-                    <a:bodyPr/>
-                    <a:lstStyle/>
-                    <a:p>
-                      <a:pPr algn="ctr" fontAlgn="ctr"/>
-                      <a:r>
-                        <a:rPr lang="en-US" sz="1100" u="none" strike="noStrike">
-                          <a:solidFill>
-                            <a:schemeClr val="bg1"/>
-                          </a:solidFill>
-                          <a:effectLst/>
-                        </a:rPr>
-                        <a:t>1.5 </a:t>
-                      </a:r>
-                      <a:endParaRPr lang="en-US" sz="1100" b="0" i="0" u="none" strike="noStrike">
-                        <a:solidFill>
-                          <a:schemeClr val="bg1"/>
-                        </a:solidFill>
-                        <a:effectLst/>
-                        <a:latin typeface="Calibri" panose="020F0502020204030204" pitchFamily="34" charset="0"/>
-                      </a:endParaRPr>
-                    </a:p>
-                  </a:txBody>
-                  <a:tcPr marL="9525" marR="9525" marT="9525" marB="0" anchor="ctr">
-                    <a:lnL w="12700" cap="flat" cmpd="sng" algn="ctr">
-                      <a:solidFill>
-                        <a:schemeClr val="bg1">
-                          <a:lumMod val="65000"/>
-                        </a:schemeClr>
-                      </a:solidFill>
-                      <a:prstDash val="solid"/>
-                      <a:round/>
-                      <a:headEnd type="none" w="med" len="med"/>
-                      <a:tailEnd type="none" w="med" len="med"/>
-                    </a:lnL>
-                    <a:lnR w="12700" cap="flat" cmpd="sng" algn="ctr">
-                      <a:solidFill>
-                        <a:schemeClr val="bg1">
-                          <a:lumMod val="65000"/>
-                        </a:schemeClr>
-                      </a:solidFill>
-                      <a:prstDash val="solid"/>
-                      <a:round/>
-                      <a:headEnd type="none" w="med" len="med"/>
-                      <a:tailEnd type="none" w="med" len="med"/>
-                    </a:lnR>
-                    <a:lnT w="12700" cap="flat" cmpd="sng" algn="ctr">
-                      <a:solidFill>
-                        <a:schemeClr val="bg1">
-                          <a:lumMod val="65000"/>
-                        </a:schemeClr>
-                      </a:solidFill>
-                      <a:prstDash val="solid"/>
-                      <a:round/>
-                      <a:headEnd type="none" w="med" len="med"/>
-                      <a:tailEnd type="none" w="med" len="med"/>
-                    </a:lnT>
-                    <a:lnB w="12700" cap="flat" cmpd="sng" algn="ctr">
-                      <a:solidFill>
-                        <a:schemeClr val="bg1">
-                          <a:lumMod val="65000"/>
-                        </a:schemeClr>
-                      </a:solidFill>
-                      <a:prstDash val="solid"/>
-                      <a:round/>
-                      <a:headEnd type="none" w="med" len="med"/>
-                      <a:tailEnd type="none" w="med" len="med"/>
-                    </a:lnB>
-                  </a:tcPr>
-                </a:tc>
-                <a:extLst>
-                  <a:ext uri="{0D108BD9-81ED-4DB2-BD59-A6C34878D82A}">
-                    <a16:rowId xmlns:a16="http://schemas.microsoft.com/office/drawing/2014/main" val="10003"/>
-                  </a:ext>
-                </a:extLst>
-              </a:tr>
-              <a:tr h="381000">
-                <a:tc>
-                  <a:txBody>
-                    <a:bodyPr/>
-                    <a:lstStyle/>
-                    <a:p>
-                      <a:pPr algn="l" fontAlgn="b"/>
-                      <a:r>
-                        <a:rPr lang="en-US" sz="1100" u="none" strike="noStrike">
-                          <a:solidFill>
-                            <a:schemeClr val="bg1"/>
-                          </a:solidFill>
-                          <a:effectLst/>
-                        </a:rPr>
-                        <a:t> </a:t>
-                      </a:r>
-                      <a:r>
-                        <a:rPr lang="en-US" sz="1100" b="0" i="0" u="none" strike="noStrike">
-                          <a:solidFill>
-                            <a:schemeClr val="bg1"/>
-                          </a:solidFill>
-                          <a:effectLst/>
-                          <a:latin typeface="Calibri"/>
-                        </a:rPr>
-                        <a:t>Class and meetings</a:t>
-                      </a:r>
-                      <a:endParaRPr lang="en-US" sz="1100" b="0" i="0" u="none" strike="noStrike">
-                        <a:solidFill>
-                          <a:schemeClr val="bg1"/>
-                        </a:solidFill>
-                        <a:effectLst/>
-                        <a:latin typeface="Calibri" panose="020F0502020204030204" pitchFamily="34" charset="0"/>
-                      </a:endParaRPr>
-                    </a:p>
-                  </a:txBody>
-                  <a:tcPr marL="9525" marR="9525" marT="9525" marB="0" anchor="ctr">
-                    <a:lnL w="12700" cap="flat" cmpd="sng" algn="ctr">
-                      <a:solidFill>
-                        <a:schemeClr val="bg1">
-                          <a:lumMod val="65000"/>
-                        </a:schemeClr>
-                      </a:solidFill>
-                      <a:prstDash val="solid"/>
-                      <a:round/>
-                      <a:headEnd type="none" w="med" len="med"/>
-                      <a:tailEnd type="none" w="med" len="med"/>
-                    </a:lnL>
-                    <a:lnR w="12700" cap="flat" cmpd="sng" algn="ctr">
-                      <a:solidFill>
-                        <a:schemeClr val="bg1">
-                          <a:lumMod val="65000"/>
-                        </a:schemeClr>
-                      </a:solidFill>
-                      <a:prstDash val="solid"/>
-                      <a:round/>
-                      <a:headEnd type="none" w="med" len="med"/>
-                      <a:tailEnd type="none" w="med" len="med"/>
-                    </a:lnR>
-                    <a:lnT w="12700" cap="flat" cmpd="sng" algn="ctr">
-                      <a:solidFill>
-                        <a:schemeClr val="bg1">
-                          <a:lumMod val="65000"/>
-                        </a:schemeClr>
-                      </a:solidFill>
-                      <a:prstDash val="solid"/>
-                      <a:round/>
-                      <a:headEnd type="none" w="med" len="med"/>
-                      <a:tailEnd type="none" w="med" len="med"/>
-                    </a:lnT>
-                    <a:lnB w="12700" cap="flat" cmpd="sng" algn="ctr">
-                      <a:solidFill>
-                        <a:schemeClr val="bg1">
-                          <a:lumMod val="65000"/>
-                        </a:schemeClr>
-                      </a:solidFill>
-                      <a:prstDash val="solid"/>
-                      <a:round/>
-                      <a:headEnd type="none" w="med" len="med"/>
-                      <a:tailEnd type="none" w="med" len="med"/>
-                    </a:lnB>
-                  </a:tcPr>
-                </a:tc>
-                <a:tc>
-                  <a:txBody>
-                    <a:bodyPr/>
-                    <a:lstStyle/>
-                    <a:p>
-                      <a:pPr algn="l" fontAlgn="b"/>
-                      <a:r>
-                        <a:rPr lang="en-US" sz="1100" b="0" i="0" u="none" strike="noStrike">
-                          <a:solidFill>
-                            <a:schemeClr val="bg1"/>
-                          </a:solidFill>
-                          <a:effectLst/>
-                          <a:latin typeface="Calibri"/>
-                        </a:rPr>
-                        <a:t>-</a:t>
-                      </a:r>
-                      <a:endParaRPr lang="en-US" sz="1100" b="0" i="0" u="none" strike="noStrike">
-                        <a:solidFill>
-                          <a:schemeClr val="bg1"/>
-                        </a:solidFill>
-                        <a:effectLst/>
-                        <a:latin typeface="Calibri" panose="020F0502020204030204" pitchFamily="34" charset="0"/>
-                      </a:endParaRPr>
-                    </a:p>
-                  </a:txBody>
-                  <a:tcPr marL="9525" marR="9525" marT="9525" marB="0" anchor="b">
-                    <a:lnL w="12700" cap="flat" cmpd="sng" algn="ctr">
-                      <a:solidFill>
-                        <a:schemeClr val="bg1">
-                          <a:lumMod val="65000"/>
-                        </a:schemeClr>
-                      </a:solidFill>
-                      <a:prstDash val="solid"/>
-                      <a:round/>
-                      <a:headEnd type="none" w="med" len="med"/>
-                      <a:tailEnd type="none" w="med" len="med"/>
-                    </a:lnL>
-                    <a:lnR w="12700" cap="flat" cmpd="sng" algn="ctr">
-                      <a:solidFill>
-                        <a:schemeClr val="bg1">
-                          <a:lumMod val="65000"/>
-                        </a:schemeClr>
-                      </a:solidFill>
-                      <a:prstDash val="solid"/>
-                      <a:round/>
-                      <a:headEnd type="none" w="med" len="med"/>
-                      <a:tailEnd type="none" w="med" len="med"/>
-                    </a:lnR>
-                    <a:lnT w="12700" cap="flat" cmpd="sng" algn="ctr">
-                      <a:solidFill>
-                        <a:schemeClr val="bg1">
-                          <a:lumMod val="65000"/>
-                        </a:schemeClr>
-                      </a:solidFill>
-                      <a:prstDash val="solid"/>
-                      <a:round/>
-                      <a:headEnd type="none" w="med" len="med"/>
-                      <a:tailEnd type="none" w="med" len="med"/>
-                    </a:lnT>
-                    <a:lnB w="12700" cap="flat" cmpd="sng" algn="ctr">
-                      <a:solidFill>
-                        <a:schemeClr val="bg1">
-                          <a:lumMod val="65000"/>
-                        </a:schemeClr>
-                      </a:solidFill>
-                      <a:prstDash val="solid"/>
-                      <a:round/>
-                      <a:headEnd type="none" w="med" len="med"/>
-                      <a:tailEnd type="none" w="med" len="med"/>
-                    </a:lnB>
-                  </a:tcPr>
-                </a:tc>
-                <a:tc>
-                  <a:txBody>
-                    <a:bodyPr/>
-                    <a:lstStyle/>
-                    <a:p>
-                      <a:pPr algn="ctr" fontAlgn="ctr"/>
-                      <a:r>
-                        <a:rPr lang="en-US" sz="1100" u="none" strike="noStrike">
-                          <a:solidFill>
-                            <a:schemeClr val="bg1"/>
-                          </a:solidFill>
-                          <a:effectLst/>
-                        </a:rPr>
-                        <a:t> 3.25</a:t>
-                      </a:r>
-                      <a:endParaRPr lang="en-US" sz="1100" b="0" i="0" u="none" strike="noStrike">
-                        <a:solidFill>
-                          <a:schemeClr val="bg1"/>
-                        </a:solidFill>
-                        <a:effectLst/>
-                        <a:latin typeface="Calibri" panose="020F0502020204030204" pitchFamily="34" charset="0"/>
-                      </a:endParaRPr>
-                    </a:p>
-                  </a:txBody>
-                  <a:tcPr marL="9525" marR="9525" marT="9525" marB="0" anchor="ctr">
-                    <a:lnL w="12700" cap="flat" cmpd="sng" algn="ctr">
-                      <a:solidFill>
-                        <a:schemeClr val="bg1">
-                          <a:lumMod val="65000"/>
-                        </a:schemeClr>
-                      </a:solidFill>
-                      <a:prstDash val="solid"/>
-                      <a:round/>
-                      <a:headEnd type="none" w="med" len="med"/>
-                      <a:tailEnd type="none" w="med" len="med"/>
-                    </a:lnL>
-                    <a:lnR w="12700" cap="flat" cmpd="sng" algn="ctr">
-                      <a:solidFill>
-                        <a:schemeClr val="bg1">
-                          <a:lumMod val="65000"/>
-                        </a:schemeClr>
-                      </a:solidFill>
-                      <a:prstDash val="solid"/>
-                      <a:round/>
-                      <a:headEnd type="none" w="med" len="med"/>
-                      <a:tailEnd type="none" w="med" len="med"/>
-                    </a:lnR>
-                    <a:lnT w="12700" cap="flat" cmpd="sng" algn="ctr">
-                      <a:solidFill>
-                        <a:schemeClr val="bg1">
-                          <a:lumMod val="65000"/>
-                        </a:schemeClr>
-                      </a:solidFill>
-                      <a:prstDash val="solid"/>
-                      <a:round/>
-                      <a:headEnd type="none" w="med" len="med"/>
-                      <a:tailEnd type="none" w="med" len="med"/>
-                    </a:lnT>
-                    <a:lnB w="12700" cap="flat" cmpd="sng" algn="ctr">
-                      <a:solidFill>
-                        <a:schemeClr val="bg1">
-                          <a:lumMod val="65000"/>
-                        </a:schemeClr>
-                      </a:solidFill>
-                      <a:prstDash val="solid"/>
-                      <a:round/>
-                      <a:headEnd type="none" w="med" len="med"/>
-                      <a:tailEnd type="none" w="med" len="med"/>
-                    </a:lnB>
-                  </a:tcPr>
-                </a:tc>
-                <a:extLst>
-                  <a:ext uri="{0D108BD9-81ED-4DB2-BD59-A6C34878D82A}">
-                    <a16:rowId xmlns:a16="http://schemas.microsoft.com/office/drawing/2014/main" val="10004"/>
-                  </a:ext>
-                </a:extLst>
-              </a:tr>
-            </a:tbl>
-          </a:graphicData>
-        </a:graphic>
-      </p:graphicFrame>
-      <p:graphicFrame>
-        <p:nvGraphicFramePr>
-          <p:cNvPr id="4" name="Table 3"/>
-          <p:cNvGraphicFramePr>
-            <a:graphicFrameLocks noGrp="1"/>
-          </p:cNvGraphicFramePr>
-          <p:nvPr>
-            <p:extLst>
-              <p:ext uri="{D42A27DB-BD31-4B8C-83A1-F6EECF244321}">
-                <p14:modId xmlns:p14="http://schemas.microsoft.com/office/powerpoint/2010/main" val="3251890200"/>
-              </p:ext>
-            </p:extLst>
-          </p:nvPr>
-        </p:nvGraphicFramePr>
-        <p:xfrm>
-          <a:off x="5841826" y="4114800"/>
-          <a:ext cx="5749969" cy="609600"/>
-        </p:xfrm>
-        <a:graphic>
-          <a:graphicData uri="http://schemas.openxmlformats.org/drawingml/2006/table">
-            <a:tbl>
-              <a:tblPr lastCol="1" bandRow="1">
-                <a:tableStyleId>{2D5ABB26-0587-4C30-8999-92F81FD0307C}</a:tableStyleId>
-              </a:tblPr>
-              <a:tblGrid>
-                <a:gridCol w="5054774">
-                  <a:extLst>
-                    <a:ext uri="{9D8B030D-6E8A-4147-A177-3AD203B41FA5}">
-                      <a16:colId xmlns:a16="http://schemas.microsoft.com/office/drawing/2014/main" val="20000"/>
-                    </a:ext>
-                  </a:extLst>
-                </a:gridCol>
-                <a:gridCol w="695195">
-                  <a:extLst>
-                    <a:ext uri="{9D8B030D-6E8A-4147-A177-3AD203B41FA5}">
-                      <a16:colId xmlns:a16="http://schemas.microsoft.com/office/drawing/2014/main" val="20001"/>
-                    </a:ext>
-                  </a:extLst>
-                </a:gridCol>
-              </a:tblGrid>
-              <a:tr h="609600">
-                <a:tc>
-                  <a:txBody>
-                    <a:bodyPr/>
-                    <a:lstStyle/>
-                    <a:p>
-                      <a:pPr algn="ctr" fontAlgn="b"/>
-                      <a:r>
-                        <a:rPr lang="en-US" sz="1100" u="none" strike="noStrike">
-                          <a:solidFill>
-                            <a:schemeClr val="bg1"/>
-                          </a:solidFill>
-                          <a:effectLst/>
-                        </a:rPr>
-                        <a:t>Estimated time needed to work on </a:t>
-                      </a:r>
-                      <a:r>
-                        <a:rPr lang="en-US" sz="1100" u="none" strike="noStrike" baseline="0">
-                          <a:solidFill>
-                            <a:schemeClr val="bg1"/>
-                          </a:solidFill>
-                          <a:effectLst/>
-                        </a:rPr>
-                        <a:t>goals for this coming week (typ. 13 </a:t>
-                      </a:r>
-                      <a:r>
-                        <a:rPr lang="en-US" sz="1100" u="none" strike="noStrike" baseline="0" err="1">
-                          <a:solidFill>
-                            <a:schemeClr val="bg1"/>
-                          </a:solidFill>
-                          <a:effectLst/>
-                        </a:rPr>
-                        <a:t>hrs</a:t>
-                      </a:r>
-                      <a:r>
-                        <a:rPr lang="en-US" sz="1100" u="none" strike="noStrike" baseline="0">
-                          <a:solidFill>
-                            <a:schemeClr val="bg1"/>
-                          </a:solidFill>
-                          <a:effectLst/>
-                        </a:rPr>
-                        <a:t>)</a:t>
-                      </a:r>
-                      <a:endParaRPr lang="en-US" sz="1100" b="0" i="0" u="none" strike="noStrike">
-                        <a:solidFill>
-                          <a:schemeClr val="bg1"/>
-                        </a:solidFill>
-                        <a:effectLst/>
-                        <a:latin typeface="Calibri" panose="020F0502020204030204" pitchFamily="34" charset="0"/>
-                      </a:endParaRPr>
-                    </a:p>
-                  </a:txBody>
-                  <a:tcPr marL="9525" marR="9525" marT="9525" marB="0" anchor="ctr">
-                    <a:lnL w="12700" cap="flat" cmpd="sng" algn="ctr">
-                      <a:solidFill>
-                        <a:schemeClr val="bg1">
-                          <a:lumMod val="65000"/>
-                        </a:schemeClr>
-                      </a:solidFill>
-                      <a:prstDash val="solid"/>
-                      <a:round/>
-                      <a:headEnd type="none" w="med" len="med"/>
-                      <a:tailEnd type="none" w="med" len="med"/>
-                    </a:lnL>
-                    <a:lnR w="12700" cap="flat" cmpd="sng" algn="ctr">
-                      <a:solidFill>
-                        <a:schemeClr val="bg1">
-                          <a:lumMod val="65000"/>
-                        </a:schemeClr>
-                      </a:solidFill>
-                      <a:prstDash val="solid"/>
-                      <a:round/>
-                      <a:headEnd type="none" w="med" len="med"/>
-                      <a:tailEnd type="none" w="med" len="med"/>
-                    </a:lnR>
-                    <a:lnT w="12700" cap="flat" cmpd="sng" algn="ctr">
-                      <a:solidFill>
-                        <a:schemeClr val="bg1">
-                          <a:lumMod val="65000"/>
-                        </a:schemeClr>
-                      </a:solidFill>
-                      <a:prstDash val="solid"/>
-                      <a:round/>
-                      <a:headEnd type="none" w="med" len="med"/>
-                      <a:tailEnd type="none" w="med" len="med"/>
-                    </a:lnT>
-                    <a:lnB w="12700" cap="flat" cmpd="sng" algn="ctr">
-                      <a:solidFill>
-                        <a:schemeClr val="bg1">
-                          <a:lumMod val="65000"/>
-                        </a:schemeClr>
-                      </a:solidFill>
-                      <a:prstDash val="solid"/>
-                      <a:round/>
-                      <a:headEnd type="none" w="med" len="med"/>
-                      <a:tailEnd type="none" w="med" len="med"/>
-                    </a:lnB>
-                  </a:tcPr>
-                </a:tc>
-                <a:tc>
-                  <a:txBody>
-                    <a:bodyPr/>
-                    <a:lstStyle/>
-                    <a:p>
-                      <a:pPr algn="ctr" fontAlgn="b"/>
-                      <a:r>
-                        <a:rPr lang="en-US" sz="1100" b="0" i="0" u="none" strike="noStrike">
-                          <a:solidFill>
-                            <a:schemeClr val="bg1"/>
-                          </a:solidFill>
-                          <a:effectLst/>
-                          <a:latin typeface="Calibri"/>
-                        </a:rPr>
-                        <a:t>13.25</a:t>
-                      </a:r>
-                      <a:endParaRPr lang="en-US" sz="1100" b="0" i="0" u="none" strike="noStrike">
-                        <a:solidFill>
-                          <a:schemeClr val="bg1"/>
-                        </a:solidFill>
-                        <a:effectLst/>
-                        <a:latin typeface="Calibri" panose="020F0502020204030204" pitchFamily="34" charset="0"/>
-                      </a:endParaRPr>
-                    </a:p>
-                  </a:txBody>
-                  <a:tcPr marL="9525" marR="9525" marT="9525" marB="0" anchor="ctr">
-                    <a:lnL w="12700" cap="flat" cmpd="sng" algn="ctr">
-                      <a:solidFill>
-                        <a:schemeClr val="bg1">
-                          <a:lumMod val="65000"/>
-                        </a:schemeClr>
-                      </a:solidFill>
-                      <a:prstDash val="solid"/>
-                      <a:round/>
-                      <a:headEnd type="none" w="med" len="med"/>
-                      <a:tailEnd type="none" w="med" len="med"/>
-                    </a:lnL>
-                    <a:lnR w="12700" cap="flat" cmpd="sng" algn="ctr">
-                      <a:solidFill>
-                        <a:schemeClr val="bg1">
-                          <a:lumMod val="65000"/>
-                        </a:schemeClr>
-                      </a:solidFill>
-                      <a:prstDash val="solid"/>
-                      <a:round/>
-                      <a:headEnd type="none" w="med" len="med"/>
-                      <a:tailEnd type="none" w="med" len="med"/>
-                    </a:lnR>
-                    <a:lnT w="12700" cap="flat" cmpd="sng" algn="ctr">
-                      <a:solidFill>
-                        <a:schemeClr val="bg1">
-                          <a:lumMod val="65000"/>
-                        </a:schemeClr>
-                      </a:solidFill>
-                      <a:prstDash val="solid"/>
-                      <a:round/>
-                      <a:headEnd type="none" w="med" len="med"/>
-                      <a:tailEnd type="none" w="med" len="med"/>
-                    </a:lnT>
-                    <a:lnB w="12700" cap="flat" cmpd="sng" algn="ctr">
-                      <a:solidFill>
-                        <a:schemeClr val="bg1">
-                          <a:lumMod val="65000"/>
-                        </a:schemeClr>
-                      </a:solidFill>
-                      <a:prstDash val="solid"/>
-                      <a:round/>
-                      <a:headEnd type="none" w="med" len="med"/>
-                      <a:tailEnd type="none" w="med" len="med"/>
-                    </a:lnB>
-                  </a:tcPr>
-                </a:tc>
-                <a:extLst>
-                  <a:ext uri="{0D108BD9-81ED-4DB2-BD59-A6C34878D82A}">
-                    <a16:rowId xmlns:a16="http://schemas.microsoft.com/office/drawing/2014/main" val="10000"/>
-                  </a:ext>
-                </a:extLst>
-              </a:tr>
-            </a:tbl>
-          </a:graphicData>
-        </a:graphic>
-      </p:graphicFrame>
-    </p:spTree>
-    <p:extLst>
-      <p:ext uri="{BB962C8B-B14F-4D97-AF65-F5344CB8AC3E}">
-        <p14:creationId xmlns:p14="http://schemas.microsoft.com/office/powerpoint/2010/main" val="553433255"/>
-      </p:ext>
-    </p:extLst>
-  </p:cSld>
-  <p:clrMapOvr>
-    <a:masterClrMapping/>
-  </p:clrMapOvr>
-  <p:transition>
-    <p:fade/>
-  </p:transition>
-</p:sld>
-</file>
-
-<file path=ppt/slides/slide11.xml><?xml version="1.0" encoding="utf-8"?>
-<p:sld xmlns:a="http://schemas.openxmlformats.org/drawingml/2006/main" xmlns:r="http://schemas.openxmlformats.org/officeDocument/2006/relationships" xmlns:p="http://schemas.openxmlformats.org/presentationml/2006/main">
-  <p:cSld>
-    <p:spTree>
-      <p:nvGrpSpPr>
-        <p:cNvPr id="1" name=""/>
-        <p:cNvGrpSpPr/>
-        <p:nvPr/>
-      </p:nvGrpSpPr>
-      <p:grpSpPr>
-        <a:xfrm>
-          <a:off x="0" y="0"/>
-          <a:ext cx="0" cy="0"/>
-          <a:chOff x="0" y="0"/>
-          <a:chExt cx="0" cy="0"/>
-        </a:xfrm>
-      </p:grpSpPr>
-      <p:sp>
-        <p:nvSpPr>
-          <p:cNvPr id="2" name="Title 1"/>
-          <p:cNvSpPr>
-            <a:spLocks noGrp="1"/>
-          </p:cNvSpPr>
-          <p:nvPr>
-            <p:ph type="title"/>
-          </p:nvPr>
-        </p:nvSpPr>
-        <p:spPr/>
-        <p:txBody>
-          <a:bodyPr/>
-          <a:lstStyle/>
-          <a:p>
-            <a:r>
-              <a:rPr lang="en-US"/>
               <a:t>How can we help you achieve your goals?</a:t>
             </a:r>
           </a:p>
@@ -7019,107 +5194,7 @@
 </p:sld>
 </file>
 
-<file path=ppt/slides/slide12.xml><?xml version="1.0" encoding="utf-8"?>
-<p:sld xmlns:a="http://schemas.openxmlformats.org/drawingml/2006/main" xmlns:r="http://schemas.openxmlformats.org/officeDocument/2006/relationships" xmlns:p="http://schemas.openxmlformats.org/presentationml/2006/main">
-  <p:cSld>
-    <p:spTree>
-      <p:nvGrpSpPr>
-        <p:cNvPr id="1" name=""/>
-        <p:cNvGrpSpPr/>
-        <p:nvPr/>
-      </p:nvGrpSpPr>
-      <p:grpSpPr>
-        <a:xfrm>
-          <a:off x="0" y="0"/>
-          <a:ext cx="0" cy="0"/>
-          <a:chOff x="0" y="0"/>
-          <a:chExt cx="0" cy="0"/>
-        </a:xfrm>
-      </p:grpSpPr>
-      <p:sp>
-        <p:nvSpPr>
-          <p:cNvPr id="2" name="Rectangle 1"/>
-          <p:cNvSpPr/>
-          <p:nvPr/>
-        </p:nvSpPr>
-        <p:spPr bwMode="auto">
-          <a:xfrm>
-            <a:off x="-152400" y="-76200"/>
-            <a:ext cx="12573000" cy="6934200"/>
-          </a:xfrm>
-          <a:prstGeom prst="rect">
-            <a:avLst/>
-          </a:prstGeom>
-          <a:solidFill>
-            <a:schemeClr val="tx1"/>
-          </a:solidFill>
-          <a:ln w="9525" cap="flat" cmpd="sng" algn="ctr">
-            <a:solidFill>
-              <a:schemeClr val="tx1"/>
-            </a:solidFill>
-            <a:prstDash val="solid"/>
-            <a:round/>
-            <a:headEnd type="none" w="med" len="med"/>
-            <a:tailEnd type="none" w="med" len="med"/>
-          </a:ln>
-          <a:effectLst/>
-        </p:spPr>
-        <p:txBody>
-          <a:bodyPr vert="horz" wrap="square" lIns="91440" tIns="45720" rIns="91440" bIns="45720" numCol="1" rtlCol="0" anchor="t" anchorCtr="0" compatLnSpc="1">
-            <a:prstTxWarp prst="textNoShape">
-              <a:avLst/>
-            </a:prstTxWarp>
-          </a:bodyPr>
-          <a:lstStyle/>
-          <a:p>
-            <a:pPr marL="0" marR="0" indent="0" algn="l" defTabSz="914400" rtl="0" eaLnBrk="0" fontAlgn="base" latinLnBrk="0" hangingPunct="0">
-              <a:lnSpc>
-                <a:spcPct val="100000"/>
-              </a:lnSpc>
-              <a:spcBef>
-                <a:spcPct val="0"/>
-              </a:spcBef>
-              <a:spcAft>
-                <a:spcPct val="0"/>
-              </a:spcAft>
-              <a:buClrTx/>
-              <a:buSzTx/>
-              <a:buFontTx/>
-              <a:buNone/>
-              <a:tabLst/>
-            </a:pPr>
-            <a:endParaRPr kumimoji="0" lang="en-US" sz="2400" b="0" i="0" u="none" strike="noStrike" cap="none" normalizeH="0" baseline="0">
-              <a:ln>
-                <a:noFill/>
-              </a:ln>
-              <a:solidFill>
-                <a:schemeClr val="tx1"/>
-              </a:solidFill>
-              <a:effectLst/>
-              <a:latin typeface="Arial" pitchFamily="44" charset="0"/>
-              <a:ea typeface="ＭＳ Ｐゴシック" pitchFamily="44" charset="-128"/>
-              <a:cs typeface="ＭＳ Ｐゴシック" pitchFamily="44" charset="-128"/>
-            </a:endParaRPr>
-          </a:p>
-        </p:txBody>
-      </p:sp>
-    </p:spTree>
-    <p:extLst>
-      <p:ext uri="{BB962C8B-B14F-4D97-AF65-F5344CB8AC3E}">
-        <p14:creationId xmlns:p14="http://schemas.microsoft.com/office/powerpoint/2010/main" val="3694377368"/>
-      </p:ext>
-    </p:extLst>
-  </p:cSld>
-  <p:clrMapOvr>
-    <a:masterClrMapping/>
-  </p:clrMapOvr>
-  <p:transition>
-    <p:fade/>
-  </p:transition>
-</p:sld>
-</file>
-
-<file path=ppt/slides/slide13.xml><?xml version="1.0" encoding="utf-8"?>
+<file path=ppt/slides/slide11.xml><?xml version="1.0" encoding="utf-8"?>
 <p:sld xmlns:a="http://schemas.openxmlformats.org/drawingml/2006/main" xmlns:r="http://schemas.openxmlformats.org/officeDocument/2006/relationships" xmlns:p="http://schemas.openxmlformats.org/presentationml/2006/main">
   <p:cSld>
     <p:spTree>
@@ -8744,7 +6819,7 @@
 </p:sld>
 </file>
 
-<file path=ppt/slides/slide14.xml><?xml version="1.0" encoding="utf-8"?>
+<file path=ppt/slides/slide12.xml><?xml version="1.0" encoding="utf-8"?>
 <p:sld xmlns:a="http://schemas.openxmlformats.org/drawingml/2006/main" xmlns:r="http://schemas.openxmlformats.org/officeDocument/2006/relationships" xmlns:p="http://schemas.openxmlformats.org/presentationml/2006/main">
   <p:cSld>
     <p:spTree>
@@ -9073,7 +7148,7 @@
 </p:sld>
 </file>
 
-<file path=ppt/slides/slide15.xml><?xml version="1.0" encoding="utf-8"?>
+<file path=ppt/slides/slide13.xml><?xml version="1.0" encoding="utf-8"?>
 <p:sld xmlns:a="http://schemas.openxmlformats.org/drawingml/2006/main" xmlns:r="http://schemas.openxmlformats.org/officeDocument/2006/relationships" xmlns:p="http://schemas.openxmlformats.org/presentationml/2006/main">
   <p:cSld>
     <p:spTree>
@@ -9180,7 +7255,7 @@
 </p:sld>
 </file>
 
-<file path=ppt/slides/slide16.xml><?xml version="1.0" encoding="utf-8"?>
+<file path=ppt/slides/slide14.xml><?xml version="1.0" encoding="utf-8"?>
 <p:sld xmlns:a="http://schemas.openxmlformats.org/drawingml/2006/main" xmlns:r="http://schemas.openxmlformats.org/officeDocument/2006/relationships" xmlns:p="http://schemas.openxmlformats.org/presentationml/2006/main">
   <p:cSld>
     <p:spTree>
@@ -10634,7 +8709,7 @@
 </p:sld>
 </file>
 
-<file path=ppt/slides/slide17.xml><?xml version="1.0" encoding="utf-8"?>
+<file path=ppt/slides/slide15.xml><?xml version="1.0" encoding="utf-8"?>
 <p:sld xmlns:a="http://schemas.openxmlformats.org/drawingml/2006/main" xmlns:r="http://schemas.openxmlformats.org/officeDocument/2006/relationships" xmlns:p="http://schemas.openxmlformats.org/presentationml/2006/main">
   <p:cSld>
     <p:spTree>
@@ -10749,107 +8824,7 @@
 </p:sld>
 </file>
 
-<file path=ppt/slides/slide18.xml><?xml version="1.0" encoding="utf-8"?>
-<p:sld xmlns:a="http://schemas.openxmlformats.org/drawingml/2006/main" xmlns:r="http://schemas.openxmlformats.org/officeDocument/2006/relationships" xmlns:p="http://schemas.openxmlformats.org/presentationml/2006/main">
-  <p:cSld>
-    <p:spTree>
-      <p:nvGrpSpPr>
-        <p:cNvPr id="1" name=""/>
-        <p:cNvGrpSpPr/>
-        <p:nvPr/>
-      </p:nvGrpSpPr>
-      <p:grpSpPr>
-        <a:xfrm>
-          <a:off x="0" y="0"/>
-          <a:ext cx="0" cy="0"/>
-          <a:chOff x="0" y="0"/>
-          <a:chExt cx="0" cy="0"/>
-        </a:xfrm>
-      </p:grpSpPr>
-      <p:sp>
-        <p:nvSpPr>
-          <p:cNvPr id="2" name="Rectangle 1"/>
-          <p:cNvSpPr/>
-          <p:nvPr/>
-        </p:nvSpPr>
-        <p:spPr bwMode="auto">
-          <a:xfrm>
-            <a:off x="-152400" y="-76200"/>
-            <a:ext cx="12573000" cy="6934200"/>
-          </a:xfrm>
-          <a:prstGeom prst="rect">
-            <a:avLst/>
-          </a:prstGeom>
-          <a:solidFill>
-            <a:schemeClr val="tx1"/>
-          </a:solidFill>
-          <a:ln w="9525" cap="flat" cmpd="sng" algn="ctr">
-            <a:solidFill>
-              <a:schemeClr val="tx1"/>
-            </a:solidFill>
-            <a:prstDash val="solid"/>
-            <a:round/>
-            <a:headEnd type="none" w="med" len="med"/>
-            <a:tailEnd type="none" w="med" len="med"/>
-          </a:ln>
-          <a:effectLst/>
-        </p:spPr>
-        <p:txBody>
-          <a:bodyPr vert="horz" wrap="square" lIns="91440" tIns="45720" rIns="91440" bIns="45720" numCol="1" rtlCol="0" anchor="t" anchorCtr="0" compatLnSpc="1">
-            <a:prstTxWarp prst="textNoShape">
-              <a:avLst/>
-            </a:prstTxWarp>
-          </a:bodyPr>
-          <a:lstStyle/>
-          <a:p>
-            <a:pPr marL="0" marR="0" indent="0" algn="l" defTabSz="914400" rtl="0" eaLnBrk="0" fontAlgn="base" latinLnBrk="0" hangingPunct="0">
-              <a:lnSpc>
-                <a:spcPct val="100000"/>
-              </a:lnSpc>
-              <a:spcBef>
-                <a:spcPct val="0"/>
-              </a:spcBef>
-              <a:spcAft>
-                <a:spcPct val="0"/>
-              </a:spcAft>
-              <a:buClrTx/>
-              <a:buSzTx/>
-              <a:buFontTx/>
-              <a:buNone/>
-              <a:tabLst/>
-            </a:pPr>
-            <a:endParaRPr kumimoji="0" lang="en-US" sz="2400" b="0" i="0" u="none" strike="noStrike" cap="none" normalizeH="0" baseline="0">
-              <a:ln>
-                <a:noFill/>
-              </a:ln>
-              <a:solidFill>
-                <a:schemeClr val="tx1"/>
-              </a:solidFill>
-              <a:effectLst/>
-              <a:latin typeface="Arial" pitchFamily="44" charset="0"/>
-              <a:ea typeface="ＭＳ Ｐゴシック" pitchFamily="44" charset="-128"/>
-              <a:cs typeface="ＭＳ Ｐゴシック" pitchFamily="44" charset="-128"/>
-            </a:endParaRPr>
-          </a:p>
-        </p:txBody>
-      </p:sp>
-    </p:spTree>
-    <p:extLst>
-      <p:ext uri="{BB962C8B-B14F-4D97-AF65-F5344CB8AC3E}">
-        <p14:creationId xmlns:p14="http://schemas.microsoft.com/office/powerpoint/2010/main" val="3374571661"/>
-      </p:ext>
-    </p:extLst>
-  </p:cSld>
-  <p:clrMapOvr>
-    <a:masterClrMapping/>
-  </p:clrMapOvr>
-  <p:transition>
-    <p:fade/>
-  </p:transition>
-</p:sld>
-</file>
-
-<file path=ppt/slides/slide19.xml><?xml version="1.0" encoding="utf-8"?>
+<file path=ppt/slides/slide16.xml><?xml version="1.0" encoding="utf-8"?>
 <p:sld xmlns:a="http://schemas.openxmlformats.org/drawingml/2006/main" xmlns:r="http://schemas.openxmlformats.org/officeDocument/2006/relationships" xmlns:p="http://schemas.openxmlformats.org/presentationml/2006/main">
   <p:cSld>
     <p:spTree>
@@ -12452,6 +10427,1921 @@
     <p:extLst>
       <p:ext uri="{BB962C8B-B14F-4D97-AF65-F5344CB8AC3E}">
         <p14:creationId xmlns:p14="http://schemas.microsoft.com/office/powerpoint/2010/main" val="965855723"/>
+      </p:ext>
+    </p:extLst>
+  </p:cSld>
+  <p:clrMapOvr>
+    <a:masterClrMapping/>
+  </p:clrMapOvr>
+  <p:transition>
+    <p:fade/>
+  </p:transition>
+</p:sld>
+</file>
+
+<file path=ppt/slides/slide17.xml><?xml version="1.0" encoding="utf-8"?>
+<p:sld xmlns:a="http://schemas.openxmlformats.org/drawingml/2006/main" xmlns:r="http://schemas.openxmlformats.org/officeDocument/2006/relationships" xmlns:p="http://schemas.openxmlformats.org/presentationml/2006/main">
+  <p:cSld>
+    <p:spTree>
+      <p:nvGrpSpPr>
+        <p:cNvPr id="1" name=""/>
+        <p:cNvGrpSpPr/>
+        <p:nvPr/>
+      </p:nvGrpSpPr>
+      <p:grpSpPr>
+        <a:xfrm>
+          <a:off x="0" y="0"/>
+          <a:ext cx="0" cy="0"/>
+          <a:chOff x="0" y="0"/>
+          <a:chExt cx="0" cy="0"/>
+        </a:xfrm>
+      </p:grpSpPr>
+      <p:sp>
+        <p:nvSpPr>
+          <p:cNvPr id="2" name="Title 1"/>
+          <p:cNvSpPr>
+            <a:spLocks noGrp="1"/>
+          </p:cNvSpPr>
+          <p:nvPr>
+            <p:ph type="title"/>
+          </p:nvPr>
+        </p:nvSpPr>
+        <p:spPr/>
+        <p:txBody>
+          <a:bodyPr/>
+          <a:lstStyle/>
+          <a:p>
+            <a:r>
+              <a:rPr lang="en-US"/>
+              <a:t>Progress made during the week (Log)</a:t>
+            </a:r>
+            <a:br>
+              <a:rPr lang="en-US"/>
+            </a:br>
+            <a:r>
+              <a:rPr lang="en-US" sz="1400"/>
+              <a:t>(What I did)</a:t>
+            </a:r>
+            <a:endParaRPr lang="en-US"/>
+          </a:p>
+        </p:txBody>
+      </p:sp>
+      <p:sp>
+        <p:nvSpPr>
+          <p:cNvPr id="3" name="Content Placeholder 5"/>
+          <p:cNvSpPr txBox="1">
+            <a:spLocks/>
+          </p:cNvSpPr>
+          <p:nvPr/>
+        </p:nvSpPr>
+        <p:spPr>
+          <a:xfrm>
+            <a:off x="685800" y="1066800"/>
+            <a:ext cx="10896600" cy="5105400"/>
+          </a:xfrm>
+          <a:prstGeom prst="rect">
+            <a:avLst/>
+          </a:prstGeom>
+        </p:spPr>
+        <p:txBody>
+          <a:bodyPr anchor="t"/>
+          <a:lstStyle>
+            <a:lvl1pPr marL="342900" indent="-342900" algn="l" rtl="0" eaLnBrk="0" fontAlgn="base" hangingPunct="0">
+              <a:spcBef>
+                <a:spcPct val="20000"/>
+              </a:spcBef>
+              <a:spcAft>
+                <a:spcPct val="0"/>
+              </a:spcAft>
+              <a:buClr>
+                <a:srgbClr val="606060"/>
+              </a:buClr>
+              <a:buSzPct val="80000"/>
+              <a:buFont typeface="Times" charset="0"/>
+              <a:buChar char="•"/>
+              <a:defRPr sz="2400">
+                <a:solidFill>
+                  <a:srgbClr val="FFFFFF"/>
+                </a:solidFill>
+                <a:latin typeface="+mn-lt"/>
+                <a:ea typeface="ＭＳ Ｐゴシック" charset="0"/>
+                <a:cs typeface="MS PGothic" charset="0"/>
+              </a:defRPr>
+            </a:lvl1pPr>
+            <a:lvl2pPr marL="742950" indent="-285750" algn="l" rtl="0" eaLnBrk="0" fontAlgn="base" hangingPunct="0">
+              <a:spcBef>
+                <a:spcPct val="20000"/>
+              </a:spcBef>
+              <a:spcAft>
+                <a:spcPct val="0"/>
+              </a:spcAft>
+              <a:buClr>
+                <a:srgbClr val="606060"/>
+              </a:buClr>
+              <a:buSzPct val="80000"/>
+              <a:buFont typeface="Times" charset="0"/>
+              <a:buChar char="•"/>
+              <a:defRPr sz="2400">
+                <a:solidFill>
+                  <a:srgbClr val="FFFFFF"/>
+                </a:solidFill>
+                <a:latin typeface="+mn-lt"/>
+                <a:ea typeface="MS PGothic" panose="020B0600070205080204" pitchFamily="34" charset="-128"/>
+                <a:cs typeface="MS PGothic" charset="0"/>
+              </a:defRPr>
+            </a:lvl2pPr>
+            <a:lvl3pPr marL="1143000" indent="-228600" algn="l" rtl="0" eaLnBrk="0" fontAlgn="base" hangingPunct="0">
+              <a:spcBef>
+                <a:spcPct val="20000"/>
+              </a:spcBef>
+              <a:spcAft>
+                <a:spcPct val="0"/>
+              </a:spcAft>
+              <a:buClr>
+                <a:srgbClr val="606060"/>
+              </a:buClr>
+              <a:buSzPct val="80000"/>
+              <a:buFont typeface="Times" charset="0"/>
+              <a:buChar char="•"/>
+              <a:defRPr sz="2400">
+                <a:solidFill>
+                  <a:srgbClr val="FFFFFF"/>
+                </a:solidFill>
+                <a:latin typeface="+mn-lt"/>
+                <a:ea typeface="MS PGothic" panose="020B0600070205080204" pitchFamily="34" charset="-128"/>
+                <a:cs typeface="MS PGothic" charset="0"/>
+              </a:defRPr>
+            </a:lvl3pPr>
+            <a:lvl4pPr marL="1600200" indent="-228600" algn="l" rtl="0" eaLnBrk="0" fontAlgn="base" hangingPunct="0">
+              <a:spcBef>
+                <a:spcPct val="20000"/>
+              </a:spcBef>
+              <a:spcAft>
+                <a:spcPct val="0"/>
+              </a:spcAft>
+              <a:buClr>
+                <a:srgbClr val="606060"/>
+              </a:buClr>
+              <a:buSzPct val="80000"/>
+              <a:buFont typeface="Times" charset="0"/>
+              <a:buChar char="•"/>
+              <a:defRPr sz="2400">
+                <a:solidFill>
+                  <a:srgbClr val="FFFFFF"/>
+                </a:solidFill>
+                <a:latin typeface="+mn-lt"/>
+                <a:ea typeface="MS PGothic" panose="020B0600070205080204" pitchFamily="34" charset="-128"/>
+                <a:cs typeface="MS PGothic" charset="0"/>
+              </a:defRPr>
+            </a:lvl4pPr>
+            <a:lvl5pPr marL="2057400" indent="-228600" algn="l" rtl="0" eaLnBrk="0" fontAlgn="base" hangingPunct="0">
+              <a:spcBef>
+                <a:spcPct val="20000"/>
+              </a:spcBef>
+              <a:spcAft>
+                <a:spcPct val="0"/>
+              </a:spcAft>
+              <a:buClr>
+                <a:srgbClr val="606060"/>
+              </a:buClr>
+              <a:buSzPct val="80000"/>
+              <a:buFont typeface="Times" charset="0"/>
+              <a:buChar char="•"/>
+              <a:defRPr sz="2400">
+                <a:solidFill>
+                  <a:srgbClr val="FFFFFF"/>
+                </a:solidFill>
+                <a:latin typeface="+mn-lt"/>
+                <a:ea typeface="MS PGothic" panose="020B0600070205080204" pitchFamily="34" charset="-128"/>
+                <a:cs typeface="MS PGothic" charset="0"/>
+              </a:defRPr>
+            </a:lvl5pPr>
+            <a:lvl6pPr marL="2514600" indent="-228600" algn="l" rtl="0" fontAlgn="base">
+              <a:spcBef>
+                <a:spcPct val="20000"/>
+              </a:spcBef>
+              <a:spcAft>
+                <a:spcPct val="0"/>
+              </a:spcAft>
+              <a:buClr>
+                <a:srgbClr val="1C5696"/>
+              </a:buClr>
+              <a:buSzPct val="80000"/>
+              <a:buFont typeface="Times" pitchFamily="44" charset="0"/>
+              <a:buChar char="•"/>
+              <a:defRPr sz="2400">
+                <a:solidFill>
+                  <a:schemeClr val="tx1"/>
+                </a:solidFill>
+                <a:latin typeface="+mn-lt"/>
+                <a:ea typeface="+mn-ea"/>
+              </a:defRPr>
+            </a:lvl6pPr>
+            <a:lvl7pPr marL="2971800" indent="-228600" algn="l" rtl="0" fontAlgn="base">
+              <a:spcBef>
+                <a:spcPct val="20000"/>
+              </a:spcBef>
+              <a:spcAft>
+                <a:spcPct val="0"/>
+              </a:spcAft>
+              <a:buClr>
+                <a:srgbClr val="1C5696"/>
+              </a:buClr>
+              <a:buSzPct val="80000"/>
+              <a:buFont typeface="Times" pitchFamily="44" charset="0"/>
+              <a:buChar char="•"/>
+              <a:defRPr sz="2400">
+                <a:solidFill>
+                  <a:schemeClr val="tx1"/>
+                </a:solidFill>
+                <a:latin typeface="+mn-lt"/>
+                <a:ea typeface="+mn-ea"/>
+              </a:defRPr>
+            </a:lvl7pPr>
+            <a:lvl8pPr marL="3429000" indent="-228600" algn="l" rtl="0" fontAlgn="base">
+              <a:spcBef>
+                <a:spcPct val="20000"/>
+              </a:spcBef>
+              <a:spcAft>
+                <a:spcPct val="0"/>
+              </a:spcAft>
+              <a:buClr>
+                <a:srgbClr val="1C5696"/>
+              </a:buClr>
+              <a:buSzPct val="80000"/>
+              <a:buFont typeface="Times" pitchFamily="44" charset="0"/>
+              <a:buChar char="•"/>
+              <a:defRPr sz="2400">
+                <a:solidFill>
+                  <a:schemeClr val="tx1"/>
+                </a:solidFill>
+                <a:latin typeface="+mn-lt"/>
+                <a:ea typeface="+mn-ea"/>
+              </a:defRPr>
+            </a:lvl8pPr>
+            <a:lvl9pPr marL="3886200" indent="-228600" algn="l" rtl="0" fontAlgn="base">
+              <a:spcBef>
+                <a:spcPct val="20000"/>
+              </a:spcBef>
+              <a:spcAft>
+                <a:spcPct val="0"/>
+              </a:spcAft>
+              <a:buClr>
+                <a:srgbClr val="1C5696"/>
+              </a:buClr>
+              <a:buSzPct val="80000"/>
+              <a:buFont typeface="Times" pitchFamily="44" charset="0"/>
+              <a:buChar char="•"/>
+              <a:defRPr sz="2400">
+                <a:solidFill>
+                  <a:schemeClr val="tx1"/>
+                </a:solidFill>
+                <a:latin typeface="+mn-lt"/>
+                <a:ea typeface="+mn-ea"/>
+              </a:defRPr>
+            </a:lvl9pPr>
+          </a:lstStyle>
+          <a:p>
+            <a:pPr marL="0" indent="0">
+              <a:buFont typeface="Times" charset="0"/>
+              <a:buNone/>
+            </a:pPr>
+            <a:r>
+              <a:rPr lang="en-US" sz="1200" kern="0"/>
+              <a:t>For example: Resources found (links, manuals), Designs created, Decisions made and corresponding rational, Photos of prototype progress, etc.</a:t>
+            </a:r>
+          </a:p>
+          <a:p>
+            <a:pPr marL="0" indent="0">
+              <a:buFont typeface="Times" charset="0"/>
+              <a:buNone/>
+            </a:pPr>
+            <a:endParaRPr lang="en-US" sz="1200" kern="0"/>
+          </a:p>
+          <a:p>
+            <a:r>
+              <a:rPr lang="en-US" sz="1200" kern="0">
+                <a:ea typeface="ＭＳ Ｐゴシック"/>
+              </a:rPr>
+              <a:t>I was super busy this week </a:t>
+            </a:r>
+            <a:endParaRPr lang="en-US" sz="1200" kern="0"/>
+          </a:p>
+          <a:p>
+            <a:r>
+              <a:rPr lang="en-US" sz="1200" kern="0">
+                <a:ea typeface="ＭＳ Ｐゴシック"/>
+              </a:rPr>
+              <a:t>I worked on the </a:t>
+            </a:r>
+            <a:r>
+              <a:rPr lang="en-US" sz="1200" kern="0" err="1">
+                <a:ea typeface="ＭＳ Ｐゴシック"/>
+              </a:rPr>
+              <a:t>github</a:t>
+            </a:r>
+            <a:r>
+              <a:rPr lang="en-US" sz="1200" kern="0">
+                <a:ea typeface="ＭＳ Ｐゴシック"/>
+              </a:rPr>
+              <a:t> code</a:t>
+            </a:r>
+          </a:p>
+          <a:p>
+            <a:r>
+              <a:rPr lang="en-US" sz="1200" kern="0">
+                <a:ea typeface="ＭＳ Ｐゴシック"/>
+              </a:rPr>
+              <a:t>I was able to fix my VPN</a:t>
+            </a:r>
+          </a:p>
+          <a:p>
+            <a:pPr marL="0" indent="0">
+              <a:buNone/>
+            </a:pPr>
+            <a:endParaRPr lang="en-US" sz="1200" kern="0"/>
+          </a:p>
+        </p:txBody>
+      </p:sp>
+    </p:spTree>
+    <p:extLst>
+      <p:ext uri="{BB962C8B-B14F-4D97-AF65-F5344CB8AC3E}">
+        <p14:creationId xmlns:p14="http://schemas.microsoft.com/office/powerpoint/2010/main" val="1281754675"/>
+      </p:ext>
+    </p:extLst>
+  </p:cSld>
+  <p:clrMapOvr>
+    <a:masterClrMapping/>
+  </p:clrMapOvr>
+  <p:transition>
+    <p:fade/>
+  </p:transition>
+</p:sld>
+</file>
+
+<file path=ppt/slides/slide18.xml><?xml version="1.0" encoding="utf-8"?>
+<p:sld xmlns:a="http://schemas.openxmlformats.org/drawingml/2006/main" xmlns:r="http://schemas.openxmlformats.org/officeDocument/2006/relationships" xmlns:p="http://schemas.openxmlformats.org/presentationml/2006/main">
+  <p:cSld>
+    <p:spTree>
+      <p:nvGrpSpPr>
+        <p:cNvPr id="1" name=""/>
+        <p:cNvGrpSpPr/>
+        <p:nvPr/>
+      </p:nvGrpSpPr>
+      <p:grpSpPr>
+        <a:xfrm>
+          <a:off x="0" y="0"/>
+          <a:ext cx="0" cy="0"/>
+          <a:chOff x="0" y="0"/>
+          <a:chExt cx="0" cy="0"/>
+        </a:xfrm>
+      </p:grpSpPr>
+      <p:sp>
+        <p:nvSpPr>
+          <p:cNvPr id="2" name="Title 1"/>
+          <p:cNvSpPr>
+            <a:spLocks noGrp="1"/>
+          </p:cNvSpPr>
+          <p:nvPr>
+            <p:ph type="title"/>
+          </p:nvPr>
+        </p:nvSpPr>
+        <p:spPr/>
+        <p:txBody>
+          <a:bodyPr/>
+          <a:lstStyle/>
+          <a:p>
+            <a:r>
+              <a:rPr lang="en-US"/>
+              <a:t>Difficulties encountered during the week </a:t>
+            </a:r>
+            <a:br>
+              <a:rPr lang="en-US"/>
+            </a:br>
+            <a:r>
+              <a:rPr lang="en-US" sz="1400"/>
+              <a:t>(What I did not do and why)</a:t>
+            </a:r>
+            <a:endParaRPr lang="en-US"/>
+          </a:p>
+        </p:txBody>
+      </p:sp>
+      <p:sp>
+        <p:nvSpPr>
+          <p:cNvPr id="3" name="TextBox 2"/>
+          <p:cNvSpPr txBox="1"/>
+          <p:nvPr/>
+        </p:nvSpPr>
+        <p:spPr>
+          <a:xfrm>
+            <a:off x="558452" y="1447800"/>
+            <a:ext cx="10820400" cy="830997"/>
+          </a:xfrm>
+          <a:prstGeom prst="rect">
+            <a:avLst/>
+          </a:prstGeom>
+          <a:noFill/>
+        </p:spPr>
+        <p:txBody>
+          <a:bodyPr wrap="square" rtlCol="0" anchor="t">
+            <a:spAutoFit/>
+          </a:bodyPr>
+          <a:lstStyle/>
+          <a:p>
+            <a:pPr marL="342900" indent="-342900">
+              <a:buFont typeface="Arial" panose="020B0604020202020204" pitchFamily="34" charset="0"/>
+              <a:buChar char="•"/>
+            </a:pPr>
+            <a:r>
+              <a:rPr lang="en-US">
+                <a:solidFill>
+                  <a:schemeClr val="bg1"/>
+                </a:solidFill>
+                <a:latin typeface="Arial"/>
+                <a:ea typeface="ＭＳ Ｐゴシック"/>
+              </a:rPr>
+              <a:t>Time and Busy</a:t>
+            </a:r>
+          </a:p>
+          <a:p>
+            <a:pPr marL="342900" indent="-342900">
+              <a:buFont typeface="Arial" panose="020B0604020202020204" pitchFamily="34" charset="0"/>
+              <a:buChar char="•"/>
+            </a:pPr>
+            <a:endParaRPr lang="en-US">
+              <a:solidFill>
+                <a:schemeClr val="bg1"/>
+              </a:solidFill>
+            </a:endParaRPr>
+          </a:p>
+        </p:txBody>
+      </p:sp>
+    </p:spTree>
+    <p:extLst>
+      <p:ext uri="{BB962C8B-B14F-4D97-AF65-F5344CB8AC3E}">
+        <p14:creationId xmlns:p14="http://schemas.microsoft.com/office/powerpoint/2010/main" val="1910825187"/>
+      </p:ext>
+    </p:extLst>
+  </p:cSld>
+  <p:clrMapOvr>
+    <a:masterClrMapping/>
+  </p:clrMapOvr>
+  <p:transition>
+    <p:fade/>
+  </p:transition>
+</p:sld>
+</file>
+
+<file path=ppt/slides/slide19.xml><?xml version="1.0" encoding="utf-8"?>
+<p:sld xmlns:a="http://schemas.openxmlformats.org/drawingml/2006/main" xmlns:r="http://schemas.openxmlformats.org/officeDocument/2006/relationships" xmlns:p="http://schemas.openxmlformats.org/presentationml/2006/main">
+  <p:cSld>
+    <p:spTree>
+      <p:nvGrpSpPr>
+        <p:cNvPr id="1" name=""/>
+        <p:cNvGrpSpPr/>
+        <p:nvPr/>
+      </p:nvGrpSpPr>
+      <p:grpSpPr>
+        <a:xfrm>
+          <a:off x="0" y="0"/>
+          <a:ext cx="0" cy="0"/>
+          <a:chOff x="0" y="0"/>
+          <a:chExt cx="0" cy="0"/>
+        </a:xfrm>
+      </p:grpSpPr>
+      <p:sp>
+        <p:nvSpPr>
+          <p:cNvPr id="2" name="Title 1"/>
+          <p:cNvSpPr>
+            <a:spLocks noGrp="1"/>
+          </p:cNvSpPr>
+          <p:nvPr>
+            <p:ph type="title"/>
+          </p:nvPr>
+        </p:nvSpPr>
+        <p:spPr/>
+        <p:txBody>
+          <a:bodyPr/>
+          <a:lstStyle/>
+          <a:p>
+            <a:r>
+              <a:rPr lang="en-US"/>
+              <a:t>Goals for this coming week</a:t>
+            </a:r>
+            <a:br>
+              <a:rPr lang="en-US"/>
+            </a:br>
+            <a:r>
+              <a:rPr lang="en-US" sz="1200"/>
+              <a:t>(Ones that move the project forward the most)</a:t>
+            </a:r>
+          </a:p>
+        </p:txBody>
+      </p:sp>
+      <p:graphicFrame>
+        <p:nvGraphicFramePr>
+          <p:cNvPr id="3" name="Table 2"/>
+          <p:cNvGraphicFramePr>
+            <a:graphicFrameLocks noGrp="1"/>
+          </p:cNvGraphicFramePr>
+          <p:nvPr>
+            <p:extLst>
+              <p:ext uri="{D42A27DB-BD31-4B8C-83A1-F6EECF244321}">
+                <p14:modId xmlns:p14="http://schemas.microsoft.com/office/powerpoint/2010/main" val="3521378301"/>
+              </p:ext>
+            </p:extLst>
+          </p:nvPr>
+        </p:nvGraphicFramePr>
+        <p:xfrm>
+          <a:off x="685800" y="1371600"/>
+          <a:ext cx="10896600" cy="2133599"/>
+        </p:xfrm>
+        <a:graphic>
+          <a:graphicData uri="http://schemas.openxmlformats.org/drawingml/2006/table">
+            <a:tbl>
+              <a:tblPr firstRow="1" lastCol="1" bandRow="1">
+                <a:tableStyleId>{2D5ABB26-0587-4C30-8999-92F81FD0307C}</a:tableStyleId>
+              </a:tblPr>
+              <a:tblGrid>
+                <a:gridCol w="9397068">
+                  <a:extLst>
+                    <a:ext uri="{9D8B030D-6E8A-4147-A177-3AD203B41FA5}">
+                      <a16:colId xmlns:a16="http://schemas.microsoft.com/office/drawing/2014/main" val="20000"/>
+                    </a:ext>
+                  </a:extLst>
+                </a:gridCol>
+                <a:gridCol w="799750">
+                  <a:extLst>
+                    <a:ext uri="{9D8B030D-6E8A-4147-A177-3AD203B41FA5}">
+                      <a16:colId xmlns:a16="http://schemas.microsoft.com/office/drawing/2014/main" val="20001"/>
+                    </a:ext>
+                  </a:extLst>
+                </a:gridCol>
+                <a:gridCol w="699782">
+                  <a:extLst>
+                    <a:ext uri="{9D8B030D-6E8A-4147-A177-3AD203B41FA5}">
+                      <a16:colId xmlns:a16="http://schemas.microsoft.com/office/drawing/2014/main" val="20002"/>
+                    </a:ext>
+                  </a:extLst>
+                </a:gridCol>
+              </a:tblGrid>
+              <a:tr h="609599">
+                <a:tc>
+                  <a:txBody>
+                    <a:bodyPr/>
+                    <a:lstStyle/>
+                    <a:p>
+                      <a:pPr algn="l" fontAlgn="ctr"/>
+                      <a:r>
+                        <a:rPr lang="en-US" sz="1100" u="none" strike="noStrike">
+                          <a:solidFill>
+                            <a:schemeClr val="bg1"/>
+                          </a:solidFill>
+                          <a:effectLst/>
+                        </a:rPr>
+                        <a:t>Goal/Task</a:t>
+                      </a:r>
+                      <a:endParaRPr lang="en-US" sz="1100" b="0" i="0" u="none" strike="noStrike">
+                        <a:solidFill>
+                          <a:schemeClr val="bg1"/>
+                        </a:solidFill>
+                        <a:effectLst/>
+                        <a:latin typeface="Calibri" panose="020F0502020204030204" pitchFamily="34" charset="0"/>
+                      </a:endParaRPr>
+                    </a:p>
+                  </a:txBody>
+                  <a:tcPr marL="9525" marR="9525" marT="9525" marB="0" anchor="ctr">
+                    <a:lnL w="12700" cap="flat" cmpd="sng" algn="ctr">
+                      <a:solidFill>
+                        <a:schemeClr val="bg1">
+                          <a:lumMod val="65000"/>
+                        </a:schemeClr>
+                      </a:solidFill>
+                      <a:prstDash val="solid"/>
+                      <a:round/>
+                      <a:headEnd type="none" w="med" len="med"/>
+                      <a:tailEnd type="none" w="med" len="med"/>
+                    </a:lnL>
+                    <a:lnR w="12700" cap="flat" cmpd="sng" algn="ctr">
+                      <a:solidFill>
+                        <a:schemeClr val="bg1">
+                          <a:lumMod val="65000"/>
+                        </a:schemeClr>
+                      </a:solidFill>
+                      <a:prstDash val="solid"/>
+                      <a:round/>
+                      <a:headEnd type="none" w="med" len="med"/>
+                      <a:tailEnd type="none" w="med" len="med"/>
+                    </a:lnR>
+                    <a:lnT w="12700" cap="flat" cmpd="sng" algn="ctr">
+                      <a:solidFill>
+                        <a:schemeClr val="bg1">
+                          <a:lumMod val="65000"/>
+                        </a:schemeClr>
+                      </a:solidFill>
+                      <a:prstDash val="solid"/>
+                      <a:round/>
+                      <a:headEnd type="none" w="med" len="med"/>
+                      <a:tailEnd type="none" w="med" len="med"/>
+                    </a:lnT>
+                    <a:lnB w="12700" cap="flat" cmpd="sng" algn="ctr">
+                      <a:solidFill>
+                        <a:schemeClr val="bg1">
+                          <a:lumMod val="65000"/>
+                        </a:schemeClr>
+                      </a:solidFill>
+                      <a:prstDash val="solid"/>
+                      <a:round/>
+                      <a:headEnd type="none" w="med" len="med"/>
+                      <a:tailEnd type="none" w="med" len="med"/>
+                    </a:lnB>
+                  </a:tcPr>
+                </a:tc>
+                <a:tc>
+                  <a:txBody>
+                    <a:bodyPr/>
+                    <a:lstStyle/>
+                    <a:p>
+                      <a:pPr marL="0" marR="0" indent="0" algn="ctr" defTabSz="457200" rtl="0" eaLnBrk="1" fontAlgn="ctr" latinLnBrk="0" hangingPunct="1">
+                        <a:lnSpc>
+                          <a:spcPct val="100000"/>
+                        </a:lnSpc>
+                        <a:spcBef>
+                          <a:spcPts val="0"/>
+                        </a:spcBef>
+                        <a:spcAft>
+                          <a:spcPts val="0"/>
+                        </a:spcAft>
+                        <a:buClrTx/>
+                        <a:buSzTx/>
+                        <a:buFontTx/>
+                        <a:buNone/>
+                        <a:tabLst/>
+                        <a:defRPr/>
+                      </a:pPr>
+                      <a:r>
+                        <a:rPr lang="en-US" sz="1100" u="none" strike="noStrike">
+                          <a:solidFill>
+                            <a:schemeClr val="bg1"/>
+                          </a:solidFill>
+                          <a:effectLst/>
+                        </a:rPr>
+                        <a:t>Stop Date (Est.)</a:t>
+                      </a:r>
+                      <a:endParaRPr lang="en-US" sz="1100" b="0" i="0" u="none" strike="noStrike">
+                        <a:solidFill>
+                          <a:schemeClr val="bg1"/>
+                        </a:solidFill>
+                        <a:effectLst/>
+                        <a:latin typeface="Calibri" panose="020F0502020204030204" pitchFamily="34" charset="0"/>
+                      </a:endParaRPr>
+                    </a:p>
+                  </a:txBody>
+                  <a:tcPr marL="9525" marR="9525" marT="9525" marB="0" anchor="ctr">
+                    <a:lnL w="12700" cap="flat" cmpd="sng" algn="ctr">
+                      <a:solidFill>
+                        <a:schemeClr val="bg1">
+                          <a:lumMod val="65000"/>
+                        </a:schemeClr>
+                      </a:solidFill>
+                      <a:prstDash val="solid"/>
+                      <a:round/>
+                      <a:headEnd type="none" w="med" len="med"/>
+                      <a:tailEnd type="none" w="med" len="med"/>
+                    </a:lnL>
+                    <a:lnR w="12700" cap="flat" cmpd="sng" algn="ctr">
+                      <a:solidFill>
+                        <a:schemeClr val="bg1">
+                          <a:lumMod val="65000"/>
+                        </a:schemeClr>
+                      </a:solidFill>
+                      <a:prstDash val="solid"/>
+                      <a:round/>
+                      <a:headEnd type="none" w="med" len="med"/>
+                      <a:tailEnd type="none" w="med" len="med"/>
+                    </a:lnR>
+                    <a:lnT w="12700" cap="flat" cmpd="sng" algn="ctr">
+                      <a:solidFill>
+                        <a:schemeClr val="bg1">
+                          <a:lumMod val="65000"/>
+                        </a:schemeClr>
+                      </a:solidFill>
+                      <a:prstDash val="solid"/>
+                      <a:round/>
+                      <a:headEnd type="none" w="med" len="med"/>
+                      <a:tailEnd type="none" w="med" len="med"/>
+                    </a:lnT>
+                    <a:lnB w="12700" cap="flat" cmpd="sng" algn="ctr">
+                      <a:solidFill>
+                        <a:schemeClr val="bg1">
+                          <a:lumMod val="65000"/>
+                        </a:schemeClr>
+                      </a:solidFill>
+                      <a:prstDash val="solid"/>
+                      <a:round/>
+                      <a:headEnd type="none" w="med" len="med"/>
+                      <a:tailEnd type="none" w="med" len="med"/>
+                    </a:lnB>
+                  </a:tcPr>
+                </a:tc>
+                <a:tc>
+                  <a:txBody>
+                    <a:bodyPr/>
+                    <a:lstStyle/>
+                    <a:p>
+                      <a:pPr algn="ctr" fontAlgn="ctr"/>
+                      <a:endParaRPr lang="en-US" sz="1100" u="none" strike="noStrike">
+                        <a:solidFill>
+                          <a:schemeClr val="bg1"/>
+                        </a:solidFill>
+                        <a:effectLst/>
+                      </a:endParaRPr>
+                    </a:p>
+                    <a:p>
+                      <a:pPr marL="0" marR="0" indent="0" algn="ctr" defTabSz="457200" rtl="0" eaLnBrk="1" fontAlgn="ctr" latinLnBrk="0" hangingPunct="1">
+                        <a:lnSpc>
+                          <a:spcPct val="100000"/>
+                        </a:lnSpc>
+                        <a:spcBef>
+                          <a:spcPts val="0"/>
+                        </a:spcBef>
+                        <a:spcAft>
+                          <a:spcPts val="0"/>
+                        </a:spcAft>
+                        <a:buClrTx/>
+                        <a:buSzTx/>
+                        <a:buFontTx/>
+                        <a:buNone/>
+                        <a:tabLst/>
+                        <a:defRPr/>
+                      </a:pPr>
+                      <a:r>
+                        <a:rPr lang="en-US" sz="1100" u="none" strike="noStrike">
+                          <a:solidFill>
+                            <a:schemeClr val="bg1"/>
+                          </a:solidFill>
+                          <a:effectLst/>
+                        </a:rPr>
+                        <a:t>Hours (Est.)</a:t>
+                      </a:r>
+                      <a:endParaRPr lang="en-US" sz="1100" b="0" i="0" u="none" strike="noStrike">
+                        <a:solidFill>
+                          <a:schemeClr val="bg1"/>
+                        </a:solidFill>
+                        <a:effectLst/>
+                        <a:latin typeface="Calibri" panose="020F0502020204030204" pitchFamily="34" charset="0"/>
+                      </a:endParaRPr>
+                    </a:p>
+                  </a:txBody>
+                  <a:tcPr marL="9525" marR="9525" marT="9525" marB="0" anchor="ctr">
+                    <a:lnL w="12700" cap="flat" cmpd="sng" algn="ctr">
+                      <a:solidFill>
+                        <a:schemeClr val="bg1">
+                          <a:lumMod val="65000"/>
+                        </a:schemeClr>
+                      </a:solidFill>
+                      <a:prstDash val="solid"/>
+                      <a:round/>
+                      <a:headEnd type="none" w="med" len="med"/>
+                      <a:tailEnd type="none" w="med" len="med"/>
+                    </a:lnL>
+                    <a:lnR w="12700" cap="flat" cmpd="sng" algn="ctr">
+                      <a:solidFill>
+                        <a:schemeClr val="bg1">
+                          <a:lumMod val="65000"/>
+                        </a:schemeClr>
+                      </a:solidFill>
+                      <a:prstDash val="solid"/>
+                      <a:round/>
+                      <a:headEnd type="none" w="med" len="med"/>
+                      <a:tailEnd type="none" w="med" len="med"/>
+                    </a:lnR>
+                    <a:lnT w="12700" cap="flat" cmpd="sng" algn="ctr">
+                      <a:solidFill>
+                        <a:schemeClr val="bg1">
+                          <a:lumMod val="65000"/>
+                        </a:schemeClr>
+                      </a:solidFill>
+                      <a:prstDash val="solid"/>
+                      <a:round/>
+                      <a:headEnd type="none" w="med" len="med"/>
+                      <a:tailEnd type="none" w="med" len="med"/>
+                    </a:lnT>
+                    <a:lnB w="12700" cap="flat" cmpd="sng" algn="ctr">
+                      <a:solidFill>
+                        <a:schemeClr val="bg1">
+                          <a:lumMod val="65000"/>
+                        </a:schemeClr>
+                      </a:solidFill>
+                      <a:prstDash val="solid"/>
+                      <a:round/>
+                      <a:headEnd type="none" w="med" len="med"/>
+                      <a:tailEnd type="none" w="med" len="med"/>
+                    </a:lnB>
+                  </a:tcPr>
+                </a:tc>
+                <a:extLst>
+                  <a:ext uri="{0D108BD9-81ED-4DB2-BD59-A6C34878D82A}">
+                    <a16:rowId xmlns:a16="http://schemas.microsoft.com/office/drawing/2014/main" val="10000"/>
+                  </a:ext>
+                </a:extLst>
+              </a:tr>
+              <a:tr h="381000">
+                <a:tc>
+                  <a:txBody>
+                    <a:bodyPr/>
+                    <a:lstStyle/>
+                    <a:p>
+                      <a:pPr algn="l" fontAlgn="b"/>
+                      <a:r>
+                        <a:rPr lang="en-US" sz="1100" u="none" strike="noStrike">
+                          <a:solidFill>
+                            <a:schemeClr val="bg1"/>
+                          </a:solidFill>
+                          <a:effectLst/>
+                        </a:rPr>
+                        <a:t> Coursework</a:t>
+                      </a:r>
+                      <a:endParaRPr lang="en-US" sz="1100" b="0" i="0" u="none" strike="noStrike">
+                        <a:solidFill>
+                          <a:schemeClr val="bg1"/>
+                        </a:solidFill>
+                        <a:effectLst/>
+                        <a:latin typeface="Calibri" panose="020F0502020204030204" pitchFamily="34" charset="0"/>
+                      </a:endParaRPr>
+                    </a:p>
+                  </a:txBody>
+                  <a:tcPr marL="9525" marR="9525" marT="9525" marB="0" anchor="ctr">
+                    <a:lnL w="12700" cap="flat" cmpd="sng" algn="ctr">
+                      <a:solidFill>
+                        <a:schemeClr val="bg1">
+                          <a:lumMod val="65000"/>
+                        </a:schemeClr>
+                      </a:solidFill>
+                      <a:prstDash val="solid"/>
+                      <a:round/>
+                      <a:headEnd type="none" w="med" len="med"/>
+                      <a:tailEnd type="none" w="med" len="med"/>
+                    </a:lnL>
+                    <a:lnR w="12700" cap="flat" cmpd="sng" algn="ctr">
+                      <a:solidFill>
+                        <a:schemeClr val="bg1">
+                          <a:lumMod val="65000"/>
+                        </a:schemeClr>
+                      </a:solidFill>
+                      <a:prstDash val="solid"/>
+                      <a:round/>
+                      <a:headEnd type="none" w="med" len="med"/>
+                      <a:tailEnd type="none" w="med" len="med"/>
+                    </a:lnR>
+                    <a:lnT w="12700" cap="flat" cmpd="sng" algn="ctr">
+                      <a:solidFill>
+                        <a:schemeClr val="bg1">
+                          <a:lumMod val="65000"/>
+                        </a:schemeClr>
+                      </a:solidFill>
+                      <a:prstDash val="solid"/>
+                      <a:round/>
+                      <a:headEnd type="none" w="med" len="med"/>
+                      <a:tailEnd type="none" w="med" len="med"/>
+                    </a:lnT>
+                    <a:lnB w="12700" cap="flat" cmpd="sng" algn="ctr">
+                      <a:solidFill>
+                        <a:schemeClr val="bg1">
+                          <a:lumMod val="65000"/>
+                        </a:schemeClr>
+                      </a:solidFill>
+                      <a:prstDash val="solid"/>
+                      <a:round/>
+                      <a:headEnd type="none" w="med" len="med"/>
+                      <a:tailEnd type="none" w="med" len="med"/>
+                    </a:lnB>
+                  </a:tcPr>
+                </a:tc>
+                <a:tc>
+                  <a:txBody>
+                    <a:bodyPr/>
+                    <a:lstStyle/>
+                    <a:p>
+                      <a:pPr algn="l" fontAlgn="b"/>
+                      <a:r>
+                        <a:rPr lang="en-US" sz="1100" b="0" i="0" u="none" strike="noStrike">
+                          <a:solidFill>
+                            <a:schemeClr val="bg1"/>
+                          </a:solidFill>
+                          <a:effectLst/>
+                          <a:latin typeface="Calibri"/>
+                        </a:rPr>
+                        <a:t>5/28</a:t>
+                      </a:r>
+                      <a:endParaRPr lang="en-US" sz="1100" b="0" i="0" u="none" strike="noStrike">
+                        <a:solidFill>
+                          <a:schemeClr val="bg1"/>
+                        </a:solidFill>
+                        <a:effectLst/>
+                        <a:latin typeface="Calibri" panose="020F0502020204030204" pitchFamily="34" charset="0"/>
+                      </a:endParaRPr>
+                    </a:p>
+                  </a:txBody>
+                  <a:tcPr marL="9525" marR="9525" marT="9525" marB="0" anchor="b">
+                    <a:lnL w="12700" cap="flat" cmpd="sng" algn="ctr">
+                      <a:solidFill>
+                        <a:schemeClr val="bg1">
+                          <a:lumMod val="65000"/>
+                        </a:schemeClr>
+                      </a:solidFill>
+                      <a:prstDash val="solid"/>
+                      <a:round/>
+                      <a:headEnd type="none" w="med" len="med"/>
+                      <a:tailEnd type="none" w="med" len="med"/>
+                    </a:lnL>
+                    <a:lnR w="12700" cap="flat" cmpd="sng" algn="ctr">
+                      <a:solidFill>
+                        <a:schemeClr val="bg1">
+                          <a:lumMod val="65000"/>
+                        </a:schemeClr>
+                      </a:solidFill>
+                      <a:prstDash val="solid"/>
+                      <a:round/>
+                      <a:headEnd type="none" w="med" len="med"/>
+                      <a:tailEnd type="none" w="med" len="med"/>
+                    </a:lnR>
+                    <a:lnT w="12700" cap="flat" cmpd="sng" algn="ctr">
+                      <a:solidFill>
+                        <a:schemeClr val="bg1">
+                          <a:lumMod val="65000"/>
+                        </a:schemeClr>
+                      </a:solidFill>
+                      <a:prstDash val="solid"/>
+                      <a:round/>
+                      <a:headEnd type="none" w="med" len="med"/>
+                      <a:tailEnd type="none" w="med" len="med"/>
+                    </a:lnT>
+                    <a:lnB w="12700" cap="flat" cmpd="sng" algn="ctr">
+                      <a:solidFill>
+                        <a:schemeClr val="bg1">
+                          <a:lumMod val="65000"/>
+                        </a:schemeClr>
+                      </a:solidFill>
+                      <a:prstDash val="solid"/>
+                      <a:round/>
+                      <a:headEnd type="none" w="med" len="med"/>
+                      <a:tailEnd type="none" w="med" len="med"/>
+                    </a:lnB>
+                  </a:tcPr>
+                </a:tc>
+                <a:tc>
+                  <a:txBody>
+                    <a:bodyPr/>
+                    <a:lstStyle/>
+                    <a:p>
+                      <a:pPr algn="ctr" fontAlgn="ctr"/>
+                      <a:r>
+                        <a:rPr lang="en-US" sz="1100" u="none" strike="noStrike">
+                          <a:solidFill>
+                            <a:schemeClr val="bg1"/>
+                          </a:solidFill>
+                          <a:effectLst/>
+                        </a:rPr>
+                        <a:t>8 </a:t>
+                      </a:r>
+                      <a:endParaRPr lang="en-US" sz="1100" b="0" i="0" u="none" strike="noStrike">
+                        <a:solidFill>
+                          <a:schemeClr val="bg1"/>
+                        </a:solidFill>
+                        <a:effectLst/>
+                        <a:latin typeface="Calibri" panose="020F0502020204030204" pitchFamily="34" charset="0"/>
+                      </a:endParaRPr>
+                    </a:p>
+                  </a:txBody>
+                  <a:tcPr marL="9525" marR="9525" marT="9525" marB="0" anchor="ctr">
+                    <a:lnL w="12700" cap="flat" cmpd="sng" algn="ctr">
+                      <a:solidFill>
+                        <a:schemeClr val="bg1">
+                          <a:lumMod val="65000"/>
+                        </a:schemeClr>
+                      </a:solidFill>
+                      <a:prstDash val="solid"/>
+                      <a:round/>
+                      <a:headEnd type="none" w="med" len="med"/>
+                      <a:tailEnd type="none" w="med" len="med"/>
+                    </a:lnL>
+                    <a:lnR w="12700" cap="flat" cmpd="sng" algn="ctr">
+                      <a:solidFill>
+                        <a:schemeClr val="bg1">
+                          <a:lumMod val="65000"/>
+                        </a:schemeClr>
+                      </a:solidFill>
+                      <a:prstDash val="solid"/>
+                      <a:round/>
+                      <a:headEnd type="none" w="med" len="med"/>
+                      <a:tailEnd type="none" w="med" len="med"/>
+                    </a:lnR>
+                    <a:lnT w="12700" cap="flat" cmpd="sng" algn="ctr">
+                      <a:solidFill>
+                        <a:schemeClr val="bg1">
+                          <a:lumMod val="65000"/>
+                        </a:schemeClr>
+                      </a:solidFill>
+                      <a:prstDash val="solid"/>
+                      <a:round/>
+                      <a:headEnd type="none" w="med" len="med"/>
+                      <a:tailEnd type="none" w="med" len="med"/>
+                    </a:lnT>
+                    <a:lnB w="12700" cap="flat" cmpd="sng" algn="ctr">
+                      <a:solidFill>
+                        <a:schemeClr val="bg1">
+                          <a:lumMod val="65000"/>
+                        </a:schemeClr>
+                      </a:solidFill>
+                      <a:prstDash val="solid"/>
+                      <a:round/>
+                      <a:headEnd type="none" w="med" len="med"/>
+                      <a:tailEnd type="none" w="med" len="med"/>
+                    </a:lnB>
+                  </a:tcPr>
+                </a:tc>
+                <a:extLst>
+                  <a:ext uri="{0D108BD9-81ED-4DB2-BD59-A6C34878D82A}">
+                    <a16:rowId xmlns:a16="http://schemas.microsoft.com/office/drawing/2014/main" val="10001"/>
+                  </a:ext>
+                </a:extLst>
+              </a:tr>
+              <a:tr h="381000">
+                <a:tc>
+                  <a:txBody>
+                    <a:bodyPr/>
+                    <a:lstStyle/>
+                    <a:p>
+                      <a:pPr algn="l" fontAlgn="b"/>
+                      <a:r>
+                        <a:rPr lang="en-US" sz="1100" b="0" i="0" u="none" strike="noStrike">
+                          <a:solidFill>
+                            <a:schemeClr val="bg1"/>
+                          </a:solidFill>
+                          <a:effectLst/>
+                          <a:latin typeface="Calibri"/>
+                        </a:rPr>
+                        <a:t>Code/VPN/</a:t>
+                      </a:r>
+                      <a:r>
+                        <a:rPr lang="en-US" sz="1100" b="0" i="0" u="none" strike="noStrike" err="1">
+                          <a:solidFill>
+                            <a:schemeClr val="bg1"/>
+                          </a:solidFill>
+                          <a:effectLst/>
+                          <a:latin typeface="Calibri"/>
+                        </a:rPr>
+                        <a:t>Github</a:t>
+                      </a:r>
+                      <a:endParaRPr lang="en-US" sz="1100" b="0" i="0" u="none" strike="noStrike" err="1">
+                        <a:solidFill>
+                          <a:schemeClr val="bg1"/>
+                        </a:solidFill>
+                        <a:effectLst/>
+                        <a:latin typeface="Calibri" panose="020F0502020204030204" pitchFamily="34" charset="0"/>
+                      </a:endParaRPr>
+                    </a:p>
+                  </a:txBody>
+                  <a:tcPr marL="9525" marR="9525" marT="9525" marB="0" anchor="ctr">
+                    <a:lnL w="12700" cap="flat" cmpd="sng" algn="ctr">
+                      <a:solidFill>
+                        <a:schemeClr val="bg1">
+                          <a:lumMod val="65000"/>
+                        </a:schemeClr>
+                      </a:solidFill>
+                      <a:prstDash val="solid"/>
+                      <a:round/>
+                      <a:headEnd type="none" w="med" len="med"/>
+                      <a:tailEnd type="none" w="med" len="med"/>
+                    </a:lnL>
+                    <a:lnR w="12700" cap="flat" cmpd="sng" algn="ctr">
+                      <a:solidFill>
+                        <a:schemeClr val="bg1">
+                          <a:lumMod val="65000"/>
+                        </a:schemeClr>
+                      </a:solidFill>
+                      <a:prstDash val="solid"/>
+                      <a:round/>
+                      <a:headEnd type="none" w="med" len="med"/>
+                      <a:tailEnd type="none" w="med" len="med"/>
+                    </a:lnR>
+                    <a:lnT w="12700" cap="flat" cmpd="sng" algn="ctr">
+                      <a:solidFill>
+                        <a:schemeClr val="bg1">
+                          <a:lumMod val="65000"/>
+                        </a:schemeClr>
+                      </a:solidFill>
+                      <a:prstDash val="solid"/>
+                      <a:round/>
+                      <a:headEnd type="none" w="med" len="med"/>
+                      <a:tailEnd type="none" w="med" len="med"/>
+                    </a:lnT>
+                    <a:lnB w="12700" cap="flat" cmpd="sng" algn="ctr">
+                      <a:solidFill>
+                        <a:schemeClr val="bg1">
+                          <a:lumMod val="65000"/>
+                        </a:schemeClr>
+                      </a:solidFill>
+                      <a:prstDash val="solid"/>
+                      <a:round/>
+                      <a:headEnd type="none" w="med" len="med"/>
+                      <a:tailEnd type="none" w="med" len="med"/>
+                    </a:lnB>
+                  </a:tcPr>
+                </a:tc>
+                <a:tc>
+                  <a:txBody>
+                    <a:bodyPr/>
+                    <a:lstStyle/>
+                    <a:p>
+                      <a:pPr algn="l" fontAlgn="b"/>
+                      <a:r>
+                        <a:rPr lang="en-US" sz="1100" b="0" i="0" u="none" strike="noStrike">
+                          <a:solidFill>
+                            <a:schemeClr val="bg1"/>
+                          </a:solidFill>
+                          <a:effectLst/>
+                          <a:latin typeface="Calibri"/>
+                        </a:rPr>
+                        <a:t>5/30</a:t>
+                      </a:r>
+                      <a:endParaRPr lang="en-US" sz="1100" b="0" i="0" u="none" strike="noStrike">
+                        <a:solidFill>
+                          <a:schemeClr val="bg1"/>
+                        </a:solidFill>
+                        <a:effectLst/>
+                        <a:latin typeface="Calibri" panose="020F0502020204030204" pitchFamily="34" charset="0"/>
+                      </a:endParaRPr>
+                    </a:p>
+                  </a:txBody>
+                  <a:tcPr marL="9525" marR="9525" marT="9525" marB="0" anchor="b">
+                    <a:lnL w="12700" cap="flat" cmpd="sng" algn="ctr">
+                      <a:solidFill>
+                        <a:schemeClr val="bg1">
+                          <a:lumMod val="65000"/>
+                        </a:schemeClr>
+                      </a:solidFill>
+                      <a:prstDash val="solid"/>
+                      <a:round/>
+                      <a:headEnd type="none" w="med" len="med"/>
+                      <a:tailEnd type="none" w="med" len="med"/>
+                    </a:lnL>
+                    <a:lnR w="12700" cap="flat" cmpd="sng" algn="ctr">
+                      <a:solidFill>
+                        <a:schemeClr val="bg1">
+                          <a:lumMod val="65000"/>
+                        </a:schemeClr>
+                      </a:solidFill>
+                      <a:prstDash val="solid"/>
+                      <a:round/>
+                      <a:headEnd type="none" w="med" len="med"/>
+                      <a:tailEnd type="none" w="med" len="med"/>
+                    </a:lnR>
+                    <a:lnT w="12700" cap="flat" cmpd="sng" algn="ctr">
+                      <a:solidFill>
+                        <a:schemeClr val="bg1">
+                          <a:lumMod val="65000"/>
+                        </a:schemeClr>
+                      </a:solidFill>
+                      <a:prstDash val="solid"/>
+                      <a:round/>
+                      <a:headEnd type="none" w="med" len="med"/>
+                      <a:tailEnd type="none" w="med" len="med"/>
+                    </a:lnT>
+                    <a:lnB w="12700" cap="flat" cmpd="sng" algn="ctr">
+                      <a:solidFill>
+                        <a:schemeClr val="bg1">
+                          <a:lumMod val="65000"/>
+                        </a:schemeClr>
+                      </a:solidFill>
+                      <a:prstDash val="solid"/>
+                      <a:round/>
+                      <a:headEnd type="none" w="med" len="med"/>
+                      <a:tailEnd type="none" w="med" len="med"/>
+                    </a:lnB>
+                  </a:tcPr>
+                </a:tc>
+                <a:tc>
+                  <a:txBody>
+                    <a:bodyPr/>
+                    <a:lstStyle/>
+                    <a:p>
+                      <a:pPr algn="ctr" fontAlgn="ctr"/>
+                      <a:r>
+                        <a:rPr lang="en-US" sz="1100" b="0" i="0" u="none" strike="noStrike">
+                          <a:solidFill>
+                            <a:schemeClr val="bg1"/>
+                          </a:solidFill>
+                          <a:effectLst/>
+                          <a:latin typeface="Calibri"/>
+                        </a:rPr>
+                        <a:t>5</a:t>
+                      </a:r>
+                      <a:endParaRPr lang="en-US" sz="1100" b="0" i="0" u="none" strike="noStrike">
+                        <a:solidFill>
+                          <a:schemeClr val="bg1"/>
+                        </a:solidFill>
+                        <a:effectLst/>
+                        <a:latin typeface="Calibri" panose="020F0502020204030204" pitchFamily="34" charset="0"/>
+                      </a:endParaRPr>
+                    </a:p>
+                  </a:txBody>
+                  <a:tcPr marL="9525" marR="9525" marT="9525" marB="0" anchor="ctr">
+                    <a:lnL w="12700" cap="flat" cmpd="sng" algn="ctr">
+                      <a:solidFill>
+                        <a:schemeClr val="bg1">
+                          <a:lumMod val="65000"/>
+                        </a:schemeClr>
+                      </a:solidFill>
+                      <a:prstDash val="solid"/>
+                      <a:round/>
+                      <a:headEnd type="none" w="med" len="med"/>
+                      <a:tailEnd type="none" w="med" len="med"/>
+                    </a:lnL>
+                    <a:lnR w="12700" cap="flat" cmpd="sng" algn="ctr">
+                      <a:solidFill>
+                        <a:schemeClr val="bg1">
+                          <a:lumMod val="65000"/>
+                        </a:schemeClr>
+                      </a:solidFill>
+                      <a:prstDash val="solid"/>
+                      <a:round/>
+                      <a:headEnd type="none" w="med" len="med"/>
+                      <a:tailEnd type="none" w="med" len="med"/>
+                    </a:lnR>
+                    <a:lnT w="12700" cap="flat" cmpd="sng" algn="ctr">
+                      <a:solidFill>
+                        <a:schemeClr val="bg1">
+                          <a:lumMod val="65000"/>
+                        </a:schemeClr>
+                      </a:solidFill>
+                      <a:prstDash val="solid"/>
+                      <a:round/>
+                      <a:headEnd type="none" w="med" len="med"/>
+                      <a:tailEnd type="none" w="med" len="med"/>
+                    </a:lnT>
+                    <a:lnB w="12700" cap="flat" cmpd="sng" algn="ctr">
+                      <a:solidFill>
+                        <a:schemeClr val="bg1">
+                          <a:lumMod val="65000"/>
+                        </a:schemeClr>
+                      </a:solidFill>
+                      <a:prstDash val="solid"/>
+                      <a:round/>
+                      <a:headEnd type="none" w="med" len="med"/>
+                      <a:tailEnd type="none" w="med" len="med"/>
+                    </a:lnB>
+                  </a:tcPr>
+                </a:tc>
+                <a:extLst>
+                  <a:ext uri="{0D108BD9-81ED-4DB2-BD59-A6C34878D82A}">
+                    <a16:rowId xmlns:a16="http://schemas.microsoft.com/office/drawing/2014/main" val="10002"/>
+                  </a:ext>
+                </a:extLst>
+              </a:tr>
+              <a:tr h="381000">
+                <a:tc>
+                  <a:txBody>
+                    <a:bodyPr/>
+                    <a:lstStyle/>
+                    <a:p>
+                      <a:pPr algn="l" fontAlgn="b"/>
+                      <a:r>
+                        <a:rPr lang="en-US" sz="1100" u="none" strike="noStrike">
+                          <a:solidFill>
+                            <a:schemeClr val="bg1"/>
+                          </a:solidFill>
+                          <a:effectLst/>
+                        </a:rPr>
+                        <a:t> </a:t>
+                      </a:r>
+                      <a:endParaRPr lang="en-US" sz="1100" b="0" i="0" u="none" strike="noStrike">
+                        <a:solidFill>
+                          <a:schemeClr val="bg1"/>
+                        </a:solidFill>
+                        <a:effectLst/>
+                        <a:latin typeface="Calibri" panose="020F0502020204030204" pitchFamily="34" charset="0"/>
+                      </a:endParaRPr>
+                    </a:p>
+                  </a:txBody>
+                  <a:tcPr marL="9525" marR="9525" marT="9525" marB="0" anchor="ctr">
+                    <a:lnL w="12700" cap="flat" cmpd="sng" algn="ctr">
+                      <a:solidFill>
+                        <a:schemeClr val="bg1">
+                          <a:lumMod val="65000"/>
+                        </a:schemeClr>
+                      </a:solidFill>
+                      <a:prstDash val="solid"/>
+                      <a:round/>
+                      <a:headEnd type="none" w="med" len="med"/>
+                      <a:tailEnd type="none" w="med" len="med"/>
+                    </a:lnL>
+                    <a:lnR w="12700" cap="flat" cmpd="sng" algn="ctr">
+                      <a:solidFill>
+                        <a:schemeClr val="bg1">
+                          <a:lumMod val="65000"/>
+                        </a:schemeClr>
+                      </a:solidFill>
+                      <a:prstDash val="solid"/>
+                      <a:round/>
+                      <a:headEnd type="none" w="med" len="med"/>
+                      <a:tailEnd type="none" w="med" len="med"/>
+                    </a:lnR>
+                    <a:lnT w="12700" cap="flat" cmpd="sng" algn="ctr">
+                      <a:solidFill>
+                        <a:schemeClr val="bg1">
+                          <a:lumMod val="65000"/>
+                        </a:schemeClr>
+                      </a:solidFill>
+                      <a:prstDash val="solid"/>
+                      <a:round/>
+                      <a:headEnd type="none" w="med" len="med"/>
+                      <a:tailEnd type="none" w="med" len="med"/>
+                    </a:lnT>
+                    <a:lnB w="12700" cap="flat" cmpd="sng" algn="ctr">
+                      <a:solidFill>
+                        <a:schemeClr val="bg1">
+                          <a:lumMod val="65000"/>
+                        </a:schemeClr>
+                      </a:solidFill>
+                      <a:prstDash val="solid"/>
+                      <a:round/>
+                      <a:headEnd type="none" w="med" len="med"/>
+                      <a:tailEnd type="none" w="med" len="med"/>
+                    </a:lnB>
+                  </a:tcPr>
+                </a:tc>
+                <a:tc>
+                  <a:txBody>
+                    <a:bodyPr/>
+                    <a:lstStyle/>
+                    <a:p>
+                      <a:pPr algn="l" fontAlgn="b"/>
+                      <a:endParaRPr lang="en-US" sz="1100" b="0" i="0" u="none" strike="noStrike">
+                        <a:solidFill>
+                          <a:schemeClr val="bg1"/>
+                        </a:solidFill>
+                        <a:effectLst/>
+                        <a:latin typeface="Calibri" panose="020F0502020204030204" pitchFamily="34" charset="0"/>
+                      </a:endParaRPr>
+                    </a:p>
+                  </a:txBody>
+                  <a:tcPr marL="9525" marR="9525" marT="9525" marB="0" anchor="b">
+                    <a:lnL w="12700" cap="flat" cmpd="sng" algn="ctr">
+                      <a:solidFill>
+                        <a:schemeClr val="bg1">
+                          <a:lumMod val="65000"/>
+                        </a:schemeClr>
+                      </a:solidFill>
+                      <a:prstDash val="solid"/>
+                      <a:round/>
+                      <a:headEnd type="none" w="med" len="med"/>
+                      <a:tailEnd type="none" w="med" len="med"/>
+                    </a:lnL>
+                    <a:lnR w="12700" cap="flat" cmpd="sng" algn="ctr">
+                      <a:solidFill>
+                        <a:schemeClr val="bg1">
+                          <a:lumMod val="65000"/>
+                        </a:schemeClr>
+                      </a:solidFill>
+                      <a:prstDash val="solid"/>
+                      <a:round/>
+                      <a:headEnd type="none" w="med" len="med"/>
+                      <a:tailEnd type="none" w="med" len="med"/>
+                    </a:lnR>
+                    <a:lnT w="12700" cap="flat" cmpd="sng" algn="ctr">
+                      <a:solidFill>
+                        <a:schemeClr val="bg1">
+                          <a:lumMod val="65000"/>
+                        </a:schemeClr>
+                      </a:solidFill>
+                      <a:prstDash val="solid"/>
+                      <a:round/>
+                      <a:headEnd type="none" w="med" len="med"/>
+                      <a:tailEnd type="none" w="med" len="med"/>
+                    </a:lnT>
+                    <a:lnB w="12700" cap="flat" cmpd="sng" algn="ctr">
+                      <a:solidFill>
+                        <a:schemeClr val="bg1">
+                          <a:lumMod val="65000"/>
+                        </a:schemeClr>
+                      </a:solidFill>
+                      <a:prstDash val="solid"/>
+                      <a:round/>
+                      <a:headEnd type="none" w="med" len="med"/>
+                      <a:tailEnd type="none" w="med" len="med"/>
+                    </a:lnB>
+                  </a:tcPr>
+                </a:tc>
+                <a:tc>
+                  <a:txBody>
+                    <a:bodyPr/>
+                    <a:lstStyle/>
+                    <a:p>
+                      <a:pPr algn="ctr" fontAlgn="ctr"/>
+                      <a:endParaRPr lang="en-US" sz="1100" b="0" i="0" u="none" strike="noStrike">
+                        <a:solidFill>
+                          <a:schemeClr val="bg1"/>
+                        </a:solidFill>
+                        <a:effectLst/>
+                        <a:latin typeface="Calibri" panose="020F0502020204030204" pitchFamily="34" charset="0"/>
+                      </a:endParaRPr>
+                    </a:p>
+                  </a:txBody>
+                  <a:tcPr marL="9525" marR="9525" marT="9525" marB="0" anchor="ctr">
+                    <a:lnL w="12700" cap="flat" cmpd="sng" algn="ctr">
+                      <a:solidFill>
+                        <a:schemeClr val="bg1">
+                          <a:lumMod val="65000"/>
+                        </a:schemeClr>
+                      </a:solidFill>
+                      <a:prstDash val="solid"/>
+                      <a:round/>
+                      <a:headEnd type="none" w="med" len="med"/>
+                      <a:tailEnd type="none" w="med" len="med"/>
+                    </a:lnL>
+                    <a:lnR w="12700" cap="flat" cmpd="sng" algn="ctr">
+                      <a:solidFill>
+                        <a:schemeClr val="bg1">
+                          <a:lumMod val="65000"/>
+                        </a:schemeClr>
+                      </a:solidFill>
+                      <a:prstDash val="solid"/>
+                      <a:round/>
+                      <a:headEnd type="none" w="med" len="med"/>
+                      <a:tailEnd type="none" w="med" len="med"/>
+                    </a:lnR>
+                    <a:lnT w="12700" cap="flat" cmpd="sng" algn="ctr">
+                      <a:solidFill>
+                        <a:schemeClr val="bg1">
+                          <a:lumMod val="65000"/>
+                        </a:schemeClr>
+                      </a:solidFill>
+                      <a:prstDash val="solid"/>
+                      <a:round/>
+                      <a:headEnd type="none" w="med" len="med"/>
+                      <a:tailEnd type="none" w="med" len="med"/>
+                    </a:lnT>
+                    <a:lnB w="12700" cap="flat" cmpd="sng" algn="ctr">
+                      <a:solidFill>
+                        <a:schemeClr val="bg1">
+                          <a:lumMod val="65000"/>
+                        </a:schemeClr>
+                      </a:solidFill>
+                      <a:prstDash val="solid"/>
+                      <a:round/>
+                      <a:headEnd type="none" w="med" len="med"/>
+                      <a:tailEnd type="none" w="med" len="med"/>
+                    </a:lnB>
+                  </a:tcPr>
+                </a:tc>
+                <a:extLst>
+                  <a:ext uri="{0D108BD9-81ED-4DB2-BD59-A6C34878D82A}">
+                    <a16:rowId xmlns:a16="http://schemas.microsoft.com/office/drawing/2014/main" val="10003"/>
+                  </a:ext>
+                </a:extLst>
+              </a:tr>
+              <a:tr h="381000">
+                <a:tc>
+                  <a:txBody>
+                    <a:bodyPr/>
+                    <a:lstStyle/>
+                    <a:p>
+                      <a:pPr algn="l" fontAlgn="b"/>
+                      <a:r>
+                        <a:rPr lang="en-US" sz="1100" u="none" strike="noStrike">
+                          <a:solidFill>
+                            <a:schemeClr val="bg1"/>
+                          </a:solidFill>
+                          <a:effectLst/>
+                        </a:rPr>
+                        <a:t> </a:t>
+                      </a:r>
+                      <a:endParaRPr lang="en-US" sz="1100" b="0" i="0" u="none" strike="noStrike">
+                        <a:solidFill>
+                          <a:schemeClr val="bg1"/>
+                        </a:solidFill>
+                        <a:effectLst/>
+                        <a:latin typeface="Calibri" panose="020F0502020204030204" pitchFamily="34" charset="0"/>
+                      </a:endParaRPr>
+                    </a:p>
+                  </a:txBody>
+                  <a:tcPr marL="9525" marR="9525" marT="9525" marB="0" anchor="ctr">
+                    <a:lnL w="12700" cap="flat" cmpd="sng" algn="ctr">
+                      <a:solidFill>
+                        <a:schemeClr val="bg1">
+                          <a:lumMod val="65000"/>
+                        </a:schemeClr>
+                      </a:solidFill>
+                      <a:prstDash val="solid"/>
+                      <a:round/>
+                      <a:headEnd type="none" w="med" len="med"/>
+                      <a:tailEnd type="none" w="med" len="med"/>
+                    </a:lnL>
+                    <a:lnR w="12700" cap="flat" cmpd="sng" algn="ctr">
+                      <a:solidFill>
+                        <a:schemeClr val="bg1">
+                          <a:lumMod val="65000"/>
+                        </a:schemeClr>
+                      </a:solidFill>
+                      <a:prstDash val="solid"/>
+                      <a:round/>
+                      <a:headEnd type="none" w="med" len="med"/>
+                      <a:tailEnd type="none" w="med" len="med"/>
+                    </a:lnR>
+                    <a:lnT w="12700" cap="flat" cmpd="sng" algn="ctr">
+                      <a:solidFill>
+                        <a:schemeClr val="bg1">
+                          <a:lumMod val="65000"/>
+                        </a:schemeClr>
+                      </a:solidFill>
+                      <a:prstDash val="solid"/>
+                      <a:round/>
+                      <a:headEnd type="none" w="med" len="med"/>
+                      <a:tailEnd type="none" w="med" len="med"/>
+                    </a:lnT>
+                    <a:lnB w="12700" cap="flat" cmpd="sng" algn="ctr">
+                      <a:solidFill>
+                        <a:schemeClr val="bg1">
+                          <a:lumMod val="65000"/>
+                        </a:schemeClr>
+                      </a:solidFill>
+                      <a:prstDash val="solid"/>
+                      <a:round/>
+                      <a:headEnd type="none" w="med" len="med"/>
+                      <a:tailEnd type="none" w="med" len="med"/>
+                    </a:lnB>
+                  </a:tcPr>
+                </a:tc>
+                <a:tc>
+                  <a:txBody>
+                    <a:bodyPr/>
+                    <a:lstStyle/>
+                    <a:p>
+                      <a:pPr algn="l" fontAlgn="b"/>
+                      <a:endParaRPr lang="en-US" sz="1100" b="0" i="0" u="none" strike="noStrike">
+                        <a:solidFill>
+                          <a:schemeClr val="bg1"/>
+                        </a:solidFill>
+                        <a:effectLst/>
+                        <a:latin typeface="Calibri" panose="020F0502020204030204" pitchFamily="34" charset="0"/>
+                      </a:endParaRPr>
+                    </a:p>
+                  </a:txBody>
+                  <a:tcPr marL="9525" marR="9525" marT="9525" marB="0" anchor="b">
+                    <a:lnL w="12700" cap="flat" cmpd="sng" algn="ctr">
+                      <a:solidFill>
+                        <a:schemeClr val="bg1">
+                          <a:lumMod val="65000"/>
+                        </a:schemeClr>
+                      </a:solidFill>
+                      <a:prstDash val="solid"/>
+                      <a:round/>
+                      <a:headEnd type="none" w="med" len="med"/>
+                      <a:tailEnd type="none" w="med" len="med"/>
+                    </a:lnL>
+                    <a:lnR w="12700" cap="flat" cmpd="sng" algn="ctr">
+                      <a:solidFill>
+                        <a:schemeClr val="bg1">
+                          <a:lumMod val="65000"/>
+                        </a:schemeClr>
+                      </a:solidFill>
+                      <a:prstDash val="solid"/>
+                      <a:round/>
+                      <a:headEnd type="none" w="med" len="med"/>
+                      <a:tailEnd type="none" w="med" len="med"/>
+                    </a:lnR>
+                    <a:lnT w="12700" cap="flat" cmpd="sng" algn="ctr">
+                      <a:solidFill>
+                        <a:schemeClr val="bg1">
+                          <a:lumMod val="65000"/>
+                        </a:schemeClr>
+                      </a:solidFill>
+                      <a:prstDash val="solid"/>
+                      <a:round/>
+                      <a:headEnd type="none" w="med" len="med"/>
+                      <a:tailEnd type="none" w="med" len="med"/>
+                    </a:lnT>
+                    <a:lnB w="12700" cap="flat" cmpd="sng" algn="ctr">
+                      <a:solidFill>
+                        <a:schemeClr val="bg1">
+                          <a:lumMod val="65000"/>
+                        </a:schemeClr>
+                      </a:solidFill>
+                      <a:prstDash val="solid"/>
+                      <a:round/>
+                      <a:headEnd type="none" w="med" len="med"/>
+                      <a:tailEnd type="none" w="med" len="med"/>
+                    </a:lnB>
+                  </a:tcPr>
+                </a:tc>
+                <a:tc>
+                  <a:txBody>
+                    <a:bodyPr/>
+                    <a:lstStyle/>
+                    <a:p>
+                      <a:pPr algn="ctr" fontAlgn="ctr"/>
+                      <a:r>
+                        <a:rPr lang="en-US" sz="1100" u="none" strike="noStrike">
+                          <a:solidFill>
+                            <a:schemeClr val="bg1"/>
+                          </a:solidFill>
+                          <a:effectLst/>
+                        </a:rPr>
+                        <a:t> </a:t>
+                      </a:r>
+                      <a:endParaRPr lang="en-US" sz="1100" b="0" i="0" u="none" strike="noStrike">
+                        <a:solidFill>
+                          <a:schemeClr val="bg1"/>
+                        </a:solidFill>
+                        <a:effectLst/>
+                        <a:latin typeface="Calibri" panose="020F0502020204030204" pitchFamily="34" charset="0"/>
+                      </a:endParaRPr>
+                    </a:p>
+                  </a:txBody>
+                  <a:tcPr marL="9525" marR="9525" marT="9525" marB="0" anchor="ctr">
+                    <a:lnL w="12700" cap="flat" cmpd="sng" algn="ctr">
+                      <a:solidFill>
+                        <a:schemeClr val="bg1">
+                          <a:lumMod val="65000"/>
+                        </a:schemeClr>
+                      </a:solidFill>
+                      <a:prstDash val="solid"/>
+                      <a:round/>
+                      <a:headEnd type="none" w="med" len="med"/>
+                      <a:tailEnd type="none" w="med" len="med"/>
+                    </a:lnL>
+                    <a:lnR w="12700" cap="flat" cmpd="sng" algn="ctr">
+                      <a:solidFill>
+                        <a:schemeClr val="bg1">
+                          <a:lumMod val="65000"/>
+                        </a:schemeClr>
+                      </a:solidFill>
+                      <a:prstDash val="solid"/>
+                      <a:round/>
+                      <a:headEnd type="none" w="med" len="med"/>
+                      <a:tailEnd type="none" w="med" len="med"/>
+                    </a:lnR>
+                    <a:lnT w="12700" cap="flat" cmpd="sng" algn="ctr">
+                      <a:solidFill>
+                        <a:schemeClr val="bg1">
+                          <a:lumMod val="65000"/>
+                        </a:schemeClr>
+                      </a:solidFill>
+                      <a:prstDash val="solid"/>
+                      <a:round/>
+                      <a:headEnd type="none" w="med" len="med"/>
+                      <a:tailEnd type="none" w="med" len="med"/>
+                    </a:lnT>
+                    <a:lnB w="12700" cap="flat" cmpd="sng" algn="ctr">
+                      <a:solidFill>
+                        <a:schemeClr val="bg1">
+                          <a:lumMod val="65000"/>
+                        </a:schemeClr>
+                      </a:solidFill>
+                      <a:prstDash val="solid"/>
+                      <a:round/>
+                      <a:headEnd type="none" w="med" len="med"/>
+                      <a:tailEnd type="none" w="med" len="med"/>
+                    </a:lnB>
+                  </a:tcPr>
+                </a:tc>
+                <a:extLst>
+                  <a:ext uri="{0D108BD9-81ED-4DB2-BD59-A6C34878D82A}">
+                    <a16:rowId xmlns:a16="http://schemas.microsoft.com/office/drawing/2014/main" val="10004"/>
+                  </a:ext>
+                </a:extLst>
+              </a:tr>
+            </a:tbl>
+          </a:graphicData>
+        </a:graphic>
+      </p:graphicFrame>
+      <p:graphicFrame>
+        <p:nvGraphicFramePr>
+          <p:cNvPr id="4" name="Table 3"/>
+          <p:cNvGraphicFramePr>
+            <a:graphicFrameLocks noGrp="1"/>
+          </p:cNvGraphicFramePr>
+          <p:nvPr>
+            <p:extLst>
+              <p:ext uri="{D42A27DB-BD31-4B8C-83A1-F6EECF244321}">
+                <p14:modId xmlns:p14="http://schemas.microsoft.com/office/powerpoint/2010/main" val="3912513943"/>
+              </p:ext>
+            </p:extLst>
+          </p:nvPr>
+        </p:nvGraphicFramePr>
+        <p:xfrm>
+          <a:off x="5841826" y="4114800"/>
+          <a:ext cx="5749969" cy="609600"/>
+        </p:xfrm>
+        <a:graphic>
+          <a:graphicData uri="http://schemas.openxmlformats.org/drawingml/2006/table">
+            <a:tbl>
+              <a:tblPr lastCol="1" bandRow="1">
+                <a:tableStyleId>{2D5ABB26-0587-4C30-8999-92F81FD0307C}</a:tableStyleId>
+              </a:tblPr>
+              <a:tblGrid>
+                <a:gridCol w="5054774">
+                  <a:extLst>
+                    <a:ext uri="{9D8B030D-6E8A-4147-A177-3AD203B41FA5}">
+                      <a16:colId xmlns:a16="http://schemas.microsoft.com/office/drawing/2014/main" val="20000"/>
+                    </a:ext>
+                  </a:extLst>
+                </a:gridCol>
+                <a:gridCol w="695195">
+                  <a:extLst>
+                    <a:ext uri="{9D8B030D-6E8A-4147-A177-3AD203B41FA5}">
+                      <a16:colId xmlns:a16="http://schemas.microsoft.com/office/drawing/2014/main" val="20001"/>
+                    </a:ext>
+                  </a:extLst>
+                </a:gridCol>
+              </a:tblGrid>
+              <a:tr h="609600">
+                <a:tc>
+                  <a:txBody>
+                    <a:bodyPr/>
+                    <a:lstStyle/>
+                    <a:p>
+                      <a:pPr algn="ctr" fontAlgn="b"/>
+                      <a:r>
+                        <a:rPr lang="en-US" sz="1100" u="none" strike="noStrike">
+                          <a:solidFill>
+                            <a:schemeClr val="bg1"/>
+                          </a:solidFill>
+                          <a:effectLst/>
+                        </a:rPr>
+                        <a:t>Estimated time needed to work on </a:t>
+                      </a:r>
+                      <a:r>
+                        <a:rPr lang="en-US" sz="1100" u="none" strike="noStrike" baseline="0">
+                          <a:solidFill>
+                            <a:schemeClr val="bg1"/>
+                          </a:solidFill>
+                          <a:effectLst/>
+                        </a:rPr>
+                        <a:t>goals for this coming week (typ. 13 </a:t>
+                      </a:r>
+                      <a:r>
+                        <a:rPr lang="en-US" sz="1100" u="none" strike="noStrike" baseline="0" err="1">
+                          <a:solidFill>
+                            <a:schemeClr val="bg1"/>
+                          </a:solidFill>
+                          <a:effectLst/>
+                        </a:rPr>
+                        <a:t>hrs</a:t>
+                      </a:r>
+                      <a:r>
+                        <a:rPr lang="en-US" sz="1100" u="none" strike="noStrike" baseline="0">
+                          <a:solidFill>
+                            <a:schemeClr val="bg1"/>
+                          </a:solidFill>
+                          <a:effectLst/>
+                        </a:rPr>
+                        <a:t>)</a:t>
+                      </a:r>
+                      <a:endParaRPr lang="en-US" sz="1100" b="0" i="0" u="none" strike="noStrike">
+                        <a:solidFill>
+                          <a:schemeClr val="bg1"/>
+                        </a:solidFill>
+                        <a:effectLst/>
+                        <a:latin typeface="Calibri" panose="020F0502020204030204" pitchFamily="34" charset="0"/>
+                      </a:endParaRPr>
+                    </a:p>
+                  </a:txBody>
+                  <a:tcPr marL="9525" marR="9525" marT="9525" marB="0" anchor="ctr">
+                    <a:lnL w="12700" cap="flat" cmpd="sng" algn="ctr">
+                      <a:solidFill>
+                        <a:schemeClr val="bg1">
+                          <a:lumMod val="65000"/>
+                        </a:schemeClr>
+                      </a:solidFill>
+                      <a:prstDash val="solid"/>
+                      <a:round/>
+                      <a:headEnd type="none" w="med" len="med"/>
+                      <a:tailEnd type="none" w="med" len="med"/>
+                    </a:lnL>
+                    <a:lnR w="12700" cap="flat" cmpd="sng" algn="ctr">
+                      <a:solidFill>
+                        <a:schemeClr val="bg1">
+                          <a:lumMod val="65000"/>
+                        </a:schemeClr>
+                      </a:solidFill>
+                      <a:prstDash val="solid"/>
+                      <a:round/>
+                      <a:headEnd type="none" w="med" len="med"/>
+                      <a:tailEnd type="none" w="med" len="med"/>
+                    </a:lnR>
+                    <a:lnT w="12700" cap="flat" cmpd="sng" algn="ctr">
+                      <a:solidFill>
+                        <a:schemeClr val="bg1">
+                          <a:lumMod val="65000"/>
+                        </a:schemeClr>
+                      </a:solidFill>
+                      <a:prstDash val="solid"/>
+                      <a:round/>
+                      <a:headEnd type="none" w="med" len="med"/>
+                      <a:tailEnd type="none" w="med" len="med"/>
+                    </a:lnT>
+                    <a:lnB w="12700" cap="flat" cmpd="sng" algn="ctr">
+                      <a:solidFill>
+                        <a:schemeClr val="bg1">
+                          <a:lumMod val="65000"/>
+                        </a:schemeClr>
+                      </a:solidFill>
+                      <a:prstDash val="solid"/>
+                      <a:round/>
+                      <a:headEnd type="none" w="med" len="med"/>
+                      <a:tailEnd type="none" w="med" len="med"/>
+                    </a:lnB>
+                  </a:tcPr>
+                </a:tc>
+                <a:tc>
+                  <a:txBody>
+                    <a:bodyPr/>
+                    <a:lstStyle/>
+                    <a:p>
+                      <a:pPr algn="ctr" fontAlgn="b"/>
+                      <a:r>
+                        <a:rPr lang="en-US" sz="1100" b="0" i="0" u="none" strike="noStrike">
+                          <a:solidFill>
+                            <a:schemeClr val="bg1"/>
+                          </a:solidFill>
+                          <a:effectLst/>
+                          <a:latin typeface="Calibri"/>
+                        </a:rPr>
+                        <a:t>13</a:t>
+                      </a:r>
+                      <a:endParaRPr lang="en-US" sz="1100" b="0" i="0" u="none" strike="noStrike">
+                        <a:solidFill>
+                          <a:schemeClr val="bg1"/>
+                        </a:solidFill>
+                        <a:effectLst/>
+                        <a:latin typeface="Calibri" panose="020F0502020204030204" pitchFamily="34" charset="0"/>
+                      </a:endParaRPr>
+                    </a:p>
+                  </a:txBody>
+                  <a:tcPr marL="9525" marR="9525" marT="9525" marB="0" anchor="ctr">
+                    <a:lnL w="12700" cap="flat" cmpd="sng" algn="ctr">
+                      <a:solidFill>
+                        <a:schemeClr val="bg1">
+                          <a:lumMod val="65000"/>
+                        </a:schemeClr>
+                      </a:solidFill>
+                      <a:prstDash val="solid"/>
+                      <a:round/>
+                      <a:headEnd type="none" w="med" len="med"/>
+                      <a:tailEnd type="none" w="med" len="med"/>
+                    </a:lnL>
+                    <a:lnR w="12700" cap="flat" cmpd="sng" algn="ctr">
+                      <a:solidFill>
+                        <a:schemeClr val="bg1">
+                          <a:lumMod val="65000"/>
+                        </a:schemeClr>
+                      </a:solidFill>
+                      <a:prstDash val="solid"/>
+                      <a:round/>
+                      <a:headEnd type="none" w="med" len="med"/>
+                      <a:tailEnd type="none" w="med" len="med"/>
+                    </a:lnR>
+                    <a:lnT w="12700" cap="flat" cmpd="sng" algn="ctr">
+                      <a:solidFill>
+                        <a:schemeClr val="bg1">
+                          <a:lumMod val="65000"/>
+                        </a:schemeClr>
+                      </a:solidFill>
+                      <a:prstDash val="solid"/>
+                      <a:round/>
+                      <a:headEnd type="none" w="med" len="med"/>
+                      <a:tailEnd type="none" w="med" len="med"/>
+                    </a:lnT>
+                    <a:lnB w="12700" cap="flat" cmpd="sng" algn="ctr">
+                      <a:solidFill>
+                        <a:schemeClr val="bg1">
+                          <a:lumMod val="65000"/>
+                        </a:schemeClr>
+                      </a:solidFill>
+                      <a:prstDash val="solid"/>
+                      <a:round/>
+                      <a:headEnd type="none" w="med" len="med"/>
+                      <a:tailEnd type="none" w="med" len="med"/>
+                    </a:lnB>
+                  </a:tcPr>
+                </a:tc>
+                <a:extLst>
+                  <a:ext uri="{0D108BD9-81ED-4DB2-BD59-A6C34878D82A}">
+                    <a16:rowId xmlns:a16="http://schemas.microsoft.com/office/drawing/2014/main" val="10000"/>
+                  </a:ext>
+                </a:extLst>
+              </a:tr>
+            </a:tbl>
+          </a:graphicData>
+        </a:graphic>
+      </p:graphicFrame>
+    </p:spTree>
+    <p:extLst>
+      <p:ext uri="{BB962C8B-B14F-4D97-AF65-F5344CB8AC3E}">
+        <p14:creationId xmlns:p14="http://schemas.microsoft.com/office/powerpoint/2010/main" val="2388441779"/>
       </p:ext>
     </p:extLst>
   </p:cSld>
@@ -12819,1921 +12709,6 @@
           <a:p>
             <a:r>
               <a:rPr lang="en-US"/>
-              <a:t>Progress made during the week (Log)</a:t>
-            </a:r>
-            <a:br>
-              <a:rPr lang="en-US"/>
-            </a:br>
-            <a:r>
-              <a:rPr lang="en-US" sz="1400"/>
-              <a:t>(What I did)</a:t>
-            </a:r>
-            <a:endParaRPr lang="en-US"/>
-          </a:p>
-        </p:txBody>
-      </p:sp>
-      <p:sp>
-        <p:nvSpPr>
-          <p:cNvPr id="3" name="Content Placeholder 5"/>
-          <p:cNvSpPr txBox="1">
-            <a:spLocks/>
-          </p:cNvSpPr>
-          <p:nvPr/>
-        </p:nvSpPr>
-        <p:spPr>
-          <a:xfrm>
-            <a:off x="685800" y="1066800"/>
-            <a:ext cx="10896600" cy="5105400"/>
-          </a:xfrm>
-          <a:prstGeom prst="rect">
-            <a:avLst/>
-          </a:prstGeom>
-        </p:spPr>
-        <p:txBody>
-          <a:bodyPr anchor="t"/>
-          <a:lstStyle>
-            <a:lvl1pPr marL="342900" indent="-342900" algn="l" rtl="0" eaLnBrk="0" fontAlgn="base" hangingPunct="0">
-              <a:spcBef>
-                <a:spcPct val="20000"/>
-              </a:spcBef>
-              <a:spcAft>
-                <a:spcPct val="0"/>
-              </a:spcAft>
-              <a:buClr>
-                <a:srgbClr val="606060"/>
-              </a:buClr>
-              <a:buSzPct val="80000"/>
-              <a:buFont typeface="Times" charset="0"/>
-              <a:buChar char="•"/>
-              <a:defRPr sz="2400">
-                <a:solidFill>
-                  <a:srgbClr val="FFFFFF"/>
-                </a:solidFill>
-                <a:latin typeface="+mn-lt"/>
-                <a:ea typeface="ＭＳ Ｐゴシック" charset="0"/>
-                <a:cs typeface="MS PGothic" charset="0"/>
-              </a:defRPr>
-            </a:lvl1pPr>
-            <a:lvl2pPr marL="742950" indent="-285750" algn="l" rtl="0" eaLnBrk="0" fontAlgn="base" hangingPunct="0">
-              <a:spcBef>
-                <a:spcPct val="20000"/>
-              </a:spcBef>
-              <a:spcAft>
-                <a:spcPct val="0"/>
-              </a:spcAft>
-              <a:buClr>
-                <a:srgbClr val="606060"/>
-              </a:buClr>
-              <a:buSzPct val="80000"/>
-              <a:buFont typeface="Times" charset="0"/>
-              <a:buChar char="•"/>
-              <a:defRPr sz="2400">
-                <a:solidFill>
-                  <a:srgbClr val="FFFFFF"/>
-                </a:solidFill>
-                <a:latin typeface="+mn-lt"/>
-                <a:ea typeface="MS PGothic" panose="020B0600070205080204" pitchFamily="34" charset="-128"/>
-                <a:cs typeface="MS PGothic" charset="0"/>
-              </a:defRPr>
-            </a:lvl2pPr>
-            <a:lvl3pPr marL="1143000" indent="-228600" algn="l" rtl="0" eaLnBrk="0" fontAlgn="base" hangingPunct="0">
-              <a:spcBef>
-                <a:spcPct val="20000"/>
-              </a:spcBef>
-              <a:spcAft>
-                <a:spcPct val="0"/>
-              </a:spcAft>
-              <a:buClr>
-                <a:srgbClr val="606060"/>
-              </a:buClr>
-              <a:buSzPct val="80000"/>
-              <a:buFont typeface="Times" charset="0"/>
-              <a:buChar char="•"/>
-              <a:defRPr sz="2400">
-                <a:solidFill>
-                  <a:srgbClr val="FFFFFF"/>
-                </a:solidFill>
-                <a:latin typeface="+mn-lt"/>
-                <a:ea typeface="MS PGothic" panose="020B0600070205080204" pitchFamily="34" charset="-128"/>
-                <a:cs typeface="MS PGothic" charset="0"/>
-              </a:defRPr>
-            </a:lvl3pPr>
-            <a:lvl4pPr marL="1600200" indent="-228600" algn="l" rtl="0" eaLnBrk="0" fontAlgn="base" hangingPunct="0">
-              <a:spcBef>
-                <a:spcPct val="20000"/>
-              </a:spcBef>
-              <a:spcAft>
-                <a:spcPct val="0"/>
-              </a:spcAft>
-              <a:buClr>
-                <a:srgbClr val="606060"/>
-              </a:buClr>
-              <a:buSzPct val="80000"/>
-              <a:buFont typeface="Times" charset="0"/>
-              <a:buChar char="•"/>
-              <a:defRPr sz="2400">
-                <a:solidFill>
-                  <a:srgbClr val="FFFFFF"/>
-                </a:solidFill>
-                <a:latin typeface="+mn-lt"/>
-                <a:ea typeface="MS PGothic" panose="020B0600070205080204" pitchFamily="34" charset="-128"/>
-                <a:cs typeface="MS PGothic" charset="0"/>
-              </a:defRPr>
-            </a:lvl4pPr>
-            <a:lvl5pPr marL="2057400" indent="-228600" algn="l" rtl="0" eaLnBrk="0" fontAlgn="base" hangingPunct="0">
-              <a:spcBef>
-                <a:spcPct val="20000"/>
-              </a:spcBef>
-              <a:spcAft>
-                <a:spcPct val="0"/>
-              </a:spcAft>
-              <a:buClr>
-                <a:srgbClr val="606060"/>
-              </a:buClr>
-              <a:buSzPct val="80000"/>
-              <a:buFont typeface="Times" charset="0"/>
-              <a:buChar char="•"/>
-              <a:defRPr sz="2400">
-                <a:solidFill>
-                  <a:srgbClr val="FFFFFF"/>
-                </a:solidFill>
-                <a:latin typeface="+mn-lt"/>
-                <a:ea typeface="MS PGothic" panose="020B0600070205080204" pitchFamily="34" charset="-128"/>
-                <a:cs typeface="MS PGothic" charset="0"/>
-              </a:defRPr>
-            </a:lvl5pPr>
-            <a:lvl6pPr marL="2514600" indent="-228600" algn="l" rtl="0" fontAlgn="base">
-              <a:spcBef>
-                <a:spcPct val="20000"/>
-              </a:spcBef>
-              <a:spcAft>
-                <a:spcPct val="0"/>
-              </a:spcAft>
-              <a:buClr>
-                <a:srgbClr val="1C5696"/>
-              </a:buClr>
-              <a:buSzPct val="80000"/>
-              <a:buFont typeface="Times" pitchFamily="44" charset="0"/>
-              <a:buChar char="•"/>
-              <a:defRPr sz="2400">
-                <a:solidFill>
-                  <a:schemeClr val="tx1"/>
-                </a:solidFill>
-                <a:latin typeface="+mn-lt"/>
-                <a:ea typeface="+mn-ea"/>
-              </a:defRPr>
-            </a:lvl6pPr>
-            <a:lvl7pPr marL="2971800" indent="-228600" algn="l" rtl="0" fontAlgn="base">
-              <a:spcBef>
-                <a:spcPct val="20000"/>
-              </a:spcBef>
-              <a:spcAft>
-                <a:spcPct val="0"/>
-              </a:spcAft>
-              <a:buClr>
-                <a:srgbClr val="1C5696"/>
-              </a:buClr>
-              <a:buSzPct val="80000"/>
-              <a:buFont typeface="Times" pitchFamily="44" charset="0"/>
-              <a:buChar char="•"/>
-              <a:defRPr sz="2400">
-                <a:solidFill>
-                  <a:schemeClr val="tx1"/>
-                </a:solidFill>
-                <a:latin typeface="+mn-lt"/>
-                <a:ea typeface="+mn-ea"/>
-              </a:defRPr>
-            </a:lvl7pPr>
-            <a:lvl8pPr marL="3429000" indent="-228600" algn="l" rtl="0" fontAlgn="base">
-              <a:spcBef>
-                <a:spcPct val="20000"/>
-              </a:spcBef>
-              <a:spcAft>
-                <a:spcPct val="0"/>
-              </a:spcAft>
-              <a:buClr>
-                <a:srgbClr val="1C5696"/>
-              </a:buClr>
-              <a:buSzPct val="80000"/>
-              <a:buFont typeface="Times" pitchFamily="44" charset="0"/>
-              <a:buChar char="•"/>
-              <a:defRPr sz="2400">
-                <a:solidFill>
-                  <a:schemeClr val="tx1"/>
-                </a:solidFill>
-                <a:latin typeface="+mn-lt"/>
-                <a:ea typeface="+mn-ea"/>
-              </a:defRPr>
-            </a:lvl8pPr>
-            <a:lvl9pPr marL="3886200" indent="-228600" algn="l" rtl="0" fontAlgn="base">
-              <a:spcBef>
-                <a:spcPct val="20000"/>
-              </a:spcBef>
-              <a:spcAft>
-                <a:spcPct val="0"/>
-              </a:spcAft>
-              <a:buClr>
-                <a:srgbClr val="1C5696"/>
-              </a:buClr>
-              <a:buSzPct val="80000"/>
-              <a:buFont typeface="Times" pitchFamily="44" charset="0"/>
-              <a:buChar char="•"/>
-              <a:defRPr sz="2400">
-                <a:solidFill>
-                  <a:schemeClr val="tx1"/>
-                </a:solidFill>
-                <a:latin typeface="+mn-lt"/>
-                <a:ea typeface="+mn-ea"/>
-              </a:defRPr>
-            </a:lvl9pPr>
-          </a:lstStyle>
-          <a:p>
-            <a:pPr marL="0" indent="0">
-              <a:buFont typeface="Times" charset="0"/>
-              <a:buNone/>
-            </a:pPr>
-            <a:r>
-              <a:rPr lang="en-US" sz="1200" kern="0"/>
-              <a:t>For example: Resources found (links, manuals), Designs created, Decisions made and corresponding rational, Photos of prototype progress, etc.</a:t>
-            </a:r>
-          </a:p>
-          <a:p>
-            <a:pPr marL="0" indent="0">
-              <a:buFont typeface="Times" charset="0"/>
-              <a:buNone/>
-            </a:pPr>
-            <a:endParaRPr lang="en-US" sz="1200" kern="0"/>
-          </a:p>
-          <a:p>
-            <a:r>
-              <a:rPr lang="en-US" sz="1200" kern="0">
-                <a:ea typeface="ＭＳ Ｐゴシック"/>
-              </a:rPr>
-              <a:t>I was super busy this week </a:t>
-            </a:r>
-            <a:endParaRPr lang="en-US" sz="1200" kern="0"/>
-          </a:p>
-          <a:p>
-            <a:r>
-              <a:rPr lang="en-US" sz="1200" kern="0">
-                <a:ea typeface="ＭＳ Ｐゴシック"/>
-              </a:rPr>
-              <a:t>I worked on the </a:t>
-            </a:r>
-            <a:r>
-              <a:rPr lang="en-US" sz="1200" kern="0" err="1">
-                <a:ea typeface="ＭＳ Ｐゴシック"/>
-              </a:rPr>
-              <a:t>github</a:t>
-            </a:r>
-            <a:r>
-              <a:rPr lang="en-US" sz="1200" kern="0">
-                <a:ea typeface="ＭＳ Ｐゴシック"/>
-              </a:rPr>
-              <a:t> code</a:t>
-            </a:r>
-          </a:p>
-          <a:p>
-            <a:r>
-              <a:rPr lang="en-US" sz="1200" kern="0">
-                <a:ea typeface="ＭＳ Ｐゴシック"/>
-              </a:rPr>
-              <a:t>I was able to fix my VPN</a:t>
-            </a:r>
-          </a:p>
-          <a:p>
-            <a:pPr marL="0" indent="0">
-              <a:buNone/>
-            </a:pPr>
-            <a:endParaRPr lang="en-US" sz="1200" kern="0"/>
-          </a:p>
-        </p:txBody>
-      </p:sp>
-    </p:spTree>
-    <p:extLst>
-      <p:ext uri="{BB962C8B-B14F-4D97-AF65-F5344CB8AC3E}">
-        <p14:creationId xmlns:p14="http://schemas.microsoft.com/office/powerpoint/2010/main" val="1281754675"/>
-      </p:ext>
-    </p:extLst>
-  </p:cSld>
-  <p:clrMapOvr>
-    <a:masterClrMapping/>
-  </p:clrMapOvr>
-  <p:transition>
-    <p:fade/>
-  </p:transition>
-</p:sld>
-</file>
-
-<file path=ppt/slides/slide21.xml><?xml version="1.0" encoding="utf-8"?>
-<p:sld xmlns:a="http://schemas.openxmlformats.org/drawingml/2006/main" xmlns:r="http://schemas.openxmlformats.org/officeDocument/2006/relationships" xmlns:p="http://schemas.openxmlformats.org/presentationml/2006/main">
-  <p:cSld>
-    <p:spTree>
-      <p:nvGrpSpPr>
-        <p:cNvPr id="1" name=""/>
-        <p:cNvGrpSpPr/>
-        <p:nvPr/>
-      </p:nvGrpSpPr>
-      <p:grpSpPr>
-        <a:xfrm>
-          <a:off x="0" y="0"/>
-          <a:ext cx="0" cy="0"/>
-          <a:chOff x="0" y="0"/>
-          <a:chExt cx="0" cy="0"/>
-        </a:xfrm>
-      </p:grpSpPr>
-      <p:sp>
-        <p:nvSpPr>
-          <p:cNvPr id="2" name="Title 1"/>
-          <p:cNvSpPr>
-            <a:spLocks noGrp="1"/>
-          </p:cNvSpPr>
-          <p:nvPr>
-            <p:ph type="title"/>
-          </p:nvPr>
-        </p:nvSpPr>
-        <p:spPr/>
-        <p:txBody>
-          <a:bodyPr/>
-          <a:lstStyle/>
-          <a:p>
-            <a:r>
-              <a:rPr lang="en-US"/>
-              <a:t>Difficulties encountered during the week </a:t>
-            </a:r>
-            <a:br>
-              <a:rPr lang="en-US"/>
-            </a:br>
-            <a:r>
-              <a:rPr lang="en-US" sz="1400"/>
-              <a:t>(What I did not do and why)</a:t>
-            </a:r>
-            <a:endParaRPr lang="en-US"/>
-          </a:p>
-        </p:txBody>
-      </p:sp>
-      <p:sp>
-        <p:nvSpPr>
-          <p:cNvPr id="3" name="TextBox 2"/>
-          <p:cNvSpPr txBox="1"/>
-          <p:nvPr/>
-        </p:nvSpPr>
-        <p:spPr>
-          <a:xfrm>
-            <a:off x="558452" y="1447800"/>
-            <a:ext cx="10820400" cy="830997"/>
-          </a:xfrm>
-          <a:prstGeom prst="rect">
-            <a:avLst/>
-          </a:prstGeom>
-          <a:noFill/>
-        </p:spPr>
-        <p:txBody>
-          <a:bodyPr wrap="square" rtlCol="0" anchor="t">
-            <a:spAutoFit/>
-          </a:bodyPr>
-          <a:lstStyle/>
-          <a:p>
-            <a:pPr marL="342900" indent="-342900">
-              <a:buFont typeface="Arial" panose="020B0604020202020204" pitchFamily="34" charset="0"/>
-              <a:buChar char="•"/>
-            </a:pPr>
-            <a:r>
-              <a:rPr lang="en-US">
-                <a:solidFill>
-                  <a:schemeClr val="bg1"/>
-                </a:solidFill>
-                <a:latin typeface="Arial"/>
-                <a:ea typeface="ＭＳ Ｐゴシック"/>
-              </a:rPr>
-              <a:t>Time and Busy</a:t>
-            </a:r>
-          </a:p>
-          <a:p>
-            <a:pPr marL="342900" indent="-342900">
-              <a:buFont typeface="Arial" panose="020B0604020202020204" pitchFamily="34" charset="0"/>
-              <a:buChar char="•"/>
-            </a:pPr>
-            <a:endParaRPr lang="en-US">
-              <a:solidFill>
-                <a:schemeClr val="bg1"/>
-              </a:solidFill>
-            </a:endParaRPr>
-          </a:p>
-        </p:txBody>
-      </p:sp>
-    </p:spTree>
-    <p:extLst>
-      <p:ext uri="{BB962C8B-B14F-4D97-AF65-F5344CB8AC3E}">
-        <p14:creationId xmlns:p14="http://schemas.microsoft.com/office/powerpoint/2010/main" val="1910825187"/>
-      </p:ext>
-    </p:extLst>
-  </p:cSld>
-  <p:clrMapOvr>
-    <a:masterClrMapping/>
-  </p:clrMapOvr>
-  <p:transition>
-    <p:fade/>
-  </p:transition>
-</p:sld>
-</file>
-
-<file path=ppt/slides/slide22.xml><?xml version="1.0" encoding="utf-8"?>
-<p:sld xmlns:a="http://schemas.openxmlformats.org/drawingml/2006/main" xmlns:r="http://schemas.openxmlformats.org/officeDocument/2006/relationships" xmlns:p="http://schemas.openxmlformats.org/presentationml/2006/main">
-  <p:cSld>
-    <p:spTree>
-      <p:nvGrpSpPr>
-        <p:cNvPr id="1" name=""/>
-        <p:cNvGrpSpPr/>
-        <p:nvPr/>
-      </p:nvGrpSpPr>
-      <p:grpSpPr>
-        <a:xfrm>
-          <a:off x="0" y="0"/>
-          <a:ext cx="0" cy="0"/>
-          <a:chOff x="0" y="0"/>
-          <a:chExt cx="0" cy="0"/>
-        </a:xfrm>
-      </p:grpSpPr>
-      <p:sp>
-        <p:nvSpPr>
-          <p:cNvPr id="2" name="Title 1"/>
-          <p:cNvSpPr>
-            <a:spLocks noGrp="1"/>
-          </p:cNvSpPr>
-          <p:nvPr>
-            <p:ph type="title"/>
-          </p:nvPr>
-        </p:nvSpPr>
-        <p:spPr/>
-        <p:txBody>
-          <a:bodyPr/>
-          <a:lstStyle/>
-          <a:p>
-            <a:r>
-              <a:rPr lang="en-US"/>
-              <a:t>Goals for this coming week</a:t>
-            </a:r>
-            <a:br>
-              <a:rPr lang="en-US"/>
-            </a:br>
-            <a:r>
-              <a:rPr lang="en-US" sz="1200"/>
-              <a:t>(Ones that move the project forward the most)</a:t>
-            </a:r>
-          </a:p>
-        </p:txBody>
-      </p:sp>
-      <p:graphicFrame>
-        <p:nvGraphicFramePr>
-          <p:cNvPr id="3" name="Table 2"/>
-          <p:cNvGraphicFramePr>
-            <a:graphicFrameLocks noGrp="1"/>
-          </p:cNvGraphicFramePr>
-          <p:nvPr>
-            <p:extLst>
-              <p:ext uri="{D42A27DB-BD31-4B8C-83A1-F6EECF244321}">
-                <p14:modId xmlns:p14="http://schemas.microsoft.com/office/powerpoint/2010/main" val="3521378301"/>
-              </p:ext>
-            </p:extLst>
-          </p:nvPr>
-        </p:nvGraphicFramePr>
-        <p:xfrm>
-          <a:off x="685800" y="1371600"/>
-          <a:ext cx="10896600" cy="2133599"/>
-        </p:xfrm>
-        <a:graphic>
-          <a:graphicData uri="http://schemas.openxmlformats.org/drawingml/2006/table">
-            <a:tbl>
-              <a:tblPr firstRow="1" lastCol="1" bandRow="1">
-                <a:tableStyleId>{2D5ABB26-0587-4C30-8999-92F81FD0307C}</a:tableStyleId>
-              </a:tblPr>
-              <a:tblGrid>
-                <a:gridCol w="9397068">
-                  <a:extLst>
-                    <a:ext uri="{9D8B030D-6E8A-4147-A177-3AD203B41FA5}">
-                      <a16:colId xmlns:a16="http://schemas.microsoft.com/office/drawing/2014/main" val="20000"/>
-                    </a:ext>
-                  </a:extLst>
-                </a:gridCol>
-                <a:gridCol w="799750">
-                  <a:extLst>
-                    <a:ext uri="{9D8B030D-6E8A-4147-A177-3AD203B41FA5}">
-                      <a16:colId xmlns:a16="http://schemas.microsoft.com/office/drawing/2014/main" val="20001"/>
-                    </a:ext>
-                  </a:extLst>
-                </a:gridCol>
-                <a:gridCol w="699782">
-                  <a:extLst>
-                    <a:ext uri="{9D8B030D-6E8A-4147-A177-3AD203B41FA5}">
-                      <a16:colId xmlns:a16="http://schemas.microsoft.com/office/drawing/2014/main" val="20002"/>
-                    </a:ext>
-                  </a:extLst>
-                </a:gridCol>
-              </a:tblGrid>
-              <a:tr h="609599">
-                <a:tc>
-                  <a:txBody>
-                    <a:bodyPr/>
-                    <a:lstStyle/>
-                    <a:p>
-                      <a:pPr algn="l" fontAlgn="ctr"/>
-                      <a:r>
-                        <a:rPr lang="en-US" sz="1100" u="none" strike="noStrike">
-                          <a:solidFill>
-                            <a:schemeClr val="bg1"/>
-                          </a:solidFill>
-                          <a:effectLst/>
-                        </a:rPr>
-                        <a:t>Goal/Task</a:t>
-                      </a:r>
-                      <a:endParaRPr lang="en-US" sz="1100" b="0" i="0" u="none" strike="noStrike">
-                        <a:solidFill>
-                          <a:schemeClr val="bg1"/>
-                        </a:solidFill>
-                        <a:effectLst/>
-                        <a:latin typeface="Calibri" panose="020F0502020204030204" pitchFamily="34" charset="0"/>
-                      </a:endParaRPr>
-                    </a:p>
-                  </a:txBody>
-                  <a:tcPr marL="9525" marR="9525" marT="9525" marB="0" anchor="ctr">
-                    <a:lnL w="12700" cap="flat" cmpd="sng" algn="ctr">
-                      <a:solidFill>
-                        <a:schemeClr val="bg1">
-                          <a:lumMod val="65000"/>
-                        </a:schemeClr>
-                      </a:solidFill>
-                      <a:prstDash val="solid"/>
-                      <a:round/>
-                      <a:headEnd type="none" w="med" len="med"/>
-                      <a:tailEnd type="none" w="med" len="med"/>
-                    </a:lnL>
-                    <a:lnR w="12700" cap="flat" cmpd="sng" algn="ctr">
-                      <a:solidFill>
-                        <a:schemeClr val="bg1">
-                          <a:lumMod val="65000"/>
-                        </a:schemeClr>
-                      </a:solidFill>
-                      <a:prstDash val="solid"/>
-                      <a:round/>
-                      <a:headEnd type="none" w="med" len="med"/>
-                      <a:tailEnd type="none" w="med" len="med"/>
-                    </a:lnR>
-                    <a:lnT w="12700" cap="flat" cmpd="sng" algn="ctr">
-                      <a:solidFill>
-                        <a:schemeClr val="bg1">
-                          <a:lumMod val="65000"/>
-                        </a:schemeClr>
-                      </a:solidFill>
-                      <a:prstDash val="solid"/>
-                      <a:round/>
-                      <a:headEnd type="none" w="med" len="med"/>
-                      <a:tailEnd type="none" w="med" len="med"/>
-                    </a:lnT>
-                    <a:lnB w="12700" cap="flat" cmpd="sng" algn="ctr">
-                      <a:solidFill>
-                        <a:schemeClr val="bg1">
-                          <a:lumMod val="65000"/>
-                        </a:schemeClr>
-                      </a:solidFill>
-                      <a:prstDash val="solid"/>
-                      <a:round/>
-                      <a:headEnd type="none" w="med" len="med"/>
-                      <a:tailEnd type="none" w="med" len="med"/>
-                    </a:lnB>
-                  </a:tcPr>
-                </a:tc>
-                <a:tc>
-                  <a:txBody>
-                    <a:bodyPr/>
-                    <a:lstStyle/>
-                    <a:p>
-                      <a:pPr marL="0" marR="0" indent="0" algn="ctr" defTabSz="457200" rtl="0" eaLnBrk="1" fontAlgn="ctr" latinLnBrk="0" hangingPunct="1">
-                        <a:lnSpc>
-                          <a:spcPct val="100000"/>
-                        </a:lnSpc>
-                        <a:spcBef>
-                          <a:spcPts val="0"/>
-                        </a:spcBef>
-                        <a:spcAft>
-                          <a:spcPts val="0"/>
-                        </a:spcAft>
-                        <a:buClrTx/>
-                        <a:buSzTx/>
-                        <a:buFontTx/>
-                        <a:buNone/>
-                        <a:tabLst/>
-                        <a:defRPr/>
-                      </a:pPr>
-                      <a:r>
-                        <a:rPr lang="en-US" sz="1100" u="none" strike="noStrike">
-                          <a:solidFill>
-                            <a:schemeClr val="bg1"/>
-                          </a:solidFill>
-                          <a:effectLst/>
-                        </a:rPr>
-                        <a:t>Stop Date (Est.)</a:t>
-                      </a:r>
-                      <a:endParaRPr lang="en-US" sz="1100" b="0" i="0" u="none" strike="noStrike">
-                        <a:solidFill>
-                          <a:schemeClr val="bg1"/>
-                        </a:solidFill>
-                        <a:effectLst/>
-                        <a:latin typeface="Calibri" panose="020F0502020204030204" pitchFamily="34" charset="0"/>
-                      </a:endParaRPr>
-                    </a:p>
-                  </a:txBody>
-                  <a:tcPr marL="9525" marR="9525" marT="9525" marB="0" anchor="ctr">
-                    <a:lnL w="12700" cap="flat" cmpd="sng" algn="ctr">
-                      <a:solidFill>
-                        <a:schemeClr val="bg1">
-                          <a:lumMod val="65000"/>
-                        </a:schemeClr>
-                      </a:solidFill>
-                      <a:prstDash val="solid"/>
-                      <a:round/>
-                      <a:headEnd type="none" w="med" len="med"/>
-                      <a:tailEnd type="none" w="med" len="med"/>
-                    </a:lnL>
-                    <a:lnR w="12700" cap="flat" cmpd="sng" algn="ctr">
-                      <a:solidFill>
-                        <a:schemeClr val="bg1">
-                          <a:lumMod val="65000"/>
-                        </a:schemeClr>
-                      </a:solidFill>
-                      <a:prstDash val="solid"/>
-                      <a:round/>
-                      <a:headEnd type="none" w="med" len="med"/>
-                      <a:tailEnd type="none" w="med" len="med"/>
-                    </a:lnR>
-                    <a:lnT w="12700" cap="flat" cmpd="sng" algn="ctr">
-                      <a:solidFill>
-                        <a:schemeClr val="bg1">
-                          <a:lumMod val="65000"/>
-                        </a:schemeClr>
-                      </a:solidFill>
-                      <a:prstDash val="solid"/>
-                      <a:round/>
-                      <a:headEnd type="none" w="med" len="med"/>
-                      <a:tailEnd type="none" w="med" len="med"/>
-                    </a:lnT>
-                    <a:lnB w="12700" cap="flat" cmpd="sng" algn="ctr">
-                      <a:solidFill>
-                        <a:schemeClr val="bg1">
-                          <a:lumMod val="65000"/>
-                        </a:schemeClr>
-                      </a:solidFill>
-                      <a:prstDash val="solid"/>
-                      <a:round/>
-                      <a:headEnd type="none" w="med" len="med"/>
-                      <a:tailEnd type="none" w="med" len="med"/>
-                    </a:lnB>
-                  </a:tcPr>
-                </a:tc>
-                <a:tc>
-                  <a:txBody>
-                    <a:bodyPr/>
-                    <a:lstStyle/>
-                    <a:p>
-                      <a:pPr algn="ctr" fontAlgn="ctr"/>
-                      <a:endParaRPr lang="en-US" sz="1100" u="none" strike="noStrike">
-                        <a:solidFill>
-                          <a:schemeClr val="bg1"/>
-                        </a:solidFill>
-                        <a:effectLst/>
-                      </a:endParaRPr>
-                    </a:p>
-                    <a:p>
-                      <a:pPr marL="0" marR="0" indent="0" algn="ctr" defTabSz="457200" rtl="0" eaLnBrk="1" fontAlgn="ctr" latinLnBrk="0" hangingPunct="1">
-                        <a:lnSpc>
-                          <a:spcPct val="100000"/>
-                        </a:lnSpc>
-                        <a:spcBef>
-                          <a:spcPts val="0"/>
-                        </a:spcBef>
-                        <a:spcAft>
-                          <a:spcPts val="0"/>
-                        </a:spcAft>
-                        <a:buClrTx/>
-                        <a:buSzTx/>
-                        <a:buFontTx/>
-                        <a:buNone/>
-                        <a:tabLst/>
-                        <a:defRPr/>
-                      </a:pPr>
-                      <a:r>
-                        <a:rPr lang="en-US" sz="1100" u="none" strike="noStrike">
-                          <a:solidFill>
-                            <a:schemeClr val="bg1"/>
-                          </a:solidFill>
-                          <a:effectLst/>
-                        </a:rPr>
-                        <a:t>Hours (Est.)</a:t>
-                      </a:r>
-                      <a:endParaRPr lang="en-US" sz="1100" b="0" i="0" u="none" strike="noStrike">
-                        <a:solidFill>
-                          <a:schemeClr val="bg1"/>
-                        </a:solidFill>
-                        <a:effectLst/>
-                        <a:latin typeface="Calibri" panose="020F0502020204030204" pitchFamily="34" charset="0"/>
-                      </a:endParaRPr>
-                    </a:p>
-                  </a:txBody>
-                  <a:tcPr marL="9525" marR="9525" marT="9525" marB="0" anchor="ctr">
-                    <a:lnL w="12700" cap="flat" cmpd="sng" algn="ctr">
-                      <a:solidFill>
-                        <a:schemeClr val="bg1">
-                          <a:lumMod val="65000"/>
-                        </a:schemeClr>
-                      </a:solidFill>
-                      <a:prstDash val="solid"/>
-                      <a:round/>
-                      <a:headEnd type="none" w="med" len="med"/>
-                      <a:tailEnd type="none" w="med" len="med"/>
-                    </a:lnL>
-                    <a:lnR w="12700" cap="flat" cmpd="sng" algn="ctr">
-                      <a:solidFill>
-                        <a:schemeClr val="bg1">
-                          <a:lumMod val="65000"/>
-                        </a:schemeClr>
-                      </a:solidFill>
-                      <a:prstDash val="solid"/>
-                      <a:round/>
-                      <a:headEnd type="none" w="med" len="med"/>
-                      <a:tailEnd type="none" w="med" len="med"/>
-                    </a:lnR>
-                    <a:lnT w="12700" cap="flat" cmpd="sng" algn="ctr">
-                      <a:solidFill>
-                        <a:schemeClr val="bg1">
-                          <a:lumMod val="65000"/>
-                        </a:schemeClr>
-                      </a:solidFill>
-                      <a:prstDash val="solid"/>
-                      <a:round/>
-                      <a:headEnd type="none" w="med" len="med"/>
-                      <a:tailEnd type="none" w="med" len="med"/>
-                    </a:lnT>
-                    <a:lnB w="12700" cap="flat" cmpd="sng" algn="ctr">
-                      <a:solidFill>
-                        <a:schemeClr val="bg1">
-                          <a:lumMod val="65000"/>
-                        </a:schemeClr>
-                      </a:solidFill>
-                      <a:prstDash val="solid"/>
-                      <a:round/>
-                      <a:headEnd type="none" w="med" len="med"/>
-                      <a:tailEnd type="none" w="med" len="med"/>
-                    </a:lnB>
-                  </a:tcPr>
-                </a:tc>
-                <a:extLst>
-                  <a:ext uri="{0D108BD9-81ED-4DB2-BD59-A6C34878D82A}">
-                    <a16:rowId xmlns:a16="http://schemas.microsoft.com/office/drawing/2014/main" val="10000"/>
-                  </a:ext>
-                </a:extLst>
-              </a:tr>
-              <a:tr h="381000">
-                <a:tc>
-                  <a:txBody>
-                    <a:bodyPr/>
-                    <a:lstStyle/>
-                    <a:p>
-                      <a:pPr algn="l" fontAlgn="b"/>
-                      <a:r>
-                        <a:rPr lang="en-US" sz="1100" u="none" strike="noStrike">
-                          <a:solidFill>
-                            <a:schemeClr val="bg1"/>
-                          </a:solidFill>
-                          <a:effectLst/>
-                        </a:rPr>
-                        <a:t> Coursework</a:t>
-                      </a:r>
-                      <a:endParaRPr lang="en-US" sz="1100" b="0" i="0" u="none" strike="noStrike">
-                        <a:solidFill>
-                          <a:schemeClr val="bg1"/>
-                        </a:solidFill>
-                        <a:effectLst/>
-                        <a:latin typeface="Calibri" panose="020F0502020204030204" pitchFamily="34" charset="0"/>
-                      </a:endParaRPr>
-                    </a:p>
-                  </a:txBody>
-                  <a:tcPr marL="9525" marR="9525" marT="9525" marB="0" anchor="ctr">
-                    <a:lnL w="12700" cap="flat" cmpd="sng" algn="ctr">
-                      <a:solidFill>
-                        <a:schemeClr val="bg1">
-                          <a:lumMod val="65000"/>
-                        </a:schemeClr>
-                      </a:solidFill>
-                      <a:prstDash val="solid"/>
-                      <a:round/>
-                      <a:headEnd type="none" w="med" len="med"/>
-                      <a:tailEnd type="none" w="med" len="med"/>
-                    </a:lnL>
-                    <a:lnR w="12700" cap="flat" cmpd="sng" algn="ctr">
-                      <a:solidFill>
-                        <a:schemeClr val="bg1">
-                          <a:lumMod val="65000"/>
-                        </a:schemeClr>
-                      </a:solidFill>
-                      <a:prstDash val="solid"/>
-                      <a:round/>
-                      <a:headEnd type="none" w="med" len="med"/>
-                      <a:tailEnd type="none" w="med" len="med"/>
-                    </a:lnR>
-                    <a:lnT w="12700" cap="flat" cmpd="sng" algn="ctr">
-                      <a:solidFill>
-                        <a:schemeClr val="bg1">
-                          <a:lumMod val="65000"/>
-                        </a:schemeClr>
-                      </a:solidFill>
-                      <a:prstDash val="solid"/>
-                      <a:round/>
-                      <a:headEnd type="none" w="med" len="med"/>
-                      <a:tailEnd type="none" w="med" len="med"/>
-                    </a:lnT>
-                    <a:lnB w="12700" cap="flat" cmpd="sng" algn="ctr">
-                      <a:solidFill>
-                        <a:schemeClr val="bg1">
-                          <a:lumMod val="65000"/>
-                        </a:schemeClr>
-                      </a:solidFill>
-                      <a:prstDash val="solid"/>
-                      <a:round/>
-                      <a:headEnd type="none" w="med" len="med"/>
-                      <a:tailEnd type="none" w="med" len="med"/>
-                    </a:lnB>
-                  </a:tcPr>
-                </a:tc>
-                <a:tc>
-                  <a:txBody>
-                    <a:bodyPr/>
-                    <a:lstStyle/>
-                    <a:p>
-                      <a:pPr algn="l" fontAlgn="b"/>
-                      <a:r>
-                        <a:rPr lang="en-US" sz="1100" b="0" i="0" u="none" strike="noStrike">
-                          <a:solidFill>
-                            <a:schemeClr val="bg1"/>
-                          </a:solidFill>
-                          <a:effectLst/>
-                          <a:latin typeface="Calibri"/>
-                        </a:rPr>
-                        <a:t>5/28</a:t>
-                      </a:r>
-                      <a:endParaRPr lang="en-US" sz="1100" b="0" i="0" u="none" strike="noStrike">
-                        <a:solidFill>
-                          <a:schemeClr val="bg1"/>
-                        </a:solidFill>
-                        <a:effectLst/>
-                        <a:latin typeface="Calibri" panose="020F0502020204030204" pitchFamily="34" charset="0"/>
-                      </a:endParaRPr>
-                    </a:p>
-                  </a:txBody>
-                  <a:tcPr marL="9525" marR="9525" marT="9525" marB="0" anchor="b">
-                    <a:lnL w="12700" cap="flat" cmpd="sng" algn="ctr">
-                      <a:solidFill>
-                        <a:schemeClr val="bg1">
-                          <a:lumMod val="65000"/>
-                        </a:schemeClr>
-                      </a:solidFill>
-                      <a:prstDash val="solid"/>
-                      <a:round/>
-                      <a:headEnd type="none" w="med" len="med"/>
-                      <a:tailEnd type="none" w="med" len="med"/>
-                    </a:lnL>
-                    <a:lnR w="12700" cap="flat" cmpd="sng" algn="ctr">
-                      <a:solidFill>
-                        <a:schemeClr val="bg1">
-                          <a:lumMod val="65000"/>
-                        </a:schemeClr>
-                      </a:solidFill>
-                      <a:prstDash val="solid"/>
-                      <a:round/>
-                      <a:headEnd type="none" w="med" len="med"/>
-                      <a:tailEnd type="none" w="med" len="med"/>
-                    </a:lnR>
-                    <a:lnT w="12700" cap="flat" cmpd="sng" algn="ctr">
-                      <a:solidFill>
-                        <a:schemeClr val="bg1">
-                          <a:lumMod val="65000"/>
-                        </a:schemeClr>
-                      </a:solidFill>
-                      <a:prstDash val="solid"/>
-                      <a:round/>
-                      <a:headEnd type="none" w="med" len="med"/>
-                      <a:tailEnd type="none" w="med" len="med"/>
-                    </a:lnT>
-                    <a:lnB w="12700" cap="flat" cmpd="sng" algn="ctr">
-                      <a:solidFill>
-                        <a:schemeClr val="bg1">
-                          <a:lumMod val="65000"/>
-                        </a:schemeClr>
-                      </a:solidFill>
-                      <a:prstDash val="solid"/>
-                      <a:round/>
-                      <a:headEnd type="none" w="med" len="med"/>
-                      <a:tailEnd type="none" w="med" len="med"/>
-                    </a:lnB>
-                  </a:tcPr>
-                </a:tc>
-                <a:tc>
-                  <a:txBody>
-                    <a:bodyPr/>
-                    <a:lstStyle/>
-                    <a:p>
-                      <a:pPr algn="ctr" fontAlgn="ctr"/>
-                      <a:r>
-                        <a:rPr lang="en-US" sz="1100" u="none" strike="noStrike">
-                          <a:solidFill>
-                            <a:schemeClr val="bg1"/>
-                          </a:solidFill>
-                          <a:effectLst/>
-                        </a:rPr>
-                        <a:t>8 </a:t>
-                      </a:r>
-                      <a:endParaRPr lang="en-US" sz="1100" b="0" i="0" u="none" strike="noStrike">
-                        <a:solidFill>
-                          <a:schemeClr val="bg1"/>
-                        </a:solidFill>
-                        <a:effectLst/>
-                        <a:latin typeface="Calibri" panose="020F0502020204030204" pitchFamily="34" charset="0"/>
-                      </a:endParaRPr>
-                    </a:p>
-                  </a:txBody>
-                  <a:tcPr marL="9525" marR="9525" marT="9525" marB="0" anchor="ctr">
-                    <a:lnL w="12700" cap="flat" cmpd="sng" algn="ctr">
-                      <a:solidFill>
-                        <a:schemeClr val="bg1">
-                          <a:lumMod val="65000"/>
-                        </a:schemeClr>
-                      </a:solidFill>
-                      <a:prstDash val="solid"/>
-                      <a:round/>
-                      <a:headEnd type="none" w="med" len="med"/>
-                      <a:tailEnd type="none" w="med" len="med"/>
-                    </a:lnL>
-                    <a:lnR w="12700" cap="flat" cmpd="sng" algn="ctr">
-                      <a:solidFill>
-                        <a:schemeClr val="bg1">
-                          <a:lumMod val="65000"/>
-                        </a:schemeClr>
-                      </a:solidFill>
-                      <a:prstDash val="solid"/>
-                      <a:round/>
-                      <a:headEnd type="none" w="med" len="med"/>
-                      <a:tailEnd type="none" w="med" len="med"/>
-                    </a:lnR>
-                    <a:lnT w="12700" cap="flat" cmpd="sng" algn="ctr">
-                      <a:solidFill>
-                        <a:schemeClr val="bg1">
-                          <a:lumMod val="65000"/>
-                        </a:schemeClr>
-                      </a:solidFill>
-                      <a:prstDash val="solid"/>
-                      <a:round/>
-                      <a:headEnd type="none" w="med" len="med"/>
-                      <a:tailEnd type="none" w="med" len="med"/>
-                    </a:lnT>
-                    <a:lnB w="12700" cap="flat" cmpd="sng" algn="ctr">
-                      <a:solidFill>
-                        <a:schemeClr val="bg1">
-                          <a:lumMod val="65000"/>
-                        </a:schemeClr>
-                      </a:solidFill>
-                      <a:prstDash val="solid"/>
-                      <a:round/>
-                      <a:headEnd type="none" w="med" len="med"/>
-                      <a:tailEnd type="none" w="med" len="med"/>
-                    </a:lnB>
-                  </a:tcPr>
-                </a:tc>
-                <a:extLst>
-                  <a:ext uri="{0D108BD9-81ED-4DB2-BD59-A6C34878D82A}">
-                    <a16:rowId xmlns:a16="http://schemas.microsoft.com/office/drawing/2014/main" val="10001"/>
-                  </a:ext>
-                </a:extLst>
-              </a:tr>
-              <a:tr h="381000">
-                <a:tc>
-                  <a:txBody>
-                    <a:bodyPr/>
-                    <a:lstStyle/>
-                    <a:p>
-                      <a:pPr algn="l" fontAlgn="b"/>
-                      <a:r>
-                        <a:rPr lang="en-US" sz="1100" b="0" i="0" u="none" strike="noStrike">
-                          <a:solidFill>
-                            <a:schemeClr val="bg1"/>
-                          </a:solidFill>
-                          <a:effectLst/>
-                          <a:latin typeface="Calibri"/>
-                        </a:rPr>
-                        <a:t>Code/VPN/</a:t>
-                      </a:r>
-                      <a:r>
-                        <a:rPr lang="en-US" sz="1100" b="0" i="0" u="none" strike="noStrike" err="1">
-                          <a:solidFill>
-                            <a:schemeClr val="bg1"/>
-                          </a:solidFill>
-                          <a:effectLst/>
-                          <a:latin typeface="Calibri"/>
-                        </a:rPr>
-                        <a:t>Github</a:t>
-                      </a:r>
-                      <a:endParaRPr lang="en-US" sz="1100" b="0" i="0" u="none" strike="noStrike" err="1">
-                        <a:solidFill>
-                          <a:schemeClr val="bg1"/>
-                        </a:solidFill>
-                        <a:effectLst/>
-                        <a:latin typeface="Calibri" panose="020F0502020204030204" pitchFamily="34" charset="0"/>
-                      </a:endParaRPr>
-                    </a:p>
-                  </a:txBody>
-                  <a:tcPr marL="9525" marR="9525" marT="9525" marB="0" anchor="ctr">
-                    <a:lnL w="12700" cap="flat" cmpd="sng" algn="ctr">
-                      <a:solidFill>
-                        <a:schemeClr val="bg1">
-                          <a:lumMod val="65000"/>
-                        </a:schemeClr>
-                      </a:solidFill>
-                      <a:prstDash val="solid"/>
-                      <a:round/>
-                      <a:headEnd type="none" w="med" len="med"/>
-                      <a:tailEnd type="none" w="med" len="med"/>
-                    </a:lnL>
-                    <a:lnR w="12700" cap="flat" cmpd="sng" algn="ctr">
-                      <a:solidFill>
-                        <a:schemeClr val="bg1">
-                          <a:lumMod val="65000"/>
-                        </a:schemeClr>
-                      </a:solidFill>
-                      <a:prstDash val="solid"/>
-                      <a:round/>
-                      <a:headEnd type="none" w="med" len="med"/>
-                      <a:tailEnd type="none" w="med" len="med"/>
-                    </a:lnR>
-                    <a:lnT w="12700" cap="flat" cmpd="sng" algn="ctr">
-                      <a:solidFill>
-                        <a:schemeClr val="bg1">
-                          <a:lumMod val="65000"/>
-                        </a:schemeClr>
-                      </a:solidFill>
-                      <a:prstDash val="solid"/>
-                      <a:round/>
-                      <a:headEnd type="none" w="med" len="med"/>
-                      <a:tailEnd type="none" w="med" len="med"/>
-                    </a:lnT>
-                    <a:lnB w="12700" cap="flat" cmpd="sng" algn="ctr">
-                      <a:solidFill>
-                        <a:schemeClr val="bg1">
-                          <a:lumMod val="65000"/>
-                        </a:schemeClr>
-                      </a:solidFill>
-                      <a:prstDash val="solid"/>
-                      <a:round/>
-                      <a:headEnd type="none" w="med" len="med"/>
-                      <a:tailEnd type="none" w="med" len="med"/>
-                    </a:lnB>
-                  </a:tcPr>
-                </a:tc>
-                <a:tc>
-                  <a:txBody>
-                    <a:bodyPr/>
-                    <a:lstStyle/>
-                    <a:p>
-                      <a:pPr algn="l" fontAlgn="b"/>
-                      <a:r>
-                        <a:rPr lang="en-US" sz="1100" b="0" i="0" u="none" strike="noStrike">
-                          <a:solidFill>
-                            <a:schemeClr val="bg1"/>
-                          </a:solidFill>
-                          <a:effectLst/>
-                          <a:latin typeface="Calibri"/>
-                        </a:rPr>
-                        <a:t>5/30</a:t>
-                      </a:r>
-                      <a:endParaRPr lang="en-US" sz="1100" b="0" i="0" u="none" strike="noStrike">
-                        <a:solidFill>
-                          <a:schemeClr val="bg1"/>
-                        </a:solidFill>
-                        <a:effectLst/>
-                        <a:latin typeface="Calibri" panose="020F0502020204030204" pitchFamily="34" charset="0"/>
-                      </a:endParaRPr>
-                    </a:p>
-                  </a:txBody>
-                  <a:tcPr marL="9525" marR="9525" marT="9525" marB="0" anchor="b">
-                    <a:lnL w="12700" cap="flat" cmpd="sng" algn="ctr">
-                      <a:solidFill>
-                        <a:schemeClr val="bg1">
-                          <a:lumMod val="65000"/>
-                        </a:schemeClr>
-                      </a:solidFill>
-                      <a:prstDash val="solid"/>
-                      <a:round/>
-                      <a:headEnd type="none" w="med" len="med"/>
-                      <a:tailEnd type="none" w="med" len="med"/>
-                    </a:lnL>
-                    <a:lnR w="12700" cap="flat" cmpd="sng" algn="ctr">
-                      <a:solidFill>
-                        <a:schemeClr val="bg1">
-                          <a:lumMod val="65000"/>
-                        </a:schemeClr>
-                      </a:solidFill>
-                      <a:prstDash val="solid"/>
-                      <a:round/>
-                      <a:headEnd type="none" w="med" len="med"/>
-                      <a:tailEnd type="none" w="med" len="med"/>
-                    </a:lnR>
-                    <a:lnT w="12700" cap="flat" cmpd="sng" algn="ctr">
-                      <a:solidFill>
-                        <a:schemeClr val="bg1">
-                          <a:lumMod val="65000"/>
-                        </a:schemeClr>
-                      </a:solidFill>
-                      <a:prstDash val="solid"/>
-                      <a:round/>
-                      <a:headEnd type="none" w="med" len="med"/>
-                      <a:tailEnd type="none" w="med" len="med"/>
-                    </a:lnT>
-                    <a:lnB w="12700" cap="flat" cmpd="sng" algn="ctr">
-                      <a:solidFill>
-                        <a:schemeClr val="bg1">
-                          <a:lumMod val="65000"/>
-                        </a:schemeClr>
-                      </a:solidFill>
-                      <a:prstDash val="solid"/>
-                      <a:round/>
-                      <a:headEnd type="none" w="med" len="med"/>
-                      <a:tailEnd type="none" w="med" len="med"/>
-                    </a:lnB>
-                  </a:tcPr>
-                </a:tc>
-                <a:tc>
-                  <a:txBody>
-                    <a:bodyPr/>
-                    <a:lstStyle/>
-                    <a:p>
-                      <a:pPr algn="ctr" fontAlgn="ctr"/>
-                      <a:r>
-                        <a:rPr lang="en-US" sz="1100" b="0" i="0" u="none" strike="noStrike">
-                          <a:solidFill>
-                            <a:schemeClr val="bg1"/>
-                          </a:solidFill>
-                          <a:effectLst/>
-                          <a:latin typeface="Calibri"/>
-                        </a:rPr>
-                        <a:t>5</a:t>
-                      </a:r>
-                      <a:endParaRPr lang="en-US" sz="1100" b="0" i="0" u="none" strike="noStrike">
-                        <a:solidFill>
-                          <a:schemeClr val="bg1"/>
-                        </a:solidFill>
-                        <a:effectLst/>
-                        <a:latin typeface="Calibri" panose="020F0502020204030204" pitchFamily="34" charset="0"/>
-                      </a:endParaRPr>
-                    </a:p>
-                  </a:txBody>
-                  <a:tcPr marL="9525" marR="9525" marT="9525" marB="0" anchor="ctr">
-                    <a:lnL w="12700" cap="flat" cmpd="sng" algn="ctr">
-                      <a:solidFill>
-                        <a:schemeClr val="bg1">
-                          <a:lumMod val="65000"/>
-                        </a:schemeClr>
-                      </a:solidFill>
-                      <a:prstDash val="solid"/>
-                      <a:round/>
-                      <a:headEnd type="none" w="med" len="med"/>
-                      <a:tailEnd type="none" w="med" len="med"/>
-                    </a:lnL>
-                    <a:lnR w="12700" cap="flat" cmpd="sng" algn="ctr">
-                      <a:solidFill>
-                        <a:schemeClr val="bg1">
-                          <a:lumMod val="65000"/>
-                        </a:schemeClr>
-                      </a:solidFill>
-                      <a:prstDash val="solid"/>
-                      <a:round/>
-                      <a:headEnd type="none" w="med" len="med"/>
-                      <a:tailEnd type="none" w="med" len="med"/>
-                    </a:lnR>
-                    <a:lnT w="12700" cap="flat" cmpd="sng" algn="ctr">
-                      <a:solidFill>
-                        <a:schemeClr val="bg1">
-                          <a:lumMod val="65000"/>
-                        </a:schemeClr>
-                      </a:solidFill>
-                      <a:prstDash val="solid"/>
-                      <a:round/>
-                      <a:headEnd type="none" w="med" len="med"/>
-                      <a:tailEnd type="none" w="med" len="med"/>
-                    </a:lnT>
-                    <a:lnB w="12700" cap="flat" cmpd="sng" algn="ctr">
-                      <a:solidFill>
-                        <a:schemeClr val="bg1">
-                          <a:lumMod val="65000"/>
-                        </a:schemeClr>
-                      </a:solidFill>
-                      <a:prstDash val="solid"/>
-                      <a:round/>
-                      <a:headEnd type="none" w="med" len="med"/>
-                      <a:tailEnd type="none" w="med" len="med"/>
-                    </a:lnB>
-                  </a:tcPr>
-                </a:tc>
-                <a:extLst>
-                  <a:ext uri="{0D108BD9-81ED-4DB2-BD59-A6C34878D82A}">
-                    <a16:rowId xmlns:a16="http://schemas.microsoft.com/office/drawing/2014/main" val="10002"/>
-                  </a:ext>
-                </a:extLst>
-              </a:tr>
-              <a:tr h="381000">
-                <a:tc>
-                  <a:txBody>
-                    <a:bodyPr/>
-                    <a:lstStyle/>
-                    <a:p>
-                      <a:pPr algn="l" fontAlgn="b"/>
-                      <a:r>
-                        <a:rPr lang="en-US" sz="1100" u="none" strike="noStrike">
-                          <a:solidFill>
-                            <a:schemeClr val="bg1"/>
-                          </a:solidFill>
-                          <a:effectLst/>
-                        </a:rPr>
-                        <a:t> </a:t>
-                      </a:r>
-                      <a:endParaRPr lang="en-US" sz="1100" b="0" i="0" u="none" strike="noStrike">
-                        <a:solidFill>
-                          <a:schemeClr val="bg1"/>
-                        </a:solidFill>
-                        <a:effectLst/>
-                        <a:latin typeface="Calibri" panose="020F0502020204030204" pitchFamily="34" charset="0"/>
-                      </a:endParaRPr>
-                    </a:p>
-                  </a:txBody>
-                  <a:tcPr marL="9525" marR="9525" marT="9525" marB="0" anchor="ctr">
-                    <a:lnL w="12700" cap="flat" cmpd="sng" algn="ctr">
-                      <a:solidFill>
-                        <a:schemeClr val="bg1">
-                          <a:lumMod val="65000"/>
-                        </a:schemeClr>
-                      </a:solidFill>
-                      <a:prstDash val="solid"/>
-                      <a:round/>
-                      <a:headEnd type="none" w="med" len="med"/>
-                      <a:tailEnd type="none" w="med" len="med"/>
-                    </a:lnL>
-                    <a:lnR w="12700" cap="flat" cmpd="sng" algn="ctr">
-                      <a:solidFill>
-                        <a:schemeClr val="bg1">
-                          <a:lumMod val="65000"/>
-                        </a:schemeClr>
-                      </a:solidFill>
-                      <a:prstDash val="solid"/>
-                      <a:round/>
-                      <a:headEnd type="none" w="med" len="med"/>
-                      <a:tailEnd type="none" w="med" len="med"/>
-                    </a:lnR>
-                    <a:lnT w="12700" cap="flat" cmpd="sng" algn="ctr">
-                      <a:solidFill>
-                        <a:schemeClr val="bg1">
-                          <a:lumMod val="65000"/>
-                        </a:schemeClr>
-                      </a:solidFill>
-                      <a:prstDash val="solid"/>
-                      <a:round/>
-                      <a:headEnd type="none" w="med" len="med"/>
-                      <a:tailEnd type="none" w="med" len="med"/>
-                    </a:lnT>
-                    <a:lnB w="12700" cap="flat" cmpd="sng" algn="ctr">
-                      <a:solidFill>
-                        <a:schemeClr val="bg1">
-                          <a:lumMod val="65000"/>
-                        </a:schemeClr>
-                      </a:solidFill>
-                      <a:prstDash val="solid"/>
-                      <a:round/>
-                      <a:headEnd type="none" w="med" len="med"/>
-                      <a:tailEnd type="none" w="med" len="med"/>
-                    </a:lnB>
-                  </a:tcPr>
-                </a:tc>
-                <a:tc>
-                  <a:txBody>
-                    <a:bodyPr/>
-                    <a:lstStyle/>
-                    <a:p>
-                      <a:pPr algn="l" fontAlgn="b"/>
-                      <a:endParaRPr lang="en-US" sz="1100" b="0" i="0" u="none" strike="noStrike">
-                        <a:solidFill>
-                          <a:schemeClr val="bg1"/>
-                        </a:solidFill>
-                        <a:effectLst/>
-                        <a:latin typeface="Calibri" panose="020F0502020204030204" pitchFamily="34" charset="0"/>
-                      </a:endParaRPr>
-                    </a:p>
-                  </a:txBody>
-                  <a:tcPr marL="9525" marR="9525" marT="9525" marB="0" anchor="b">
-                    <a:lnL w="12700" cap="flat" cmpd="sng" algn="ctr">
-                      <a:solidFill>
-                        <a:schemeClr val="bg1">
-                          <a:lumMod val="65000"/>
-                        </a:schemeClr>
-                      </a:solidFill>
-                      <a:prstDash val="solid"/>
-                      <a:round/>
-                      <a:headEnd type="none" w="med" len="med"/>
-                      <a:tailEnd type="none" w="med" len="med"/>
-                    </a:lnL>
-                    <a:lnR w="12700" cap="flat" cmpd="sng" algn="ctr">
-                      <a:solidFill>
-                        <a:schemeClr val="bg1">
-                          <a:lumMod val="65000"/>
-                        </a:schemeClr>
-                      </a:solidFill>
-                      <a:prstDash val="solid"/>
-                      <a:round/>
-                      <a:headEnd type="none" w="med" len="med"/>
-                      <a:tailEnd type="none" w="med" len="med"/>
-                    </a:lnR>
-                    <a:lnT w="12700" cap="flat" cmpd="sng" algn="ctr">
-                      <a:solidFill>
-                        <a:schemeClr val="bg1">
-                          <a:lumMod val="65000"/>
-                        </a:schemeClr>
-                      </a:solidFill>
-                      <a:prstDash val="solid"/>
-                      <a:round/>
-                      <a:headEnd type="none" w="med" len="med"/>
-                      <a:tailEnd type="none" w="med" len="med"/>
-                    </a:lnT>
-                    <a:lnB w="12700" cap="flat" cmpd="sng" algn="ctr">
-                      <a:solidFill>
-                        <a:schemeClr val="bg1">
-                          <a:lumMod val="65000"/>
-                        </a:schemeClr>
-                      </a:solidFill>
-                      <a:prstDash val="solid"/>
-                      <a:round/>
-                      <a:headEnd type="none" w="med" len="med"/>
-                      <a:tailEnd type="none" w="med" len="med"/>
-                    </a:lnB>
-                  </a:tcPr>
-                </a:tc>
-                <a:tc>
-                  <a:txBody>
-                    <a:bodyPr/>
-                    <a:lstStyle/>
-                    <a:p>
-                      <a:pPr algn="ctr" fontAlgn="ctr"/>
-                      <a:endParaRPr lang="en-US" sz="1100" b="0" i="0" u="none" strike="noStrike">
-                        <a:solidFill>
-                          <a:schemeClr val="bg1"/>
-                        </a:solidFill>
-                        <a:effectLst/>
-                        <a:latin typeface="Calibri" panose="020F0502020204030204" pitchFamily="34" charset="0"/>
-                      </a:endParaRPr>
-                    </a:p>
-                  </a:txBody>
-                  <a:tcPr marL="9525" marR="9525" marT="9525" marB="0" anchor="ctr">
-                    <a:lnL w="12700" cap="flat" cmpd="sng" algn="ctr">
-                      <a:solidFill>
-                        <a:schemeClr val="bg1">
-                          <a:lumMod val="65000"/>
-                        </a:schemeClr>
-                      </a:solidFill>
-                      <a:prstDash val="solid"/>
-                      <a:round/>
-                      <a:headEnd type="none" w="med" len="med"/>
-                      <a:tailEnd type="none" w="med" len="med"/>
-                    </a:lnL>
-                    <a:lnR w="12700" cap="flat" cmpd="sng" algn="ctr">
-                      <a:solidFill>
-                        <a:schemeClr val="bg1">
-                          <a:lumMod val="65000"/>
-                        </a:schemeClr>
-                      </a:solidFill>
-                      <a:prstDash val="solid"/>
-                      <a:round/>
-                      <a:headEnd type="none" w="med" len="med"/>
-                      <a:tailEnd type="none" w="med" len="med"/>
-                    </a:lnR>
-                    <a:lnT w="12700" cap="flat" cmpd="sng" algn="ctr">
-                      <a:solidFill>
-                        <a:schemeClr val="bg1">
-                          <a:lumMod val="65000"/>
-                        </a:schemeClr>
-                      </a:solidFill>
-                      <a:prstDash val="solid"/>
-                      <a:round/>
-                      <a:headEnd type="none" w="med" len="med"/>
-                      <a:tailEnd type="none" w="med" len="med"/>
-                    </a:lnT>
-                    <a:lnB w="12700" cap="flat" cmpd="sng" algn="ctr">
-                      <a:solidFill>
-                        <a:schemeClr val="bg1">
-                          <a:lumMod val="65000"/>
-                        </a:schemeClr>
-                      </a:solidFill>
-                      <a:prstDash val="solid"/>
-                      <a:round/>
-                      <a:headEnd type="none" w="med" len="med"/>
-                      <a:tailEnd type="none" w="med" len="med"/>
-                    </a:lnB>
-                  </a:tcPr>
-                </a:tc>
-                <a:extLst>
-                  <a:ext uri="{0D108BD9-81ED-4DB2-BD59-A6C34878D82A}">
-                    <a16:rowId xmlns:a16="http://schemas.microsoft.com/office/drawing/2014/main" val="10003"/>
-                  </a:ext>
-                </a:extLst>
-              </a:tr>
-              <a:tr h="381000">
-                <a:tc>
-                  <a:txBody>
-                    <a:bodyPr/>
-                    <a:lstStyle/>
-                    <a:p>
-                      <a:pPr algn="l" fontAlgn="b"/>
-                      <a:r>
-                        <a:rPr lang="en-US" sz="1100" u="none" strike="noStrike">
-                          <a:solidFill>
-                            <a:schemeClr val="bg1"/>
-                          </a:solidFill>
-                          <a:effectLst/>
-                        </a:rPr>
-                        <a:t> </a:t>
-                      </a:r>
-                      <a:endParaRPr lang="en-US" sz="1100" b="0" i="0" u="none" strike="noStrike">
-                        <a:solidFill>
-                          <a:schemeClr val="bg1"/>
-                        </a:solidFill>
-                        <a:effectLst/>
-                        <a:latin typeface="Calibri" panose="020F0502020204030204" pitchFamily="34" charset="0"/>
-                      </a:endParaRPr>
-                    </a:p>
-                  </a:txBody>
-                  <a:tcPr marL="9525" marR="9525" marT="9525" marB="0" anchor="ctr">
-                    <a:lnL w="12700" cap="flat" cmpd="sng" algn="ctr">
-                      <a:solidFill>
-                        <a:schemeClr val="bg1">
-                          <a:lumMod val="65000"/>
-                        </a:schemeClr>
-                      </a:solidFill>
-                      <a:prstDash val="solid"/>
-                      <a:round/>
-                      <a:headEnd type="none" w="med" len="med"/>
-                      <a:tailEnd type="none" w="med" len="med"/>
-                    </a:lnL>
-                    <a:lnR w="12700" cap="flat" cmpd="sng" algn="ctr">
-                      <a:solidFill>
-                        <a:schemeClr val="bg1">
-                          <a:lumMod val="65000"/>
-                        </a:schemeClr>
-                      </a:solidFill>
-                      <a:prstDash val="solid"/>
-                      <a:round/>
-                      <a:headEnd type="none" w="med" len="med"/>
-                      <a:tailEnd type="none" w="med" len="med"/>
-                    </a:lnR>
-                    <a:lnT w="12700" cap="flat" cmpd="sng" algn="ctr">
-                      <a:solidFill>
-                        <a:schemeClr val="bg1">
-                          <a:lumMod val="65000"/>
-                        </a:schemeClr>
-                      </a:solidFill>
-                      <a:prstDash val="solid"/>
-                      <a:round/>
-                      <a:headEnd type="none" w="med" len="med"/>
-                      <a:tailEnd type="none" w="med" len="med"/>
-                    </a:lnT>
-                    <a:lnB w="12700" cap="flat" cmpd="sng" algn="ctr">
-                      <a:solidFill>
-                        <a:schemeClr val="bg1">
-                          <a:lumMod val="65000"/>
-                        </a:schemeClr>
-                      </a:solidFill>
-                      <a:prstDash val="solid"/>
-                      <a:round/>
-                      <a:headEnd type="none" w="med" len="med"/>
-                      <a:tailEnd type="none" w="med" len="med"/>
-                    </a:lnB>
-                  </a:tcPr>
-                </a:tc>
-                <a:tc>
-                  <a:txBody>
-                    <a:bodyPr/>
-                    <a:lstStyle/>
-                    <a:p>
-                      <a:pPr algn="l" fontAlgn="b"/>
-                      <a:endParaRPr lang="en-US" sz="1100" b="0" i="0" u="none" strike="noStrike">
-                        <a:solidFill>
-                          <a:schemeClr val="bg1"/>
-                        </a:solidFill>
-                        <a:effectLst/>
-                        <a:latin typeface="Calibri" panose="020F0502020204030204" pitchFamily="34" charset="0"/>
-                      </a:endParaRPr>
-                    </a:p>
-                  </a:txBody>
-                  <a:tcPr marL="9525" marR="9525" marT="9525" marB="0" anchor="b">
-                    <a:lnL w="12700" cap="flat" cmpd="sng" algn="ctr">
-                      <a:solidFill>
-                        <a:schemeClr val="bg1">
-                          <a:lumMod val="65000"/>
-                        </a:schemeClr>
-                      </a:solidFill>
-                      <a:prstDash val="solid"/>
-                      <a:round/>
-                      <a:headEnd type="none" w="med" len="med"/>
-                      <a:tailEnd type="none" w="med" len="med"/>
-                    </a:lnL>
-                    <a:lnR w="12700" cap="flat" cmpd="sng" algn="ctr">
-                      <a:solidFill>
-                        <a:schemeClr val="bg1">
-                          <a:lumMod val="65000"/>
-                        </a:schemeClr>
-                      </a:solidFill>
-                      <a:prstDash val="solid"/>
-                      <a:round/>
-                      <a:headEnd type="none" w="med" len="med"/>
-                      <a:tailEnd type="none" w="med" len="med"/>
-                    </a:lnR>
-                    <a:lnT w="12700" cap="flat" cmpd="sng" algn="ctr">
-                      <a:solidFill>
-                        <a:schemeClr val="bg1">
-                          <a:lumMod val="65000"/>
-                        </a:schemeClr>
-                      </a:solidFill>
-                      <a:prstDash val="solid"/>
-                      <a:round/>
-                      <a:headEnd type="none" w="med" len="med"/>
-                      <a:tailEnd type="none" w="med" len="med"/>
-                    </a:lnT>
-                    <a:lnB w="12700" cap="flat" cmpd="sng" algn="ctr">
-                      <a:solidFill>
-                        <a:schemeClr val="bg1">
-                          <a:lumMod val="65000"/>
-                        </a:schemeClr>
-                      </a:solidFill>
-                      <a:prstDash val="solid"/>
-                      <a:round/>
-                      <a:headEnd type="none" w="med" len="med"/>
-                      <a:tailEnd type="none" w="med" len="med"/>
-                    </a:lnB>
-                  </a:tcPr>
-                </a:tc>
-                <a:tc>
-                  <a:txBody>
-                    <a:bodyPr/>
-                    <a:lstStyle/>
-                    <a:p>
-                      <a:pPr algn="ctr" fontAlgn="ctr"/>
-                      <a:r>
-                        <a:rPr lang="en-US" sz="1100" u="none" strike="noStrike">
-                          <a:solidFill>
-                            <a:schemeClr val="bg1"/>
-                          </a:solidFill>
-                          <a:effectLst/>
-                        </a:rPr>
-                        <a:t> </a:t>
-                      </a:r>
-                      <a:endParaRPr lang="en-US" sz="1100" b="0" i="0" u="none" strike="noStrike">
-                        <a:solidFill>
-                          <a:schemeClr val="bg1"/>
-                        </a:solidFill>
-                        <a:effectLst/>
-                        <a:latin typeface="Calibri" panose="020F0502020204030204" pitchFamily="34" charset="0"/>
-                      </a:endParaRPr>
-                    </a:p>
-                  </a:txBody>
-                  <a:tcPr marL="9525" marR="9525" marT="9525" marB="0" anchor="ctr">
-                    <a:lnL w="12700" cap="flat" cmpd="sng" algn="ctr">
-                      <a:solidFill>
-                        <a:schemeClr val="bg1">
-                          <a:lumMod val="65000"/>
-                        </a:schemeClr>
-                      </a:solidFill>
-                      <a:prstDash val="solid"/>
-                      <a:round/>
-                      <a:headEnd type="none" w="med" len="med"/>
-                      <a:tailEnd type="none" w="med" len="med"/>
-                    </a:lnL>
-                    <a:lnR w="12700" cap="flat" cmpd="sng" algn="ctr">
-                      <a:solidFill>
-                        <a:schemeClr val="bg1">
-                          <a:lumMod val="65000"/>
-                        </a:schemeClr>
-                      </a:solidFill>
-                      <a:prstDash val="solid"/>
-                      <a:round/>
-                      <a:headEnd type="none" w="med" len="med"/>
-                      <a:tailEnd type="none" w="med" len="med"/>
-                    </a:lnR>
-                    <a:lnT w="12700" cap="flat" cmpd="sng" algn="ctr">
-                      <a:solidFill>
-                        <a:schemeClr val="bg1">
-                          <a:lumMod val="65000"/>
-                        </a:schemeClr>
-                      </a:solidFill>
-                      <a:prstDash val="solid"/>
-                      <a:round/>
-                      <a:headEnd type="none" w="med" len="med"/>
-                      <a:tailEnd type="none" w="med" len="med"/>
-                    </a:lnT>
-                    <a:lnB w="12700" cap="flat" cmpd="sng" algn="ctr">
-                      <a:solidFill>
-                        <a:schemeClr val="bg1">
-                          <a:lumMod val="65000"/>
-                        </a:schemeClr>
-                      </a:solidFill>
-                      <a:prstDash val="solid"/>
-                      <a:round/>
-                      <a:headEnd type="none" w="med" len="med"/>
-                      <a:tailEnd type="none" w="med" len="med"/>
-                    </a:lnB>
-                  </a:tcPr>
-                </a:tc>
-                <a:extLst>
-                  <a:ext uri="{0D108BD9-81ED-4DB2-BD59-A6C34878D82A}">
-                    <a16:rowId xmlns:a16="http://schemas.microsoft.com/office/drawing/2014/main" val="10004"/>
-                  </a:ext>
-                </a:extLst>
-              </a:tr>
-            </a:tbl>
-          </a:graphicData>
-        </a:graphic>
-      </p:graphicFrame>
-      <p:graphicFrame>
-        <p:nvGraphicFramePr>
-          <p:cNvPr id="4" name="Table 3"/>
-          <p:cNvGraphicFramePr>
-            <a:graphicFrameLocks noGrp="1"/>
-          </p:cNvGraphicFramePr>
-          <p:nvPr>
-            <p:extLst>
-              <p:ext uri="{D42A27DB-BD31-4B8C-83A1-F6EECF244321}">
-                <p14:modId xmlns:p14="http://schemas.microsoft.com/office/powerpoint/2010/main" val="3912513943"/>
-              </p:ext>
-            </p:extLst>
-          </p:nvPr>
-        </p:nvGraphicFramePr>
-        <p:xfrm>
-          <a:off x="5841826" y="4114800"/>
-          <a:ext cx="5749969" cy="609600"/>
-        </p:xfrm>
-        <a:graphic>
-          <a:graphicData uri="http://schemas.openxmlformats.org/drawingml/2006/table">
-            <a:tbl>
-              <a:tblPr lastCol="1" bandRow="1">
-                <a:tableStyleId>{2D5ABB26-0587-4C30-8999-92F81FD0307C}</a:tableStyleId>
-              </a:tblPr>
-              <a:tblGrid>
-                <a:gridCol w="5054774">
-                  <a:extLst>
-                    <a:ext uri="{9D8B030D-6E8A-4147-A177-3AD203B41FA5}">
-                      <a16:colId xmlns:a16="http://schemas.microsoft.com/office/drawing/2014/main" val="20000"/>
-                    </a:ext>
-                  </a:extLst>
-                </a:gridCol>
-                <a:gridCol w="695195">
-                  <a:extLst>
-                    <a:ext uri="{9D8B030D-6E8A-4147-A177-3AD203B41FA5}">
-                      <a16:colId xmlns:a16="http://schemas.microsoft.com/office/drawing/2014/main" val="20001"/>
-                    </a:ext>
-                  </a:extLst>
-                </a:gridCol>
-              </a:tblGrid>
-              <a:tr h="609600">
-                <a:tc>
-                  <a:txBody>
-                    <a:bodyPr/>
-                    <a:lstStyle/>
-                    <a:p>
-                      <a:pPr algn="ctr" fontAlgn="b"/>
-                      <a:r>
-                        <a:rPr lang="en-US" sz="1100" u="none" strike="noStrike">
-                          <a:solidFill>
-                            <a:schemeClr val="bg1"/>
-                          </a:solidFill>
-                          <a:effectLst/>
-                        </a:rPr>
-                        <a:t>Estimated time needed to work on </a:t>
-                      </a:r>
-                      <a:r>
-                        <a:rPr lang="en-US" sz="1100" u="none" strike="noStrike" baseline="0">
-                          <a:solidFill>
-                            <a:schemeClr val="bg1"/>
-                          </a:solidFill>
-                          <a:effectLst/>
-                        </a:rPr>
-                        <a:t>goals for this coming week (typ. 13 </a:t>
-                      </a:r>
-                      <a:r>
-                        <a:rPr lang="en-US" sz="1100" u="none" strike="noStrike" baseline="0" err="1">
-                          <a:solidFill>
-                            <a:schemeClr val="bg1"/>
-                          </a:solidFill>
-                          <a:effectLst/>
-                        </a:rPr>
-                        <a:t>hrs</a:t>
-                      </a:r>
-                      <a:r>
-                        <a:rPr lang="en-US" sz="1100" u="none" strike="noStrike" baseline="0">
-                          <a:solidFill>
-                            <a:schemeClr val="bg1"/>
-                          </a:solidFill>
-                          <a:effectLst/>
-                        </a:rPr>
-                        <a:t>)</a:t>
-                      </a:r>
-                      <a:endParaRPr lang="en-US" sz="1100" b="0" i="0" u="none" strike="noStrike">
-                        <a:solidFill>
-                          <a:schemeClr val="bg1"/>
-                        </a:solidFill>
-                        <a:effectLst/>
-                        <a:latin typeface="Calibri" panose="020F0502020204030204" pitchFamily="34" charset="0"/>
-                      </a:endParaRPr>
-                    </a:p>
-                  </a:txBody>
-                  <a:tcPr marL="9525" marR="9525" marT="9525" marB="0" anchor="ctr">
-                    <a:lnL w="12700" cap="flat" cmpd="sng" algn="ctr">
-                      <a:solidFill>
-                        <a:schemeClr val="bg1">
-                          <a:lumMod val="65000"/>
-                        </a:schemeClr>
-                      </a:solidFill>
-                      <a:prstDash val="solid"/>
-                      <a:round/>
-                      <a:headEnd type="none" w="med" len="med"/>
-                      <a:tailEnd type="none" w="med" len="med"/>
-                    </a:lnL>
-                    <a:lnR w="12700" cap="flat" cmpd="sng" algn="ctr">
-                      <a:solidFill>
-                        <a:schemeClr val="bg1">
-                          <a:lumMod val="65000"/>
-                        </a:schemeClr>
-                      </a:solidFill>
-                      <a:prstDash val="solid"/>
-                      <a:round/>
-                      <a:headEnd type="none" w="med" len="med"/>
-                      <a:tailEnd type="none" w="med" len="med"/>
-                    </a:lnR>
-                    <a:lnT w="12700" cap="flat" cmpd="sng" algn="ctr">
-                      <a:solidFill>
-                        <a:schemeClr val="bg1">
-                          <a:lumMod val="65000"/>
-                        </a:schemeClr>
-                      </a:solidFill>
-                      <a:prstDash val="solid"/>
-                      <a:round/>
-                      <a:headEnd type="none" w="med" len="med"/>
-                      <a:tailEnd type="none" w="med" len="med"/>
-                    </a:lnT>
-                    <a:lnB w="12700" cap="flat" cmpd="sng" algn="ctr">
-                      <a:solidFill>
-                        <a:schemeClr val="bg1">
-                          <a:lumMod val="65000"/>
-                        </a:schemeClr>
-                      </a:solidFill>
-                      <a:prstDash val="solid"/>
-                      <a:round/>
-                      <a:headEnd type="none" w="med" len="med"/>
-                      <a:tailEnd type="none" w="med" len="med"/>
-                    </a:lnB>
-                  </a:tcPr>
-                </a:tc>
-                <a:tc>
-                  <a:txBody>
-                    <a:bodyPr/>
-                    <a:lstStyle/>
-                    <a:p>
-                      <a:pPr algn="ctr" fontAlgn="b"/>
-                      <a:r>
-                        <a:rPr lang="en-US" sz="1100" b="0" i="0" u="none" strike="noStrike">
-                          <a:solidFill>
-                            <a:schemeClr val="bg1"/>
-                          </a:solidFill>
-                          <a:effectLst/>
-                          <a:latin typeface="Calibri"/>
-                        </a:rPr>
-                        <a:t>13</a:t>
-                      </a:r>
-                      <a:endParaRPr lang="en-US" sz="1100" b="0" i="0" u="none" strike="noStrike">
-                        <a:solidFill>
-                          <a:schemeClr val="bg1"/>
-                        </a:solidFill>
-                        <a:effectLst/>
-                        <a:latin typeface="Calibri" panose="020F0502020204030204" pitchFamily="34" charset="0"/>
-                      </a:endParaRPr>
-                    </a:p>
-                  </a:txBody>
-                  <a:tcPr marL="9525" marR="9525" marT="9525" marB="0" anchor="ctr">
-                    <a:lnL w="12700" cap="flat" cmpd="sng" algn="ctr">
-                      <a:solidFill>
-                        <a:schemeClr val="bg1">
-                          <a:lumMod val="65000"/>
-                        </a:schemeClr>
-                      </a:solidFill>
-                      <a:prstDash val="solid"/>
-                      <a:round/>
-                      <a:headEnd type="none" w="med" len="med"/>
-                      <a:tailEnd type="none" w="med" len="med"/>
-                    </a:lnL>
-                    <a:lnR w="12700" cap="flat" cmpd="sng" algn="ctr">
-                      <a:solidFill>
-                        <a:schemeClr val="bg1">
-                          <a:lumMod val="65000"/>
-                        </a:schemeClr>
-                      </a:solidFill>
-                      <a:prstDash val="solid"/>
-                      <a:round/>
-                      <a:headEnd type="none" w="med" len="med"/>
-                      <a:tailEnd type="none" w="med" len="med"/>
-                    </a:lnR>
-                    <a:lnT w="12700" cap="flat" cmpd="sng" algn="ctr">
-                      <a:solidFill>
-                        <a:schemeClr val="bg1">
-                          <a:lumMod val="65000"/>
-                        </a:schemeClr>
-                      </a:solidFill>
-                      <a:prstDash val="solid"/>
-                      <a:round/>
-                      <a:headEnd type="none" w="med" len="med"/>
-                      <a:tailEnd type="none" w="med" len="med"/>
-                    </a:lnT>
-                    <a:lnB w="12700" cap="flat" cmpd="sng" algn="ctr">
-                      <a:solidFill>
-                        <a:schemeClr val="bg1">
-                          <a:lumMod val="65000"/>
-                        </a:schemeClr>
-                      </a:solidFill>
-                      <a:prstDash val="solid"/>
-                      <a:round/>
-                      <a:headEnd type="none" w="med" len="med"/>
-                      <a:tailEnd type="none" w="med" len="med"/>
-                    </a:lnB>
-                  </a:tcPr>
-                </a:tc>
-                <a:extLst>
-                  <a:ext uri="{0D108BD9-81ED-4DB2-BD59-A6C34878D82A}">
-                    <a16:rowId xmlns:a16="http://schemas.microsoft.com/office/drawing/2014/main" val="10000"/>
-                  </a:ext>
-                </a:extLst>
-              </a:tr>
-            </a:tbl>
-          </a:graphicData>
-        </a:graphic>
-      </p:graphicFrame>
-    </p:spTree>
-    <p:extLst>
-      <p:ext uri="{BB962C8B-B14F-4D97-AF65-F5344CB8AC3E}">
-        <p14:creationId xmlns:p14="http://schemas.microsoft.com/office/powerpoint/2010/main" val="2388441779"/>
-      </p:ext>
-    </p:extLst>
-  </p:cSld>
-  <p:clrMapOvr>
-    <a:masterClrMapping/>
-  </p:clrMapOvr>
-  <p:transition>
-    <p:fade/>
-  </p:transition>
-</p:sld>
-</file>
-
-<file path=ppt/slides/slide23.xml><?xml version="1.0" encoding="utf-8"?>
-<p:sld xmlns:a="http://schemas.openxmlformats.org/drawingml/2006/main" xmlns:r="http://schemas.openxmlformats.org/officeDocument/2006/relationships" xmlns:p="http://schemas.openxmlformats.org/presentationml/2006/main">
-  <p:cSld>
-    <p:spTree>
-      <p:nvGrpSpPr>
-        <p:cNvPr id="1" name=""/>
-        <p:cNvGrpSpPr/>
-        <p:nvPr/>
-      </p:nvGrpSpPr>
-      <p:grpSpPr>
-        <a:xfrm>
-          <a:off x="0" y="0"/>
-          <a:ext cx="0" cy="0"/>
-          <a:chOff x="0" y="0"/>
-          <a:chExt cx="0" cy="0"/>
-        </a:xfrm>
-      </p:grpSpPr>
-      <p:sp>
-        <p:nvSpPr>
-          <p:cNvPr id="2" name="Title 1"/>
-          <p:cNvSpPr>
-            <a:spLocks noGrp="1"/>
-          </p:cNvSpPr>
-          <p:nvPr>
-            <p:ph type="title"/>
-          </p:nvPr>
-        </p:nvSpPr>
-        <p:spPr/>
-        <p:txBody>
-          <a:bodyPr/>
-          <a:lstStyle/>
-          <a:p>
-            <a:r>
-              <a:rPr lang="en-US"/>
               <a:t>How can we help you achieve your goals?</a:t>
             </a:r>
           </a:p>
@@ -14787,106 +12762,6 @@
     <p:extLst>
       <p:ext uri="{BB962C8B-B14F-4D97-AF65-F5344CB8AC3E}">
         <p14:creationId xmlns:p14="http://schemas.microsoft.com/office/powerpoint/2010/main" val="2188931764"/>
-      </p:ext>
-    </p:extLst>
-  </p:cSld>
-  <p:clrMapOvr>
-    <a:masterClrMapping/>
-  </p:clrMapOvr>
-  <p:transition>
-    <p:fade/>
-  </p:transition>
-</p:sld>
-</file>
-
-<file path=ppt/slides/slide24.xml><?xml version="1.0" encoding="utf-8"?>
-<p:sld xmlns:a="http://schemas.openxmlformats.org/drawingml/2006/main" xmlns:r="http://schemas.openxmlformats.org/officeDocument/2006/relationships" xmlns:p="http://schemas.openxmlformats.org/presentationml/2006/main">
-  <p:cSld>
-    <p:spTree>
-      <p:nvGrpSpPr>
-        <p:cNvPr id="1" name=""/>
-        <p:cNvGrpSpPr/>
-        <p:nvPr/>
-      </p:nvGrpSpPr>
-      <p:grpSpPr>
-        <a:xfrm>
-          <a:off x="0" y="0"/>
-          <a:ext cx="0" cy="0"/>
-          <a:chOff x="0" y="0"/>
-          <a:chExt cx="0" cy="0"/>
-        </a:xfrm>
-      </p:grpSpPr>
-      <p:sp>
-        <p:nvSpPr>
-          <p:cNvPr id="2" name="Rectangle 1"/>
-          <p:cNvSpPr/>
-          <p:nvPr/>
-        </p:nvSpPr>
-        <p:spPr bwMode="auto">
-          <a:xfrm>
-            <a:off x="-152400" y="-76200"/>
-            <a:ext cx="12573000" cy="6934200"/>
-          </a:xfrm>
-          <a:prstGeom prst="rect">
-            <a:avLst/>
-          </a:prstGeom>
-          <a:solidFill>
-            <a:schemeClr val="tx1"/>
-          </a:solidFill>
-          <a:ln w="9525" cap="flat" cmpd="sng" algn="ctr">
-            <a:solidFill>
-              <a:schemeClr val="tx1"/>
-            </a:solidFill>
-            <a:prstDash val="solid"/>
-            <a:round/>
-            <a:headEnd type="none" w="med" len="med"/>
-            <a:tailEnd type="none" w="med" len="med"/>
-          </a:ln>
-          <a:effectLst/>
-        </p:spPr>
-        <p:txBody>
-          <a:bodyPr vert="horz" wrap="square" lIns="91440" tIns="45720" rIns="91440" bIns="45720" numCol="1" rtlCol="0" anchor="t" anchorCtr="0" compatLnSpc="1">
-            <a:prstTxWarp prst="textNoShape">
-              <a:avLst/>
-            </a:prstTxWarp>
-          </a:bodyPr>
-          <a:lstStyle/>
-          <a:p>
-            <a:pPr marL="0" marR="0" indent="0" algn="l" defTabSz="914400" rtl="0" eaLnBrk="0" fontAlgn="base" latinLnBrk="0" hangingPunct="0">
-              <a:lnSpc>
-                <a:spcPct val="100000"/>
-              </a:lnSpc>
-              <a:spcBef>
-                <a:spcPct val="0"/>
-              </a:spcBef>
-              <a:spcAft>
-                <a:spcPct val="0"/>
-              </a:spcAft>
-              <a:buClrTx/>
-              <a:buSzTx/>
-              <a:buFontTx/>
-              <a:buNone/>
-              <a:tabLst/>
-            </a:pPr>
-            <a:endParaRPr kumimoji="0" lang="en-US" sz="2400" b="0" i="0" u="none" strike="noStrike" cap="none" normalizeH="0" baseline="0">
-              <a:ln>
-                <a:noFill/>
-              </a:ln>
-              <a:solidFill>
-                <a:schemeClr val="tx1"/>
-              </a:solidFill>
-              <a:effectLst/>
-              <a:latin typeface="Arial" pitchFamily="44" charset="0"/>
-              <a:ea typeface="ＭＳ Ｐゴシック" pitchFamily="44" charset="-128"/>
-              <a:cs typeface="ＭＳ Ｐゴシック" pitchFamily="44" charset="-128"/>
-            </a:endParaRPr>
-          </a:p>
-        </p:txBody>
-      </p:sp>
-    </p:spTree>
-    <p:extLst>
-      <p:ext uri="{BB962C8B-B14F-4D97-AF65-F5344CB8AC3E}">
-        <p14:creationId xmlns:p14="http://schemas.microsoft.com/office/powerpoint/2010/main" val="1758755849"/>
       </p:ext>
     </p:extLst>
   </p:cSld>
@@ -16625,106 +14500,6 @@
       </p:grpSpPr>
       <p:sp>
         <p:nvSpPr>
-          <p:cNvPr id="2" name="Rectangle 1"/>
-          <p:cNvSpPr/>
-          <p:nvPr/>
-        </p:nvSpPr>
-        <p:spPr bwMode="auto">
-          <a:xfrm>
-            <a:off x="-152400" y="-76200"/>
-            <a:ext cx="12573000" cy="6934200"/>
-          </a:xfrm>
-          <a:prstGeom prst="rect">
-            <a:avLst/>
-          </a:prstGeom>
-          <a:solidFill>
-            <a:schemeClr val="tx1"/>
-          </a:solidFill>
-          <a:ln w="9525" cap="flat" cmpd="sng" algn="ctr">
-            <a:solidFill>
-              <a:schemeClr val="tx1"/>
-            </a:solidFill>
-            <a:prstDash val="solid"/>
-            <a:round/>
-            <a:headEnd type="none" w="med" len="med"/>
-            <a:tailEnd type="none" w="med" len="med"/>
-          </a:ln>
-          <a:effectLst/>
-        </p:spPr>
-        <p:txBody>
-          <a:bodyPr vert="horz" wrap="square" lIns="91440" tIns="45720" rIns="91440" bIns="45720" numCol="1" rtlCol="0" anchor="t" anchorCtr="0" compatLnSpc="1">
-            <a:prstTxWarp prst="textNoShape">
-              <a:avLst/>
-            </a:prstTxWarp>
-          </a:bodyPr>
-          <a:lstStyle/>
-          <a:p>
-            <a:pPr marL="0" marR="0" indent="0" algn="l" defTabSz="914400" rtl="0" eaLnBrk="0" fontAlgn="base" latinLnBrk="0" hangingPunct="0">
-              <a:lnSpc>
-                <a:spcPct val="100000"/>
-              </a:lnSpc>
-              <a:spcBef>
-                <a:spcPct val="0"/>
-              </a:spcBef>
-              <a:spcAft>
-                <a:spcPct val="0"/>
-              </a:spcAft>
-              <a:buClrTx/>
-              <a:buSzTx/>
-              <a:buFontTx/>
-              <a:buNone/>
-              <a:tabLst/>
-            </a:pPr>
-            <a:endParaRPr kumimoji="0" lang="en-US" sz="2400" b="0" i="0" u="none" strike="noStrike" cap="none" normalizeH="0" baseline="0">
-              <a:ln>
-                <a:noFill/>
-              </a:ln>
-              <a:solidFill>
-                <a:schemeClr val="tx1"/>
-              </a:solidFill>
-              <a:effectLst/>
-              <a:latin typeface="Arial" pitchFamily="44" charset="0"/>
-              <a:ea typeface="ＭＳ Ｐゴシック" pitchFamily="44" charset="-128"/>
-              <a:cs typeface="ＭＳ Ｐゴシック" pitchFamily="44" charset="-128"/>
-            </a:endParaRPr>
-          </a:p>
-        </p:txBody>
-      </p:sp>
-    </p:spTree>
-    <p:extLst>
-      <p:ext uri="{BB962C8B-B14F-4D97-AF65-F5344CB8AC3E}">
-        <p14:creationId xmlns:p14="http://schemas.microsoft.com/office/powerpoint/2010/main" val="1554097160"/>
-      </p:ext>
-    </p:extLst>
-  </p:cSld>
-  <p:clrMapOvr>
-    <a:masterClrMapping/>
-  </p:clrMapOvr>
-  <p:transition>
-    <p:fade/>
-  </p:transition>
-</p:sld>
-</file>
-
-<file path=ppt/slides/slide7.xml><?xml version="1.0" encoding="utf-8"?>
-<p:sld xmlns:a="http://schemas.openxmlformats.org/drawingml/2006/main" xmlns:r="http://schemas.openxmlformats.org/officeDocument/2006/relationships" xmlns:p="http://schemas.openxmlformats.org/presentationml/2006/main">
-  <p:cSld>
-    <p:spTree>
-      <p:nvGrpSpPr>
-        <p:cNvPr id="1" name=""/>
-        <p:cNvGrpSpPr/>
-        <p:nvPr/>
-      </p:nvGrpSpPr>
-      <p:grpSpPr>
-        <a:xfrm>
-          <a:off x="0" y="0"/>
-          <a:ext cx="0" cy="0"/>
-          <a:chOff x="0" y="0"/>
-          <a:chExt cx="0" cy="0"/>
-        </a:xfrm>
-      </p:grpSpPr>
-      <p:sp>
-        <p:nvSpPr>
           <p:cNvPr id="2" name="Title 1"/>
           <p:cNvSpPr>
             <a:spLocks noGrp="1"/>
@@ -16766,7 +14541,7 @@
           <p:nvPr>
             <p:extLst>
               <p:ext uri="{D42A27DB-BD31-4B8C-83A1-F6EECF244321}">
-                <p14:modId xmlns:p14="http://schemas.microsoft.com/office/powerpoint/2010/main" val="3918856028"/>
+                <p14:modId xmlns:p14="http://schemas.microsoft.com/office/powerpoint/2010/main" val="3649587097"/>
               </p:ext>
             </p:extLst>
           </p:nvPr>
@@ -17651,7 +15426,7 @@
                           </a:solidFill>
                           <a:effectLst/>
                         </a:rPr>
-                        <a:t>2.25 </a:t>
+                        <a:t>2.3 </a:t>
                       </a:r>
                       <a:endParaRPr lang="en-US" sz="1100" b="0" i="0" u="none" strike="noStrike">
                         <a:solidFill>
@@ -17948,7 +15723,7 @@
           <p:nvPr>
             <p:extLst>
               <p:ext uri="{D42A27DB-BD31-4B8C-83A1-F6EECF244321}">
-                <p14:modId xmlns:p14="http://schemas.microsoft.com/office/powerpoint/2010/main" val="2532986120"/>
+                <p14:modId xmlns:p14="http://schemas.microsoft.com/office/powerpoint/2010/main" val="656607777"/>
               </p:ext>
             </p:extLst>
           </p:nvPr>
@@ -18083,7 +15858,7 @@
                           <a:effectLst/>
                           <a:latin typeface="Calibri"/>
                         </a:rPr>
-                        <a:t>13.35</a:t>
+                        <a:t>13.4</a:t>
                       </a:r>
                       <a:endParaRPr lang="en-US" sz="1100" b="0" i="0" u="none" strike="noStrike">
                         <a:solidFill>
@@ -18251,15 +16026,8 @@
                           <a:effectLst/>
                           <a:latin typeface="Calibri"/>
                         </a:rPr>
-                        <a:t>53.69</a:t>
+                        <a:t>53.8</a:t>
                       </a:r>
-                      <a:endParaRPr lang="en-US" sz="1100" b="0" i="0" u="none" strike="noStrike">
-                        <a:solidFill>
-                          <a:schemeClr val="bg1"/>
-                        </a:solidFill>
-                        <a:effectLst/>
-                        <a:latin typeface="Calibri" panose="020F0502020204030204" pitchFamily="34" charset="0"/>
-                      </a:endParaRPr>
                     </a:p>
                   </a:txBody>
                   <a:tcPr marL="9525" marR="9525" marT="9525" marB="0" anchor="ctr">
@@ -18335,7 +16103,7 @@
 </p:sld>
 </file>
 
-<file path=ppt/slides/slide8.xml><?xml version="1.0" encoding="utf-8"?>
+<file path=ppt/slides/slide7.xml><?xml version="1.0" encoding="utf-8"?>
 <p:sld xmlns:a="http://schemas.openxmlformats.org/drawingml/2006/main" xmlns:r="http://schemas.openxmlformats.org/officeDocument/2006/relationships" xmlns:p="http://schemas.openxmlformats.org/presentationml/2006/main">
   <p:cSld>
     <p:spTree>
@@ -18638,7 +16406,7 @@
 </p:sld>
 </file>
 
-<file path=ppt/slides/slide9.xml><?xml version="1.0" encoding="utf-8"?>
+<file path=ppt/slides/slide8.xml><?xml version="1.0" encoding="utf-8"?>
 <p:sld xmlns:a="http://schemas.openxmlformats.org/drawingml/2006/main" xmlns:r="http://schemas.openxmlformats.org/officeDocument/2006/relationships" xmlns:p="http://schemas.openxmlformats.org/presentationml/2006/main">
   <p:cSld>
     <p:spTree>
@@ -18733,6 +16501,1497 @@
     <p:extLst>
       <p:ext uri="{BB962C8B-B14F-4D97-AF65-F5344CB8AC3E}">
         <p14:creationId xmlns:p14="http://schemas.microsoft.com/office/powerpoint/2010/main" val="421702462"/>
+      </p:ext>
+    </p:extLst>
+  </p:cSld>
+  <p:clrMapOvr>
+    <a:masterClrMapping/>
+  </p:clrMapOvr>
+  <p:transition>
+    <p:fade/>
+  </p:transition>
+</p:sld>
+</file>
+
+<file path=ppt/slides/slide9.xml><?xml version="1.0" encoding="utf-8"?>
+<p:sld xmlns:a="http://schemas.openxmlformats.org/drawingml/2006/main" xmlns:r="http://schemas.openxmlformats.org/officeDocument/2006/relationships" xmlns:p="http://schemas.openxmlformats.org/presentationml/2006/main">
+  <p:cSld>
+    <p:spTree>
+      <p:nvGrpSpPr>
+        <p:cNvPr id="1" name=""/>
+        <p:cNvGrpSpPr/>
+        <p:nvPr/>
+      </p:nvGrpSpPr>
+      <p:grpSpPr>
+        <a:xfrm>
+          <a:off x="0" y="0"/>
+          <a:ext cx="0" cy="0"/>
+          <a:chOff x="0" y="0"/>
+          <a:chExt cx="0" cy="0"/>
+        </a:xfrm>
+      </p:grpSpPr>
+      <p:sp>
+        <p:nvSpPr>
+          <p:cNvPr id="2" name="Title 1"/>
+          <p:cNvSpPr>
+            <a:spLocks noGrp="1"/>
+          </p:cNvSpPr>
+          <p:nvPr>
+            <p:ph type="title"/>
+          </p:nvPr>
+        </p:nvSpPr>
+        <p:spPr/>
+        <p:txBody>
+          <a:bodyPr/>
+          <a:lstStyle/>
+          <a:p>
+            <a:r>
+              <a:rPr lang="en-US"/>
+              <a:t>Goals for this coming week</a:t>
+            </a:r>
+            <a:br>
+              <a:rPr lang="en-US"/>
+            </a:br>
+            <a:r>
+              <a:rPr lang="en-US" sz="1200"/>
+              <a:t>(Ones that move the project forward the most)</a:t>
+            </a:r>
+          </a:p>
+        </p:txBody>
+      </p:sp>
+      <p:graphicFrame>
+        <p:nvGraphicFramePr>
+          <p:cNvPr id="3" name="Table 2"/>
+          <p:cNvGraphicFramePr>
+            <a:graphicFrameLocks noGrp="1"/>
+          </p:cNvGraphicFramePr>
+          <p:nvPr>
+            <p:extLst>
+              <p:ext uri="{D42A27DB-BD31-4B8C-83A1-F6EECF244321}">
+                <p14:modId xmlns:p14="http://schemas.microsoft.com/office/powerpoint/2010/main" val="2563004201"/>
+              </p:ext>
+            </p:extLst>
+          </p:nvPr>
+        </p:nvGraphicFramePr>
+        <p:xfrm>
+          <a:off x="685800" y="1371600"/>
+          <a:ext cx="10896600" cy="2133599"/>
+        </p:xfrm>
+        <a:graphic>
+          <a:graphicData uri="http://schemas.openxmlformats.org/drawingml/2006/table">
+            <a:tbl>
+              <a:tblPr firstRow="1" lastCol="1" bandRow="1">
+                <a:tableStyleId>{2D5ABB26-0587-4C30-8999-92F81FD0307C}</a:tableStyleId>
+              </a:tblPr>
+              <a:tblGrid>
+                <a:gridCol w="9397068">
+                  <a:extLst>
+                    <a:ext uri="{9D8B030D-6E8A-4147-A177-3AD203B41FA5}">
+                      <a16:colId xmlns:a16="http://schemas.microsoft.com/office/drawing/2014/main" val="20000"/>
+                    </a:ext>
+                  </a:extLst>
+                </a:gridCol>
+                <a:gridCol w="799750">
+                  <a:extLst>
+                    <a:ext uri="{9D8B030D-6E8A-4147-A177-3AD203B41FA5}">
+                      <a16:colId xmlns:a16="http://schemas.microsoft.com/office/drawing/2014/main" val="20001"/>
+                    </a:ext>
+                  </a:extLst>
+                </a:gridCol>
+                <a:gridCol w="699782">
+                  <a:extLst>
+                    <a:ext uri="{9D8B030D-6E8A-4147-A177-3AD203B41FA5}">
+                      <a16:colId xmlns:a16="http://schemas.microsoft.com/office/drawing/2014/main" val="20002"/>
+                    </a:ext>
+                  </a:extLst>
+                </a:gridCol>
+              </a:tblGrid>
+              <a:tr h="609599">
+                <a:tc>
+                  <a:txBody>
+                    <a:bodyPr/>
+                    <a:lstStyle/>
+                    <a:p>
+                      <a:pPr algn="l" fontAlgn="ctr"/>
+                      <a:r>
+                        <a:rPr lang="en-US" sz="1100" u="none" strike="noStrike">
+                          <a:solidFill>
+                            <a:schemeClr val="bg1"/>
+                          </a:solidFill>
+                          <a:effectLst/>
+                        </a:rPr>
+                        <a:t>Goal/Task</a:t>
+                      </a:r>
+                      <a:endParaRPr lang="en-US" sz="1100" b="0" i="0" u="none" strike="noStrike">
+                        <a:solidFill>
+                          <a:schemeClr val="bg1"/>
+                        </a:solidFill>
+                        <a:effectLst/>
+                        <a:latin typeface="Calibri" panose="020F0502020204030204" pitchFamily="34" charset="0"/>
+                      </a:endParaRPr>
+                    </a:p>
+                  </a:txBody>
+                  <a:tcPr marL="9525" marR="9525" marT="9525" marB="0" anchor="ctr">
+                    <a:lnL w="12700" cap="flat" cmpd="sng" algn="ctr">
+                      <a:solidFill>
+                        <a:schemeClr val="bg1">
+                          <a:lumMod val="65000"/>
+                        </a:schemeClr>
+                      </a:solidFill>
+                      <a:prstDash val="solid"/>
+                      <a:round/>
+                      <a:headEnd type="none" w="med" len="med"/>
+                      <a:tailEnd type="none" w="med" len="med"/>
+                    </a:lnL>
+                    <a:lnR w="12700" cap="flat" cmpd="sng" algn="ctr">
+                      <a:solidFill>
+                        <a:schemeClr val="bg1">
+                          <a:lumMod val="65000"/>
+                        </a:schemeClr>
+                      </a:solidFill>
+                      <a:prstDash val="solid"/>
+                      <a:round/>
+                      <a:headEnd type="none" w="med" len="med"/>
+                      <a:tailEnd type="none" w="med" len="med"/>
+                    </a:lnR>
+                    <a:lnT w="12700" cap="flat" cmpd="sng" algn="ctr">
+                      <a:solidFill>
+                        <a:schemeClr val="bg1">
+                          <a:lumMod val="65000"/>
+                        </a:schemeClr>
+                      </a:solidFill>
+                      <a:prstDash val="solid"/>
+                      <a:round/>
+                      <a:headEnd type="none" w="med" len="med"/>
+                      <a:tailEnd type="none" w="med" len="med"/>
+                    </a:lnT>
+                    <a:lnB w="12700" cap="flat" cmpd="sng" algn="ctr">
+                      <a:solidFill>
+                        <a:schemeClr val="bg1">
+                          <a:lumMod val="65000"/>
+                        </a:schemeClr>
+                      </a:solidFill>
+                      <a:prstDash val="solid"/>
+                      <a:round/>
+                      <a:headEnd type="none" w="med" len="med"/>
+                      <a:tailEnd type="none" w="med" len="med"/>
+                    </a:lnB>
+                  </a:tcPr>
+                </a:tc>
+                <a:tc>
+                  <a:txBody>
+                    <a:bodyPr/>
+                    <a:lstStyle/>
+                    <a:p>
+                      <a:pPr marL="0" marR="0" indent="0" algn="ctr" defTabSz="457200" rtl="0" eaLnBrk="1" fontAlgn="ctr" latinLnBrk="0" hangingPunct="1">
+                        <a:lnSpc>
+                          <a:spcPct val="100000"/>
+                        </a:lnSpc>
+                        <a:spcBef>
+                          <a:spcPts val="0"/>
+                        </a:spcBef>
+                        <a:spcAft>
+                          <a:spcPts val="0"/>
+                        </a:spcAft>
+                        <a:buClrTx/>
+                        <a:buSzTx/>
+                        <a:buFontTx/>
+                        <a:buNone/>
+                        <a:tabLst/>
+                        <a:defRPr/>
+                      </a:pPr>
+                      <a:r>
+                        <a:rPr lang="en-US" sz="1100" u="none" strike="noStrike">
+                          <a:solidFill>
+                            <a:schemeClr val="bg1"/>
+                          </a:solidFill>
+                          <a:effectLst/>
+                        </a:rPr>
+                        <a:t>Stop Date (Est.)</a:t>
+                      </a:r>
+                      <a:endParaRPr lang="en-US" sz="1100" b="0" i="0" u="none" strike="noStrike">
+                        <a:solidFill>
+                          <a:schemeClr val="bg1"/>
+                        </a:solidFill>
+                        <a:effectLst/>
+                        <a:latin typeface="Calibri" panose="020F0502020204030204" pitchFamily="34" charset="0"/>
+                      </a:endParaRPr>
+                    </a:p>
+                  </a:txBody>
+                  <a:tcPr marL="9525" marR="9525" marT="9525" marB="0" anchor="ctr">
+                    <a:lnL w="12700" cap="flat" cmpd="sng" algn="ctr">
+                      <a:solidFill>
+                        <a:schemeClr val="bg1">
+                          <a:lumMod val="65000"/>
+                        </a:schemeClr>
+                      </a:solidFill>
+                      <a:prstDash val="solid"/>
+                      <a:round/>
+                      <a:headEnd type="none" w="med" len="med"/>
+                      <a:tailEnd type="none" w="med" len="med"/>
+                    </a:lnL>
+                    <a:lnR w="12700" cap="flat" cmpd="sng" algn="ctr">
+                      <a:solidFill>
+                        <a:schemeClr val="bg1">
+                          <a:lumMod val="65000"/>
+                        </a:schemeClr>
+                      </a:solidFill>
+                      <a:prstDash val="solid"/>
+                      <a:round/>
+                      <a:headEnd type="none" w="med" len="med"/>
+                      <a:tailEnd type="none" w="med" len="med"/>
+                    </a:lnR>
+                    <a:lnT w="12700" cap="flat" cmpd="sng" algn="ctr">
+                      <a:solidFill>
+                        <a:schemeClr val="bg1">
+                          <a:lumMod val="65000"/>
+                        </a:schemeClr>
+                      </a:solidFill>
+                      <a:prstDash val="solid"/>
+                      <a:round/>
+                      <a:headEnd type="none" w="med" len="med"/>
+                      <a:tailEnd type="none" w="med" len="med"/>
+                    </a:lnT>
+                    <a:lnB w="12700" cap="flat" cmpd="sng" algn="ctr">
+                      <a:solidFill>
+                        <a:schemeClr val="bg1">
+                          <a:lumMod val="65000"/>
+                        </a:schemeClr>
+                      </a:solidFill>
+                      <a:prstDash val="solid"/>
+                      <a:round/>
+                      <a:headEnd type="none" w="med" len="med"/>
+                      <a:tailEnd type="none" w="med" len="med"/>
+                    </a:lnB>
+                  </a:tcPr>
+                </a:tc>
+                <a:tc>
+                  <a:txBody>
+                    <a:bodyPr/>
+                    <a:lstStyle/>
+                    <a:p>
+                      <a:pPr algn="ctr" fontAlgn="ctr"/>
+                      <a:endParaRPr lang="en-US" sz="1100" u="none" strike="noStrike">
+                        <a:solidFill>
+                          <a:schemeClr val="bg1"/>
+                        </a:solidFill>
+                        <a:effectLst/>
+                      </a:endParaRPr>
+                    </a:p>
+                    <a:p>
+                      <a:pPr marL="0" marR="0" indent="0" algn="ctr" defTabSz="457200" rtl="0" eaLnBrk="1" fontAlgn="ctr" latinLnBrk="0" hangingPunct="1">
+                        <a:lnSpc>
+                          <a:spcPct val="100000"/>
+                        </a:lnSpc>
+                        <a:spcBef>
+                          <a:spcPts val="0"/>
+                        </a:spcBef>
+                        <a:spcAft>
+                          <a:spcPts val="0"/>
+                        </a:spcAft>
+                        <a:buClrTx/>
+                        <a:buSzTx/>
+                        <a:buFontTx/>
+                        <a:buNone/>
+                        <a:tabLst/>
+                        <a:defRPr/>
+                      </a:pPr>
+                      <a:r>
+                        <a:rPr lang="en-US" sz="1100" u="none" strike="noStrike">
+                          <a:solidFill>
+                            <a:schemeClr val="bg1"/>
+                          </a:solidFill>
+                          <a:effectLst/>
+                        </a:rPr>
+                        <a:t>Hours (Est.)</a:t>
+                      </a:r>
+                      <a:endParaRPr lang="en-US" sz="1100" b="0" i="0" u="none" strike="noStrike">
+                        <a:solidFill>
+                          <a:schemeClr val="bg1"/>
+                        </a:solidFill>
+                        <a:effectLst/>
+                        <a:latin typeface="Calibri" panose="020F0502020204030204" pitchFamily="34" charset="0"/>
+                      </a:endParaRPr>
+                    </a:p>
+                  </a:txBody>
+                  <a:tcPr marL="9525" marR="9525" marT="9525" marB="0" anchor="ctr">
+                    <a:lnL w="12700" cap="flat" cmpd="sng" algn="ctr">
+                      <a:solidFill>
+                        <a:schemeClr val="bg1">
+                          <a:lumMod val="65000"/>
+                        </a:schemeClr>
+                      </a:solidFill>
+                      <a:prstDash val="solid"/>
+                      <a:round/>
+                      <a:headEnd type="none" w="med" len="med"/>
+                      <a:tailEnd type="none" w="med" len="med"/>
+                    </a:lnL>
+                    <a:lnR w="12700" cap="flat" cmpd="sng" algn="ctr">
+                      <a:solidFill>
+                        <a:schemeClr val="bg1">
+                          <a:lumMod val="65000"/>
+                        </a:schemeClr>
+                      </a:solidFill>
+                      <a:prstDash val="solid"/>
+                      <a:round/>
+                      <a:headEnd type="none" w="med" len="med"/>
+                      <a:tailEnd type="none" w="med" len="med"/>
+                    </a:lnR>
+                    <a:lnT w="12700" cap="flat" cmpd="sng" algn="ctr">
+                      <a:solidFill>
+                        <a:schemeClr val="bg1">
+                          <a:lumMod val="65000"/>
+                        </a:schemeClr>
+                      </a:solidFill>
+                      <a:prstDash val="solid"/>
+                      <a:round/>
+                      <a:headEnd type="none" w="med" len="med"/>
+                      <a:tailEnd type="none" w="med" len="med"/>
+                    </a:lnT>
+                    <a:lnB w="12700" cap="flat" cmpd="sng" algn="ctr">
+                      <a:solidFill>
+                        <a:schemeClr val="bg1">
+                          <a:lumMod val="65000"/>
+                        </a:schemeClr>
+                      </a:solidFill>
+                      <a:prstDash val="solid"/>
+                      <a:round/>
+                      <a:headEnd type="none" w="med" len="med"/>
+                      <a:tailEnd type="none" w="med" len="med"/>
+                    </a:lnB>
+                  </a:tcPr>
+                </a:tc>
+                <a:extLst>
+                  <a:ext uri="{0D108BD9-81ED-4DB2-BD59-A6C34878D82A}">
+                    <a16:rowId xmlns:a16="http://schemas.microsoft.com/office/drawing/2014/main" val="10000"/>
+                  </a:ext>
+                </a:extLst>
+              </a:tr>
+              <a:tr h="381000">
+                <a:tc>
+                  <a:txBody>
+                    <a:bodyPr/>
+                    <a:lstStyle/>
+                    <a:p>
+                      <a:pPr algn="l" fontAlgn="b"/>
+                      <a:r>
+                        <a:rPr lang="en-US" sz="1100" u="none" strike="noStrike">
+                          <a:solidFill>
+                            <a:schemeClr val="bg1"/>
+                          </a:solidFill>
+                          <a:effectLst/>
+                        </a:rPr>
+                        <a:t> Finish Soldiering PCB</a:t>
+                      </a:r>
+                      <a:endParaRPr lang="en-US" sz="1100" b="0" i="0" u="none" strike="noStrike">
+                        <a:solidFill>
+                          <a:schemeClr val="bg1"/>
+                        </a:solidFill>
+                        <a:effectLst/>
+                        <a:latin typeface="Calibri" panose="020F0502020204030204" pitchFamily="34" charset="0"/>
+                      </a:endParaRPr>
+                    </a:p>
+                  </a:txBody>
+                  <a:tcPr marL="9525" marR="9525" marT="9525" marB="0" anchor="ctr">
+                    <a:lnL w="12700" cap="flat" cmpd="sng" algn="ctr">
+                      <a:solidFill>
+                        <a:schemeClr val="bg1">
+                          <a:lumMod val="65000"/>
+                        </a:schemeClr>
+                      </a:solidFill>
+                      <a:prstDash val="solid"/>
+                      <a:round/>
+                      <a:headEnd type="none" w="med" len="med"/>
+                      <a:tailEnd type="none" w="med" len="med"/>
+                    </a:lnL>
+                    <a:lnR w="12700" cap="flat" cmpd="sng" algn="ctr">
+                      <a:solidFill>
+                        <a:schemeClr val="bg1">
+                          <a:lumMod val="65000"/>
+                        </a:schemeClr>
+                      </a:solidFill>
+                      <a:prstDash val="solid"/>
+                      <a:round/>
+                      <a:headEnd type="none" w="med" len="med"/>
+                      <a:tailEnd type="none" w="med" len="med"/>
+                    </a:lnR>
+                    <a:lnT w="12700" cap="flat" cmpd="sng" algn="ctr">
+                      <a:solidFill>
+                        <a:schemeClr val="bg1">
+                          <a:lumMod val="65000"/>
+                        </a:schemeClr>
+                      </a:solidFill>
+                      <a:prstDash val="solid"/>
+                      <a:round/>
+                      <a:headEnd type="none" w="med" len="med"/>
+                      <a:tailEnd type="none" w="med" len="med"/>
+                    </a:lnT>
+                    <a:lnB w="12700" cap="flat" cmpd="sng" algn="ctr">
+                      <a:solidFill>
+                        <a:schemeClr val="bg1">
+                          <a:lumMod val="65000"/>
+                        </a:schemeClr>
+                      </a:solidFill>
+                      <a:prstDash val="solid"/>
+                      <a:round/>
+                      <a:headEnd type="none" w="med" len="med"/>
+                      <a:tailEnd type="none" w="med" len="med"/>
+                    </a:lnB>
+                  </a:tcPr>
+                </a:tc>
+                <a:tc>
+                  <a:txBody>
+                    <a:bodyPr/>
+                    <a:lstStyle/>
+                    <a:p>
+                      <a:pPr algn="l" fontAlgn="b"/>
+                      <a:r>
+                        <a:rPr lang="en-US" sz="1100" b="0" i="0" u="none" strike="noStrike">
+                          <a:solidFill>
+                            <a:schemeClr val="bg1"/>
+                          </a:solidFill>
+                          <a:effectLst/>
+                          <a:latin typeface="Calibri"/>
+                        </a:rPr>
+                        <a:t>May 23, 2020</a:t>
+                      </a:r>
+                      <a:endParaRPr lang="en-US" sz="1100" b="0" i="0" u="none" strike="noStrike">
+                        <a:solidFill>
+                          <a:schemeClr val="bg1"/>
+                        </a:solidFill>
+                        <a:effectLst/>
+                        <a:latin typeface="Calibri" panose="020F0502020204030204" pitchFamily="34" charset="0"/>
+                      </a:endParaRPr>
+                    </a:p>
+                  </a:txBody>
+                  <a:tcPr marL="9525" marR="9525" marT="9525" marB="0" anchor="b">
+                    <a:lnL w="12700" cap="flat" cmpd="sng" algn="ctr">
+                      <a:solidFill>
+                        <a:schemeClr val="bg1">
+                          <a:lumMod val="65000"/>
+                        </a:schemeClr>
+                      </a:solidFill>
+                      <a:prstDash val="solid"/>
+                      <a:round/>
+                      <a:headEnd type="none" w="med" len="med"/>
+                      <a:tailEnd type="none" w="med" len="med"/>
+                    </a:lnL>
+                    <a:lnR w="12700" cap="flat" cmpd="sng" algn="ctr">
+                      <a:solidFill>
+                        <a:schemeClr val="bg1">
+                          <a:lumMod val="65000"/>
+                        </a:schemeClr>
+                      </a:solidFill>
+                      <a:prstDash val="solid"/>
+                      <a:round/>
+                      <a:headEnd type="none" w="med" len="med"/>
+                      <a:tailEnd type="none" w="med" len="med"/>
+                    </a:lnR>
+                    <a:lnT w="12700" cap="flat" cmpd="sng" algn="ctr">
+                      <a:solidFill>
+                        <a:schemeClr val="bg1">
+                          <a:lumMod val="65000"/>
+                        </a:schemeClr>
+                      </a:solidFill>
+                      <a:prstDash val="solid"/>
+                      <a:round/>
+                      <a:headEnd type="none" w="med" len="med"/>
+                      <a:tailEnd type="none" w="med" len="med"/>
+                    </a:lnT>
+                    <a:lnB w="12700" cap="flat" cmpd="sng" algn="ctr">
+                      <a:solidFill>
+                        <a:schemeClr val="bg1">
+                          <a:lumMod val="65000"/>
+                        </a:schemeClr>
+                      </a:solidFill>
+                      <a:prstDash val="solid"/>
+                      <a:round/>
+                      <a:headEnd type="none" w="med" len="med"/>
+                      <a:tailEnd type="none" w="med" len="med"/>
+                    </a:lnB>
+                  </a:tcPr>
+                </a:tc>
+                <a:tc>
+                  <a:txBody>
+                    <a:bodyPr/>
+                    <a:lstStyle/>
+                    <a:p>
+                      <a:pPr algn="ctr" fontAlgn="ctr"/>
+                      <a:r>
+                        <a:rPr lang="en-US" sz="1100" u="none" strike="noStrike">
+                          <a:solidFill>
+                            <a:schemeClr val="bg1"/>
+                          </a:solidFill>
+                          <a:effectLst/>
+                        </a:rPr>
+                        <a:t> 6</a:t>
+                      </a:r>
+                      <a:endParaRPr lang="en-US" sz="1100" b="0" i="0" u="none" strike="noStrike">
+                        <a:solidFill>
+                          <a:schemeClr val="bg1"/>
+                        </a:solidFill>
+                        <a:effectLst/>
+                        <a:latin typeface="Calibri" panose="020F0502020204030204" pitchFamily="34" charset="0"/>
+                      </a:endParaRPr>
+                    </a:p>
+                  </a:txBody>
+                  <a:tcPr marL="9525" marR="9525" marT="9525" marB="0" anchor="ctr">
+                    <a:lnL w="12700" cap="flat" cmpd="sng" algn="ctr">
+                      <a:solidFill>
+                        <a:schemeClr val="bg1">
+                          <a:lumMod val="65000"/>
+                        </a:schemeClr>
+                      </a:solidFill>
+                      <a:prstDash val="solid"/>
+                      <a:round/>
+                      <a:headEnd type="none" w="med" len="med"/>
+                      <a:tailEnd type="none" w="med" len="med"/>
+                    </a:lnL>
+                    <a:lnR w="12700" cap="flat" cmpd="sng" algn="ctr">
+                      <a:solidFill>
+                        <a:schemeClr val="bg1">
+                          <a:lumMod val="65000"/>
+                        </a:schemeClr>
+                      </a:solidFill>
+                      <a:prstDash val="solid"/>
+                      <a:round/>
+                      <a:headEnd type="none" w="med" len="med"/>
+                      <a:tailEnd type="none" w="med" len="med"/>
+                    </a:lnR>
+                    <a:lnT w="12700" cap="flat" cmpd="sng" algn="ctr">
+                      <a:solidFill>
+                        <a:schemeClr val="bg1">
+                          <a:lumMod val="65000"/>
+                        </a:schemeClr>
+                      </a:solidFill>
+                      <a:prstDash val="solid"/>
+                      <a:round/>
+                      <a:headEnd type="none" w="med" len="med"/>
+                      <a:tailEnd type="none" w="med" len="med"/>
+                    </a:lnT>
+                    <a:lnB w="12700" cap="flat" cmpd="sng" algn="ctr">
+                      <a:solidFill>
+                        <a:schemeClr val="bg1">
+                          <a:lumMod val="65000"/>
+                        </a:schemeClr>
+                      </a:solidFill>
+                      <a:prstDash val="solid"/>
+                      <a:round/>
+                      <a:headEnd type="none" w="med" len="med"/>
+                      <a:tailEnd type="none" w="med" len="med"/>
+                    </a:lnB>
+                  </a:tcPr>
+                </a:tc>
+                <a:extLst>
+                  <a:ext uri="{0D108BD9-81ED-4DB2-BD59-A6C34878D82A}">
+                    <a16:rowId xmlns:a16="http://schemas.microsoft.com/office/drawing/2014/main" val="10001"/>
+                  </a:ext>
+                </a:extLst>
+              </a:tr>
+              <a:tr h="381000">
+                <a:tc>
+                  <a:txBody>
+                    <a:bodyPr/>
+                    <a:lstStyle/>
+                    <a:p>
+                      <a:pPr algn="l" fontAlgn="b"/>
+                      <a:r>
+                        <a:rPr lang="en-US" sz="1100" b="0" i="0" u="none" strike="noStrike">
+                          <a:solidFill>
+                            <a:schemeClr val="bg1"/>
+                          </a:solidFill>
+                          <a:effectLst/>
+                          <a:latin typeface="Calibri"/>
+                        </a:rPr>
+                        <a:t>Continue researching TMR</a:t>
+                      </a:r>
+                      <a:endParaRPr lang="en-US" sz="1100" b="0" i="0" u="none" strike="noStrike">
+                        <a:solidFill>
+                          <a:schemeClr val="bg1"/>
+                        </a:solidFill>
+                        <a:effectLst/>
+                        <a:latin typeface="Calibri" panose="020F0502020204030204" pitchFamily="34" charset="0"/>
+                      </a:endParaRPr>
+                    </a:p>
+                  </a:txBody>
+                  <a:tcPr marL="9525" marR="9525" marT="9525" marB="0" anchor="ctr">
+                    <a:lnL w="12700" cap="flat" cmpd="sng" algn="ctr">
+                      <a:solidFill>
+                        <a:schemeClr val="bg1">
+                          <a:lumMod val="65000"/>
+                        </a:schemeClr>
+                      </a:solidFill>
+                      <a:prstDash val="solid"/>
+                      <a:round/>
+                      <a:headEnd type="none" w="med" len="med"/>
+                      <a:tailEnd type="none" w="med" len="med"/>
+                    </a:lnL>
+                    <a:lnR w="12700" cap="flat" cmpd="sng" algn="ctr">
+                      <a:solidFill>
+                        <a:schemeClr val="bg1">
+                          <a:lumMod val="65000"/>
+                        </a:schemeClr>
+                      </a:solidFill>
+                      <a:prstDash val="solid"/>
+                      <a:round/>
+                      <a:headEnd type="none" w="med" len="med"/>
+                      <a:tailEnd type="none" w="med" len="med"/>
+                    </a:lnR>
+                    <a:lnT w="12700" cap="flat" cmpd="sng" algn="ctr">
+                      <a:solidFill>
+                        <a:schemeClr val="bg1">
+                          <a:lumMod val="65000"/>
+                        </a:schemeClr>
+                      </a:solidFill>
+                      <a:prstDash val="solid"/>
+                      <a:round/>
+                      <a:headEnd type="none" w="med" len="med"/>
+                      <a:tailEnd type="none" w="med" len="med"/>
+                    </a:lnT>
+                    <a:lnB w="12700" cap="flat" cmpd="sng" algn="ctr">
+                      <a:solidFill>
+                        <a:schemeClr val="bg1">
+                          <a:lumMod val="65000"/>
+                        </a:schemeClr>
+                      </a:solidFill>
+                      <a:prstDash val="solid"/>
+                      <a:round/>
+                      <a:headEnd type="none" w="med" len="med"/>
+                      <a:tailEnd type="none" w="med" len="med"/>
+                    </a:lnB>
+                  </a:tcPr>
+                </a:tc>
+                <a:tc>
+                  <a:txBody>
+                    <a:bodyPr/>
+                    <a:lstStyle/>
+                    <a:p>
+                      <a:pPr algn="l" fontAlgn="b"/>
+                      <a:r>
+                        <a:rPr lang="en-US" sz="1100" b="0" i="0" u="none" strike="noStrike">
+                          <a:solidFill>
+                            <a:schemeClr val="bg1"/>
+                          </a:solidFill>
+                          <a:effectLst/>
+                          <a:latin typeface="Calibri"/>
+                        </a:rPr>
+                        <a:t>June 14, 2020</a:t>
+                      </a:r>
+                      <a:endParaRPr lang="en-US" sz="1100" b="0" i="0" u="none" strike="noStrike">
+                        <a:solidFill>
+                          <a:schemeClr val="bg1"/>
+                        </a:solidFill>
+                        <a:effectLst/>
+                        <a:latin typeface="Calibri" panose="020F0502020204030204" pitchFamily="34" charset="0"/>
+                      </a:endParaRPr>
+                    </a:p>
+                  </a:txBody>
+                  <a:tcPr marL="9525" marR="9525" marT="9525" marB="0" anchor="b">
+                    <a:lnL w="12700" cap="flat" cmpd="sng" algn="ctr">
+                      <a:solidFill>
+                        <a:schemeClr val="bg1">
+                          <a:lumMod val="65000"/>
+                        </a:schemeClr>
+                      </a:solidFill>
+                      <a:prstDash val="solid"/>
+                      <a:round/>
+                      <a:headEnd type="none" w="med" len="med"/>
+                      <a:tailEnd type="none" w="med" len="med"/>
+                    </a:lnL>
+                    <a:lnR w="12700" cap="flat" cmpd="sng" algn="ctr">
+                      <a:solidFill>
+                        <a:schemeClr val="bg1">
+                          <a:lumMod val="65000"/>
+                        </a:schemeClr>
+                      </a:solidFill>
+                      <a:prstDash val="solid"/>
+                      <a:round/>
+                      <a:headEnd type="none" w="med" len="med"/>
+                      <a:tailEnd type="none" w="med" len="med"/>
+                    </a:lnR>
+                    <a:lnT w="12700" cap="flat" cmpd="sng" algn="ctr">
+                      <a:solidFill>
+                        <a:schemeClr val="bg1">
+                          <a:lumMod val="65000"/>
+                        </a:schemeClr>
+                      </a:solidFill>
+                      <a:prstDash val="solid"/>
+                      <a:round/>
+                      <a:headEnd type="none" w="med" len="med"/>
+                      <a:tailEnd type="none" w="med" len="med"/>
+                    </a:lnT>
+                    <a:lnB w="12700" cap="flat" cmpd="sng" algn="ctr">
+                      <a:solidFill>
+                        <a:schemeClr val="bg1">
+                          <a:lumMod val="65000"/>
+                        </a:schemeClr>
+                      </a:solidFill>
+                      <a:prstDash val="solid"/>
+                      <a:round/>
+                      <a:headEnd type="none" w="med" len="med"/>
+                      <a:tailEnd type="none" w="med" len="med"/>
+                    </a:lnB>
+                  </a:tcPr>
+                </a:tc>
+                <a:tc>
+                  <a:txBody>
+                    <a:bodyPr/>
+                    <a:lstStyle/>
+                    <a:p>
+                      <a:pPr algn="ctr" fontAlgn="ctr"/>
+                      <a:r>
+                        <a:rPr lang="en-US" sz="1100" b="0" i="0" u="none" strike="noStrike">
+                          <a:solidFill>
+                            <a:schemeClr val="bg1"/>
+                          </a:solidFill>
+                          <a:effectLst/>
+                          <a:latin typeface="Calibri"/>
+                        </a:rPr>
+                        <a:t>2.5</a:t>
+                      </a:r>
+                      <a:endParaRPr lang="en-US" sz="1100" b="0" i="0" u="none" strike="noStrike">
+                        <a:solidFill>
+                          <a:schemeClr val="bg1"/>
+                        </a:solidFill>
+                        <a:effectLst/>
+                        <a:latin typeface="Calibri" panose="020F0502020204030204" pitchFamily="34" charset="0"/>
+                      </a:endParaRPr>
+                    </a:p>
+                  </a:txBody>
+                  <a:tcPr marL="9525" marR="9525" marT="9525" marB="0" anchor="ctr">
+                    <a:lnL w="12700" cap="flat" cmpd="sng" algn="ctr">
+                      <a:solidFill>
+                        <a:schemeClr val="bg1">
+                          <a:lumMod val="65000"/>
+                        </a:schemeClr>
+                      </a:solidFill>
+                      <a:prstDash val="solid"/>
+                      <a:round/>
+                      <a:headEnd type="none" w="med" len="med"/>
+                      <a:tailEnd type="none" w="med" len="med"/>
+                    </a:lnL>
+                    <a:lnR w="12700" cap="flat" cmpd="sng" algn="ctr">
+                      <a:solidFill>
+                        <a:schemeClr val="bg1">
+                          <a:lumMod val="65000"/>
+                        </a:schemeClr>
+                      </a:solidFill>
+                      <a:prstDash val="solid"/>
+                      <a:round/>
+                      <a:headEnd type="none" w="med" len="med"/>
+                      <a:tailEnd type="none" w="med" len="med"/>
+                    </a:lnR>
+                    <a:lnT w="12700" cap="flat" cmpd="sng" algn="ctr">
+                      <a:solidFill>
+                        <a:schemeClr val="bg1">
+                          <a:lumMod val="65000"/>
+                        </a:schemeClr>
+                      </a:solidFill>
+                      <a:prstDash val="solid"/>
+                      <a:round/>
+                      <a:headEnd type="none" w="med" len="med"/>
+                      <a:tailEnd type="none" w="med" len="med"/>
+                    </a:lnT>
+                    <a:lnB w="12700" cap="flat" cmpd="sng" algn="ctr">
+                      <a:solidFill>
+                        <a:schemeClr val="bg1">
+                          <a:lumMod val="65000"/>
+                        </a:schemeClr>
+                      </a:solidFill>
+                      <a:prstDash val="solid"/>
+                      <a:round/>
+                      <a:headEnd type="none" w="med" len="med"/>
+                      <a:tailEnd type="none" w="med" len="med"/>
+                    </a:lnB>
+                  </a:tcPr>
+                </a:tc>
+                <a:extLst>
+                  <a:ext uri="{0D108BD9-81ED-4DB2-BD59-A6C34878D82A}">
+                    <a16:rowId xmlns:a16="http://schemas.microsoft.com/office/drawing/2014/main" val="10002"/>
+                  </a:ext>
+                </a:extLst>
+              </a:tr>
+              <a:tr h="381000">
+                <a:tc>
+                  <a:txBody>
+                    <a:bodyPr/>
+                    <a:lstStyle/>
+                    <a:p>
+                      <a:pPr algn="l" fontAlgn="b"/>
+                      <a:r>
+                        <a:rPr lang="en-US" sz="1100" u="none" strike="noStrike">
+                          <a:solidFill>
+                            <a:schemeClr val="bg1"/>
+                          </a:solidFill>
+                          <a:effectLst/>
+                        </a:rPr>
+                        <a:t> Get PCB connected at location were it can be accessed by all</a:t>
+                      </a:r>
+                      <a:endParaRPr lang="en-US" sz="1100" b="0" i="0" u="none" strike="noStrike">
+                        <a:solidFill>
+                          <a:schemeClr val="bg1"/>
+                        </a:solidFill>
+                        <a:effectLst/>
+                        <a:latin typeface="Calibri" panose="020F0502020204030204" pitchFamily="34" charset="0"/>
+                      </a:endParaRPr>
+                    </a:p>
+                  </a:txBody>
+                  <a:tcPr marL="9525" marR="9525" marT="9525" marB="0" anchor="ctr">
+                    <a:lnL w="12700" cap="flat" cmpd="sng" algn="ctr">
+                      <a:solidFill>
+                        <a:schemeClr val="bg1">
+                          <a:lumMod val="65000"/>
+                        </a:schemeClr>
+                      </a:solidFill>
+                      <a:prstDash val="solid"/>
+                      <a:round/>
+                      <a:headEnd type="none" w="med" len="med"/>
+                      <a:tailEnd type="none" w="med" len="med"/>
+                    </a:lnL>
+                    <a:lnR w="12700" cap="flat" cmpd="sng" algn="ctr">
+                      <a:solidFill>
+                        <a:schemeClr val="bg1">
+                          <a:lumMod val="65000"/>
+                        </a:schemeClr>
+                      </a:solidFill>
+                      <a:prstDash val="solid"/>
+                      <a:round/>
+                      <a:headEnd type="none" w="med" len="med"/>
+                      <a:tailEnd type="none" w="med" len="med"/>
+                    </a:lnR>
+                    <a:lnT w="12700" cap="flat" cmpd="sng" algn="ctr">
+                      <a:solidFill>
+                        <a:schemeClr val="bg1">
+                          <a:lumMod val="65000"/>
+                        </a:schemeClr>
+                      </a:solidFill>
+                      <a:prstDash val="solid"/>
+                      <a:round/>
+                      <a:headEnd type="none" w="med" len="med"/>
+                      <a:tailEnd type="none" w="med" len="med"/>
+                    </a:lnT>
+                    <a:lnB w="12700" cap="flat" cmpd="sng" algn="ctr">
+                      <a:solidFill>
+                        <a:schemeClr val="bg1">
+                          <a:lumMod val="65000"/>
+                        </a:schemeClr>
+                      </a:solidFill>
+                      <a:prstDash val="solid"/>
+                      <a:round/>
+                      <a:headEnd type="none" w="med" len="med"/>
+                      <a:tailEnd type="none" w="med" len="med"/>
+                    </a:lnB>
+                  </a:tcPr>
+                </a:tc>
+                <a:tc>
+                  <a:txBody>
+                    <a:bodyPr/>
+                    <a:lstStyle/>
+                    <a:p>
+                      <a:pPr algn="l" fontAlgn="b"/>
+                      <a:r>
+                        <a:rPr lang="en-US" sz="1100" b="0" i="0" u="none" strike="noStrike">
+                          <a:solidFill>
+                            <a:schemeClr val="bg1"/>
+                          </a:solidFill>
+                          <a:effectLst/>
+                          <a:latin typeface="Calibri"/>
+                        </a:rPr>
+                        <a:t>May 25, 2020</a:t>
+                      </a:r>
+                      <a:endParaRPr lang="en-US" sz="1100" b="0" i="0" u="none" strike="noStrike">
+                        <a:solidFill>
+                          <a:schemeClr val="bg1"/>
+                        </a:solidFill>
+                        <a:effectLst/>
+                        <a:latin typeface="Calibri" panose="020F0502020204030204" pitchFamily="34" charset="0"/>
+                      </a:endParaRPr>
+                    </a:p>
+                  </a:txBody>
+                  <a:tcPr marL="9525" marR="9525" marT="9525" marB="0" anchor="b">
+                    <a:lnL w="12700" cap="flat" cmpd="sng" algn="ctr">
+                      <a:solidFill>
+                        <a:schemeClr val="bg1">
+                          <a:lumMod val="65000"/>
+                        </a:schemeClr>
+                      </a:solidFill>
+                      <a:prstDash val="solid"/>
+                      <a:round/>
+                      <a:headEnd type="none" w="med" len="med"/>
+                      <a:tailEnd type="none" w="med" len="med"/>
+                    </a:lnL>
+                    <a:lnR w="12700" cap="flat" cmpd="sng" algn="ctr">
+                      <a:solidFill>
+                        <a:schemeClr val="bg1">
+                          <a:lumMod val="65000"/>
+                        </a:schemeClr>
+                      </a:solidFill>
+                      <a:prstDash val="solid"/>
+                      <a:round/>
+                      <a:headEnd type="none" w="med" len="med"/>
+                      <a:tailEnd type="none" w="med" len="med"/>
+                    </a:lnR>
+                    <a:lnT w="12700" cap="flat" cmpd="sng" algn="ctr">
+                      <a:solidFill>
+                        <a:schemeClr val="bg1">
+                          <a:lumMod val="65000"/>
+                        </a:schemeClr>
+                      </a:solidFill>
+                      <a:prstDash val="solid"/>
+                      <a:round/>
+                      <a:headEnd type="none" w="med" len="med"/>
+                      <a:tailEnd type="none" w="med" len="med"/>
+                    </a:lnT>
+                    <a:lnB w="12700" cap="flat" cmpd="sng" algn="ctr">
+                      <a:solidFill>
+                        <a:schemeClr val="bg1">
+                          <a:lumMod val="65000"/>
+                        </a:schemeClr>
+                      </a:solidFill>
+                      <a:prstDash val="solid"/>
+                      <a:round/>
+                      <a:headEnd type="none" w="med" len="med"/>
+                      <a:tailEnd type="none" w="med" len="med"/>
+                    </a:lnB>
+                  </a:tcPr>
+                </a:tc>
+                <a:tc>
+                  <a:txBody>
+                    <a:bodyPr/>
+                    <a:lstStyle/>
+                    <a:p>
+                      <a:pPr algn="ctr" fontAlgn="ctr"/>
+                      <a:r>
+                        <a:rPr lang="en-US" sz="1100" u="none" strike="noStrike">
+                          <a:solidFill>
+                            <a:schemeClr val="bg1"/>
+                          </a:solidFill>
+                          <a:effectLst/>
+                        </a:rPr>
+                        <a:t>1.5 </a:t>
+                      </a:r>
+                      <a:endParaRPr lang="en-US" sz="1100" b="0" i="0" u="none" strike="noStrike">
+                        <a:solidFill>
+                          <a:schemeClr val="bg1"/>
+                        </a:solidFill>
+                        <a:effectLst/>
+                        <a:latin typeface="Calibri" panose="020F0502020204030204" pitchFamily="34" charset="0"/>
+                      </a:endParaRPr>
+                    </a:p>
+                  </a:txBody>
+                  <a:tcPr marL="9525" marR="9525" marT="9525" marB="0" anchor="ctr">
+                    <a:lnL w="12700" cap="flat" cmpd="sng" algn="ctr">
+                      <a:solidFill>
+                        <a:schemeClr val="bg1">
+                          <a:lumMod val="65000"/>
+                        </a:schemeClr>
+                      </a:solidFill>
+                      <a:prstDash val="solid"/>
+                      <a:round/>
+                      <a:headEnd type="none" w="med" len="med"/>
+                      <a:tailEnd type="none" w="med" len="med"/>
+                    </a:lnL>
+                    <a:lnR w="12700" cap="flat" cmpd="sng" algn="ctr">
+                      <a:solidFill>
+                        <a:schemeClr val="bg1">
+                          <a:lumMod val="65000"/>
+                        </a:schemeClr>
+                      </a:solidFill>
+                      <a:prstDash val="solid"/>
+                      <a:round/>
+                      <a:headEnd type="none" w="med" len="med"/>
+                      <a:tailEnd type="none" w="med" len="med"/>
+                    </a:lnR>
+                    <a:lnT w="12700" cap="flat" cmpd="sng" algn="ctr">
+                      <a:solidFill>
+                        <a:schemeClr val="bg1">
+                          <a:lumMod val="65000"/>
+                        </a:schemeClr>
+                      </a:solidFill>
+                      <a:prstDash val="solid"/>
+                      <a:round/>
+                      <a:headEnd type="none" w="med" len="med"/>
+                      <a:tailEnd type="none" w="med" len="med"/>
+                    </a:lnT>
+                    <a:lnB w="12700" cap="flat" cmpd="sng" algn="ctr">
+                      <a:solidFill>
+                        <a:schemeClr val="bg1">
+                          <a:lumMod val="65000"/>
+                        </a:schemeClr>
+                      </a:solidFill>
+                      <a:prstDash val="solid"/>
+                      <a:round/>
+                      <a:headEnd type="none" w="med" len="med"/>
+                      <a:tailEnd type="none" w="med" len="med"/>
+                    </a:lnB>
+                  </a:tcPr>
+                </a:tc>
+                <a:extLst>
+                  <a:ext uri="{0D108BD9-81ED-4DB2-BD59-A6C34878D82A}">
+                    <a16:rowId xmlns:a16="http://schemas.microsoft.com/office/drawing/2014/main" val="10003"/>
+                  </a:ext>
+                </a:extLst>
+              </a:tr>
+              <a:tr h="381000">
+                <a:tc>
+                  <a:txBody>
+                    <a:bodyPr/>
+                    <a:lstStyle/>
+                    <a:p>
+                      <a:pPr algn="l" fontAlgn="b"/>
+                      <a:r>
+                        <a:rPr lang="en-US" sz="1100" u="none" strike="noStrike">
+                          <a:solidFill>
+                            <a:schemeClr val="bg1"/>
+                          </a:solidFill>
+                          <a:effectLst/>
+                        </a:rPr>
+                        <a:t> </a:t>
+                      </a:r>
+                      <a:r>
+                        <a:rPr lang="en-US" sz="1100" b="0" i="0" u="none" strike="noStrike">
+                          <a:solidFill>
+                            <a:schemeClr val="bg1"/>
+                          </a:solidFill>
+                          <a:effectLst/>
+                          <a:latin typeface="Calibri"/>
+                        </a:rPr>
+                        <a:t>Class and meetings</a:t>
+                      </a:r>
+                      <a:endParaRPr lang="en-US" sz="1100" b="0" i="0" u="none" strike="noStrike">
+                        <a:solidFill>
+                          <a:schemeClr val="bg1"/>
+                        </a:solidFill>
+                        <a:effectLst/>
+                        <a:latin typeface="Calibri" panose="020F0502020204030204" pitchFamily="34" charset="0"/>
+                      </a:endParaRPr>
+                    </a:p>
+                  </a:txBody>
+                  <a:tcPr marL="9525" marR="9525" marT="9525" marB="0" anchor="ctr">
+                    <a:lnL w="12700" cap="flat" cmpd="sng" algn="ctr">
+                      <a:solidFill>
+                        <a:schemeClr val="bg1">
+                          <a:lumMod val="65000"/>
+                        </a:schemeClr>
+                      </a:solidFill>
+                      <a:prstDash val="solid"/>
+                      <a:round/>
+                      <a:headEnd type="none" w="med" len="med"/>
+                      <a:tailEnd type="none" w="med" len="med"/>
+                    </a:lnL>
+                    <a:lnR w="12700" cap="flat" cmpd="sng" algn="ctr">
+                      <a:solidFill>
+                        <a:schemeClr val="bg1">
+                          <a:lumMod val="65000"/>
+                        </a:schemeClr>
+                      </a:solidFill>
+                      <a:prstDash val="solid"/>
+                      <a:round/>
+                      <a:headEnd type="none" w="med" len="med"/>
+                      <a:tailEnd type="none" w="med" len="med"/>
+                    </a:lnR>
+                    <a:lnT w="12700" cap="flat" cmpd="sng" algn="ctr">
+                      <a:solidFill>
+                        <a:schemeClr val="bg1">
+                          <a:lumMod val="65000"/>
+                        </a:schemeClr>
+                      </a:solidFill>
+                      <a:prstDash val="solid"/>
+                      <a:round/>
+                      <a:headEnd type="none" w="med" len="med"/>
+                      <a:tailEnd type="none" w="med" len="med"/>
+                    </a:lnT>
+                    <a:lnB w="12700" cap="flat" cmpd="sng" algn="ctr">
+                      <a:solidFill>
+                        <a:schemeClr val="bg1">
+                          <a:lumMod val="65000"/>
+                        </a:schemeClr>
+                      </a:solidFill>
+                      <a:prstDash val="solid"/>
+                      <a:round/>
+                      <a:headEnd type="none" w="med" len="med"/>
+                      <a:tailEnd type="none" w="med" len="med"/>
+                    </a:lnB>
+                  </a:tcPr>
+                </a:tc>
+                <a:tc>
+                  <a:txBody>
+                    <a:bodyPr/>
+                    <a:lstStyle/>
+                    <a:p>
+                      <a:pPr algn="l" fontAlgn="b"/>
+                      <a:r>
+                        <a:rPr lang="en-US" sz="1100" b="0" i="0" u="none" strike="noStrike">
+                          <a:solidFill>
+                            <a:schemeClr val="bg1"/>
+                          </a:solidFill>
+                          <a:effectLst/>
+                          <a:latin typeface="Calibri"/>
+                        </a:rPr>
+                        <a:t>-</a:t>
+                      </a:r>
+                      <a:endParaRPr lang="en-US" sz="1100" b="0" i="0" u="none" strike="noStrike">
+                        <a:solidFill>
+                          <a:schemeClr val="bg1"/>
+                        </a:solidFill>
+                        <a:effectLst/>
+                        <a:latin typeface="Calibri" panose="020F0502020204030204" pitchFamily="34" charset="0"/>
+                      </a:endParaRPr>
+                    </a:p>
+                  </a:txBody>
+                  <a:tcPr marL="9525" marR="9525" marT="9525" marB="0" anchor="b">
+                    <a:lnL w="12700" cap="flat" cmpd="sng" algn="ctr">
+                      <a:solidFill>
+                        <a:schemeClr val="bg1">
+                          <a:lumMod val="65000"/>
+                        </a:schemeClr>
+                      </a:solidFill>
+                      <a:prstDash val="solid"/>
+                      <a:round/>
+                      <a:headEnd type="none" w="med" len="med"/>
+                      <a:tailEnd type="none" w="med" len="med"/>
+                    </a:lnL>
+                    <a:lnR w="12700" cap="flat" cmpd="sng" algn="ctr">
+                      <a:solidFill>
+                        <a:schemeClr val="bg1">
+                          <a:lumMod val="65000"/>
+                        </a:schemeClr>
+                      </a:solidFill>
+                      <a:prstDash val="solid"/>
+                      <a:round/>
+                      <a:headEnd type="none" w="med" len="med"/>
+                      <a:tailEnd type="none" w="med" len="med"/>
+                    </a:lnR>
+                    <a:lnT w="12700" cap="flat" cmpd="sng" algn="ctr">
+                      <a:solidFill>
+                        <a:schemeClr val="bg1">
+                          <a:lumMod val="65000"/>
+                        </a:schemeClr>
+                      </a:solidFill>
+                      <a:prstDash val="solid"/>
+                      <a:round/>
+                      <a:headEnd type="none" w="med" len="med"/>
+                      <a:tailEnd type="none" w="med" len="med"/>
+                    </a:lnT>
+                    <a:lnB w="12700" cap="flat" cmpd="sng" algn="ctr">
+                      <a:solidFill>
+                        <a:schemeClr val="bg1">
+                          <a:lumMod val="65000"/>
+                        </a:schemeClr>
+                      </a:solidFill>
+                      <a:prstDash val="solid"/>
+                      <a:round/>
+                      <a:headEnd type="none" w="med" len="med"/>
+                      <a:tailEnd type="none" w="med" len="med"/>
+                    </a:lnB>
+                  </a:tcPr>
+                </a:tc>
+                <a:tc>
+                  <a:txBody>
+                    <a:bodyPr/>
+                    <a:lstStyle/>
+                    <a:p>
+                      <a:pPr algn="ctr" fontAlgn="ctr"/>
+                      <a:r>
+                        <a:rPr lang="en-US" sz="1100" u="none" strike="noStrike">
+                          <a:solidFill>
+                            <a:schemeClr val="bg1"/>
+                          </a:solidFill>
+                          <a:effectLst/>
+                        </a:rPr>
+                        <a:t> 3.3</a:t>
+                      </a:r>
+                      <a:endParaRPr lang="en-US" sz="1100" b="0" i="0" u="none" strike="noStrike">
+                        <a:solidFill>
+                          <a:schemeClr val="bg1"/>
+                        </a:solidFill>
+                        <a:effectLst/>
+                        <a:latin typeface="Calibri" panose="020F0502020204030204" pitchFamily="34" charset="0"/>
+                      </a:endParaRPr>
+                    </a:p>
+                  </a:txBody>
+                  <a:tcPr marL="9525" marR="9525" marT="9525" marB="0" anchor="ctr">
+                    <a:lnL w="12700" cap="flat" cmpd="sng" algn="ctr">
+                      <a:solidFill>
+                        <a:schemeClr val="bg1">
+                          <a:lumMod val="65000"/>
+                        </a:schemeClr>
+                      </a:solidFill>
+                      <a:prstDash val="solid"/>
+                      <a:round/>
+                      <a:headEnd type="none" w="med" len="med"/>
+                      <a:tailEnd type="none" w="med" len="med"/>
+                    </a:lnL>
+                    <a:lnR w="12700" cap="flat" cmpd="sng" algn="ctr">
+                      <a:solidFill>
+                        <a:schemeClr val="bg1">
+                          <a:lumMod val="65000"/>
+                        </a:schemeClr>
+                      </a:solidFill>
+                      <a:prstDash val="solid"/>
+                      <a:round/>
+                      <a:headEnd type="none" w="med" len="med"/>
+                      <a:tailEnd type="none" w="med" len="med"/>
+                    </a:lnR>
+                    <a:lnT w="12700" cap="flat" cmpd="sng" algn="ctr">
+                      <a:solidFill>
+                        <a:schemeClr val="bg1">
+                          <a:lumMod val="65000"/>
+                        </a:schemeClr>
+                      </a:solidFill>
+                      <a:prstDash val="solid"/>
+                      <a:round/>
+                      <a:headEnd type="none" w="med" len="med"/>
+                      <a:tailEnd type="none" w="med" len="med"/>
+                    </a:lnT>
+                    <a:lnB w="12700" cap="flat" cmpd="sng" algn="ctr">
+                      <a:solidFill>
+                        <a:schemeClr val="bg1">
+                          <a:lumMod val="65000"/>
+                        </a:schemeClr>
+                      </a:solidFill>
+                      <a:prstDash val="solid"/>
+                      <a:round/>
+                      <a:headEnd type="none" w="med" len="med"/>
+                      <a:tailEnd type="none" w="med" len="med"/>
+                    </a:lnB>
+                  </a:tcPr>
+                </a:tc>
+                <a:extLst>
+                  <a:ext uri="{0D108BD9-81ED-4DB2-BD59-A6C34878D82A}">
+                    <a16:rowId xmlns:a16="http://schemas.microsoft.com/office/drawing/2014/main" val="10004"/>
+                  </a:ext>
+                </a:extLst>
+              </a:tr>
+            </a:tbl>
+          </a:graphicData>
+        </a:graphic>
+      </p:graphicFrame>
+      <p:graphicFrame>
+        <p:nvGraphicFramePr>
+          <p:cNvPr id="4" name="Table 3"/>
+          <p:cNvGraphicFramePr>
+            <a:graphicFrameLocks noGrp="1"/>
+          </p:cNvGraphicFramePr>
+          <p:nvPr>
+            <p:extLst>
+              <p:ext uri="{D42A27DB-BD31-4B8C-83A1-F6EECF244321}">
+                <p14:modId xmlns:p14="http://schemas.microsoft.com/office/powerpoint/2010/main" val="3716576932"/>
+              </p:ext>
+            </p:extLst>
+          </p:nvPr>
+        </p:nvGraphicFramePr>
+        <p:xfrm>
+          <a:off x="5841826" y="4114800"/>
+          <a:ext cx="5749969" cy="609600"/>
+        </p:xfrm>
+        <a:graphic>
+          <a:graphicData uri="http://schemas.openxmlformats.org/drawingml/2006/table">
+            <a:tbl>
+              <a:tblPr lastCol="1" bandRow="1">
+                <a:tableStyleId>{2D5ABB26-0587-4C30-8999-92F81FD0307C}</a:tableStyleId>
+              </a:tblPr>
+              <a:tblGrid>
+                <a:gridCol w="5054774">
+                  <a:extLst>
+                    <a:ext uri="{9D8B030D-6E8A-4147-A177-3AD203B41FA5}">
+                      <a16:colId xmlns:a16="http://schemas.microsoft.com/office/drawing/2014/main" val="20000"/>
+                    </a:ext>
+                  </a:extLst>
+                </a:gridCol>
+                <a:gridCol w="695195">
+                  <a:extLst>
+                    <a:ext uri="{9D8B030D-6E8A-4147-A177-3AD203B41FA5}">
+                      <a16:colId xmlns:a16="http://schemas.microsoft.com/office/drawing/2014/main" val="20001"/>
+                    </a:ext>
+                  </a:extLst>
+                </a:gridCol>
+              </a:tblGrid>
+              <a:tr h="609600">
+                <a:tc>
+                  <a:txBody>
+                    <a:bodyPr/>
+                    <a:lstStyle/>
+                    <a:p>
+                      <a:pPr algn="ctr" fontAlgn="b"/>
+                      <a:r>
+                        <a:rPr lang="en-US" sz="1100" u="none" strike="noStrike">
+                          <a:solidFill>
+                            <a:schemeClr val="bg1"/>
+                          </a:solidFill>
+                          <a:effectLst/>
+                        </a:rPr>
+                        <a:t>Estimated time needed to work on </a:t>
+                      </a:r>
+                      <a:r>
+                        <a:rPr lang="en-US" sz="1100" u="none" strike="noStrike" baseline="0">
+                          <a:solidFill>
+                            <a:schemeClr val="bg1"/>
+                          </a:solidFill>
+                          <a:effectLst/>
+                        </a:rPr>
+                        <a:t>goals for this coming week (typ. 13 </a:t>
+                      </a:r>
+                      <a:r>
+                        <a:rPr lang="en-US" sz="1100" u="none" strike="noStrike" baseline="0" err="1">
+                          <a:solidFill>
+                            <a:schemeClr val="bg1"/>
+                          </a:solidFill>
+                          <a:effectLst/>
+                        </a:rPr>
+                        <a:t>hrs</a:t>
+                      </a:r>
+                      <a:r>
+                        <a:rPr lang="en-US" sz="1100" u="none" strike="noStrike" baseline="0">
+                          <a:solidFill>
+                            <a:schemeClr val="bg1"/>
+                          </a:solidFill>
+                          <a:effectLst/>
+                        </a:rPr>
+                        <a:t>)</a:t>
+                      </a:r>
+                      <a:endParaRPr lang="en-US" sz="1100" b="0" i="0" u="none" strike="noStrike">
+                        <a:solidFill>
+                          <a:schemeClr val="bg1"/>
+                        </a:solidFill>
+                        <a:effectLst/>
+                        <a:latin typeface="Calibri" panose="020F0502020204030204" pitchFamily="34" charset="0"/>
+                      </a:endParaRPr>
+                    </a:p>
+                  </a:txBody>
+                  <a:tcPr marL="9525" marR="9525" marT="9525" marB="0" anchor="ctr">
+                    <a:lnL w="12700" cap="flat" cmpd="sng" algn="ctr">
+                      <a:solidFill>
+                        <a:schemeClr val="bg1">
+                          <a:lumMod val="65000"/>
+                        </a:schemeClr>
+                      </a:solidFill>
+                      <a:prstDash val="solid"/>
+                      <a:round/>
+                      <a:headEnd type="none" w="med" len="med"/>
+                      <a:tailEnd type="none" w="med" len="med"/>
+                    </a:lnL>
+                    <a:lnR w="12700" cap="flat" cmpd="sng" algn="ctr">
+                      <a:solidFill>
+                        <a:schemeClr val="bg1">
+                          <a:lumMod val="65000"/>
+                        </a:schemeClr>
+                      </a:solidFill>
+                      <a:prstDash val="solid"/>
+                      <a:round/>
+                      <a:headEnd type="none" w="med" len="med"/>
+                      <a:tailEnd type="none" w="med" len="med"/>
+                    </a:lnR>
+                    <a:lnT w="12700" cap="flat" cmpd="sng" algn="ctr">
+                      <a:solidFill>
+                        <a:schemeClr val="bg1">
+                          <a:lumMod val="65000"/>
+                        </a:schemeClr>
+                      </a:solidFill>
+                      <a:prstDash val="solid"/>
+                      <a:round/>
+                      <a:headEnd type="none" w="med" len="med"/>
+                      <a:tailEnd type="none" w="med" len="med"/>
+                    </a:lnT>
+                    <a:lnB w="12700" cap="flat" cmpd="sng" algn="ctr">
+                      <a:solidFill>
+                        <a:schemeClr val="bg1">
+                          <a:lumMod val="65000"/>
+                        </a:schemeClr>
+                      </a:solidFill>
+                      <a:prstDash val="solid"/>
+                      <a:round/>
+                      <a:headEnd type="none" w="med" len="med"/>
+                      <a:tailEnd type="none" w="med" len="med"/>
+                    </a:lnB>
+                  </a:tcPr>
+                </a:tc>
+                <a:tc>
+                  <a:txBody>
+                    <a:bodyPr/>
+                    <a:lstStyle/>
+                    <a:p>
+                      <a:pPr algn="ctr" fontAlgn="b"/>
+                      <a:r>
+                        <a:rPr lang="en-US" sz="1100" b="0" i="0" u="none" strike="noStrike">
+                          <a:solidFill>
+                            <a:schemeClr val="bg1"/>
+                          </a:solidFill>
+                          <a:effectLst/>
+                          <a:latin typeface="Calibri"/>
+                        </a:rPr>
+                        <a:t>13.3</a:t>
+                      </a:r>
+                      <a:endParaRPr lang="en-US" sz="1100" b="0" i="0" u="none" strike="noStrike">
+                        <a:solidFill>
+                          <a:schemeClr val="bg1"/>
+                        </a:solidFill>
+                        <a:effectLst/>
+                        <a:latin typeface="Calibri" panose="020F0502020204030204" pitchFamily="34" charset="0"/>
+                      </a:endParaRPr>
+                    </a:p>
+                  </a:txBody>
+                  <a:tcPr marL="9525" marR="9525" marT="9525" marB="0" anchor="ctr">
+                    <a:lnL w="12700" cap="flat" cmpd="sng" algn="ctr">
+                      <a:solidFill>
+                        <a:schemeClr val="bg1">
+                          <a:lumMod val="65000"/>
+                        </a:schemeClr>
+                      </a:solidFill>
+                      <a:prstDash val="solid"/>
+                      <a:round/>
+                      <a:headEnd type="none" w="med" len="med"/>
+                      <a:tailEnd type="none" w="med" len="med"/>
+                    </a:lnL>
+                    <a:lnR w="12700" cap="flat" cmpd="sng" algn="ctr">
+                      <a:solidFill>
+                        <a:schemeClr val="bg1">
+                          <a:lumMod val="65000"/>
+                        </a:schemeClr>
+                      </a:solidFill>
+                      <a:prstDash val="solid"/>
+                      <a:round/>
+                      <a:headEnd type="none" w="med" len="med"/>
+                      <a:tailEnd type="none" w="med" len="med"/>
+                    </a:lnR>
+                    <a:lnT w="12700" cap="flat" cmpd="sng" algn="ctr">
+                      <a:solidFill>
+                        <a:schemeClr val="bg1">
+                          <a:lumMod val="65000"/>
+                        </a:schemeClr>
+                      </a:solidFill>
+                      <a:prstDash val="solid"/>
+                      <a:round/>
+                      <a:headEnd type="none" w="med" len="med"/>
+                      <a:tailEnd type="none" w="med" len="med"/>
+                    </a:lnT>
+                    <a:lnB w="12700" cap="flat" cmpd="sng" algn="ctr">
+                      <a:solidFill>
+                        <a:schemeClr val="bg1">
+                          <a:lumMod val="65000"/>
+                        </a:schemeClr>
+                      </a:solidFill>
+                      <a:prstDash val="solid"/>
+                      <a:round/>
+                      <a:headEnd type="none" w="med" len="med"/>
+                      <a:tailEnd type="none" w="med" len="med"/>
+                    </a:lnB>
+                  </a:tcPr>
+                </a:tc>
+                <a:extLst>
+                  <a:ext uri="{0D108BD9-81ED-4DB2-BD59-A6C34878D82A}">
+                    <a16:rowId xmlns:a16="http://schemas.microsoft.com/office/drawing/2014/main" val="10000"/>
+                  </a:ext>
+                </a:extLst>
+              </a:tr>
+            </a:tbl>
+          </a:graphicData>
+        </a:graphic>
+      </p:graphicFrame>
+    </p:spTree>
+    <p:extLst>
+      <p:ext uri="{BB962C8B-B14F-4D97-AF65-F5344CB8AC3E}">
+        <p14:creationId xmlns:p14="http://schemas.microsoft.com/office/powerpoint/2010/main" val="553433255"/>
       </p:ext>
     </p:extLst>
   </p:cSld>
